--- a/Module-7.pptx
+++ b/Module-7.pptx
@@ -5,7 +5,7 @@
     <p:sldMasterId id="2147483648" r:id="rId1"/>
   </p:sldMasterIdLst>
   <p:notesMasterIdLst>
-    <p:notesMasterId r:id="rId41"/>
+    <p:notesMasterId r:id="rId50"/>
   </p:notesMasterIdLst>
   <p:sldIdLst>
     <p:sldId id="256" r:id="rId2"/>
@@ -20,33 +20,42 @@
     <p:sldId id="260" r:id="rId11"/>
     <p:sldId id="261" r:id="rId12"/>
     <p:sldId id="262" r:id="rId13"/>
-    <p:sldId id="266" r:id="rId14"/>
-    <p:sldId id="267" r:id="rId15"/>
-    <p:sldId id="268" r:id="rId16"/>
-    <p:sldId id="269" r:id="rId17"/>
-    <p:sldId id="270" r:id="rId18"/>
-    <p:sldId id="271" r:id="rId19"/>
-    <p:sldId id="273" r:id="rId20"/>
-    <p:sldId id="272" r:id="rId21"/>
-    <p:sldId id="274" r:id="rId22"/>
-    <p:sldId id="276" r:id="rId23"/>
-    <p:sldId id="277" r:id="rId24"/>
-    <p:sldId id="278" r:id="rId25"/>
-    <p:sldId id="280" r:id="rId26"/>
-    <p:sldId id="275" r:id="rId27"/>
-    <p:sldId id="285" r:id="rId28"/>
-    <p:sldId id="279" r:id="rId29"/>
-    <p:sldId id="282" r:id="rId30"/>
-    <p:sldId id="284" r:id="rId31"/>
-    <p:sldId id="286" r:id="rId32"/>
-    <p:sldId id="287" r:id="rId33"/>
-    <p:sldId id="288" r:id="rId34"/>
-    <p:sldId id="289" r:id="rId35"/>
-    <p:sldId id="290" r:id="rId36"/>
-    <p:sldId id="292" r:id="rId37"/>
-    <p:sldId id="293" r:id="rId38"/>
-    <p:sldId id="294" r:id="rId39"/>
-    <p:sldId id="291" r:id="rId40"/>
+    <p:sldId id="303" r:id="rId14"/>
+    <p:sldId id="266" r:id="rId15"/>
+    <p:sldId id="267" r:id="rId16"/>
+    <p:sldId id="268" r:id="rId17"/>
+    <p:sldId id="269" r:id="rId18"/>
+    <p:sldId id="270" r:id="rId19"/>
+    <p:sldId id="271" r:id="rId20"/>
+    <p:sldId id="273" r:id="rId21"/>
+    <p:sldId id="272" r:id="rId22"/>
+    <p:sldId id="274" r:id="rId23"/>
+    <p:sldId id="276" r:id="rId24"/>
+    <p:sldId id="277" r:id="rId25"/>
+    <p:sldId id="278" r:id="rId26"/>
+    <p:sldId id="280" r:id="rId27"/>
+    <p:sldId id="275" r:id="rId28"/>
+    <p:sldId id="285" r:id="rId29"/>
+    <p:sldId id="279" r:id="rId30"/>
+    <p:sldId id="282" r:id="rId31"/>
+    <p:sldId id="284" r:id="rId32"/>
+    <p:sldId id="286" r:id="rId33"/>
+    <p:sldId id="287" r:id="rId34"/>
+    <p:sldId id="288" r:id="rId35"/>
+    <p:sldId id="289" r:id="rId36"/>
+    <p:sldId id="295" r:id="rId37"/>
+    <p:sldId id="296" r:id="rId38"/>
+    <p:sldId id="290" r:id="rId39"/>
+    <p:sldId id="292" r:id="rId40"/>
+    <p:sldId id="293" r:id="rId41"/>
+    <p:sldId id="294" r:id="rId42"/>
+    <p:sldId id="297" r:id="rId43"/>
+    <p:sldId id="299" r:id="rId44"/>
+    <p:sldId id="291" r:id="rId45"/>
+    <p:sldId id="298" r:id="rId46"/>
+    <p:sldId id="301" r:id="rId47"/>
+    <p:sldId id="302" r:id="rId48"/>
+    <p:sldId id="300" r:id="rId49"/>
   </p:sldIdLst>
   <p:sldSz cx="9144000" cy="6858000" type="screen4x3"/>
   <p:notesSz cx="6858000" cy="9144000"/>
@@ -231,7 +240,7 @@
             <a:fld id="{ECB27649-08CC-43FF-A5DA-2782055A56C7}" type="datetimeFigureOut">
               <a:rPr lang="en-US" smtClean="0"/>
               <a:pPr/>
-              <a:t>10/2/2016</a:t>
+              <a:t>10/3/2016</a:t>
             </a:fld>
             <a:endParaRPr lang="en-US"/>
           </a:p>
@@ -679,7 +688,7 @@
             <a:fld id="{1D8BD707-D9CF-40AE-B4C6-C98DA3205C09}" type="datetimeFigureOut">
               <a:rPr lang="en-US" smtClean="0"/>
               <a:pPr/>
-              <a:t>10/2/2016</a:t>
+              <a:t>10/3/2016</a:t>
             </a:fld>
             <a:endParaRPr lang="en-US"/>
           </a:p>
@@ -846,7 +855,7 @@
             <a:fld id="{1D8BD707-D9CF-40AE-B4C6-C98DA3205C09}" type="datetimeFigureOut">
               <a:rPr lang="en-US" smtClean="0"/>
               <a:pPr/>
-              <a:t>10/2/2016</a:t>
+              <a:t>10/3/2016</a:t>
             </a:fld>
             <a:endParaRPr lang="en-US"/>
           </a:p>
@@ -1023,7 +1032,7 @@
             <a:fld id="{1D8BD707-D9CF-40AE-B4C6-C98DA3205C09}" type="datetimeFigureOut">
               <a:rPr lang="en-US" smtClean="0"/>
               <a:pPr/>
-              <a:t>10/2/2016</a:t>
+              <a:t>10/3/2016</a:t>
             </a:fld>
             <a:endParaRPr lang="en-US"/>
           </a:p>
@@ -1190,7 +1199,7 @@
             <a:fld id="{1D8BD707-D9CF-40AE-B4C6-C98DA3205C09}" type="datetimeFigureOut">
               <a:rPr lang="en-US" smtClean="0"/>
               <a:pPr/>
-              <a:t>10/2/2016</a:t>
+              <a:t>10/3/2016</a:t>
             </a:fld>
             <a:endParaRPr lang="en-US"/>
           </a:p>
@@ -1433,7 +1442,7 @@
             <a:fld id="{1D8BD707-D9CF-40AE-B4C6-C98DA3205C09}" type="datetimeFigureOut">
               <a:rPr lang="en-US" smtClean="0"/>
               <a:pPr/>
-              <a:t>10/2/2016</a:t>
+              <a:t>10/3/2016</a:t>
             </a:fld>
             <a:endParaRPr lang="en-US"/>
           </a:p>
@@ -1718,7 +1727,7 @@
             <a:fld id="{1D8BD707-D9CF-40AE-B4C6-C98DA3205C09}" type="datetimeFigureOut">
               <a:rPr lang="en-US" smtClean="0"/>
               <a:pPr/>
-              <a:t>10/2/2016</a:t>
+              <a:t>10/3/2016</a:t>
             </a:fld>
             <a:endParaRPr lang="en-US"/>
           </a:p>
@@ -2137,7 +2146,7 @@
             <a:fld id="{1D8BD707-D9CF-40AE-B4C6-C98DA3205C09}" type="datetimeFigureOut">
               <a:rPr lang="en-US" smtClean="0"/>
               <a:pPr/>
-              <a:t>10/2/2016</a:t>
+              <a:t>10/3/2016</a:t>
             </a:fld>
             <a:endParaRPr lang="en-US"/>
           </a:p>
@@ -2252,7 +2261,7 @@
             <a:fld id="{1D8BD707-D9CF-40AE-B4C6-C98DA3205C09}" type="datetimeFigureOut">
               <a:rPr lang="en-US" smtClean="0"/>
               <a:pPr/>
-              <a:t>10/2/2016</a:t>
+              <a:t>10/3/2016</a:t>
             </a:fld>
             <a:endParaRPr lang="en-US"/>
           </a:p>
@@ -2344,7 +2353,7 @@
             <a:fld id="{1D8BD707-D9CF-40AE-B4C6-C98DA3205C09}" type="datetimeFigureOut">
               <a:rPr lang="en-US" smtClean="0"/>
               <a:pPr/>
-              <a:t>10/2/2016</a:t>
+              <a:t>10/3/2016</a:t>
             </a:fld>
             <a:endParaRPr lang="en-US"/>
           </a:p>
@@ -2618,7 +2627,7 @@
             <a:fld id="{1D8BD707-D9CF-40AE-B4C6-C98DA3205C09}" type="datetimeFigureOut">
               <a:rPr lang="en-US" smtClean="0"/>
               <a:pPr/>
-              <a:t>10/2/2016</a:t>
+              <a:t>10/3/2016</a:t>
             </a:fld>
             <a:endParaRPr lang="en-US"/>
           </a:p>
@@ -2868,7 +2877,7 @@
             <a:fld id="{1D8BD707-D9CF-40AE-B4C6-C98DA3205C09}" type="datetimeFigureOut">
               <a:rPr lang="en-US" smtClean="0"/>
               <a:pPr/>
-              <a:t>10/2/2016</a:t>
+              <a:t>10/3/2016</a:t>
             </a:fld>
             <a:endParaRPr lang="en-US"/>
           </a:p>
@@ -3078,7 +3087,7 @@
             <a:fld id="{1D8BD707-D9CF-40AE-B4C6-C98DA3205C09}" type="datetimeFigureOut">
               <a:rPr lang="en-US" smtClean="0"/>
               <a:pPr/>
-              <a:t>10/2/2016</a:t>
+              <a:t>10/3/2016</a:t>
             </a:fld>
             <a:endParaRPr lang="en-US"/>
           </a:p>
@@ -8924,6 +8933,215 @@
 <file path=ppt/slides/slide13.xml><?xml version="1.0" encoding="utf-8"?>
 <p:sld xmlns:a="http://schemas.openxmlformats.org/drawingml/2006/main" xmlns:r="http://schemas.openxmlformats.org/officeDocument/2006/relationships" xmlns:p="http://schemas.openxmlformats.org/presentationml/2006/main">
   <p:cSld>
+    <p:bg>
+      <p:bgPr>
+        <a:gradFill>
+          <a:gsLst>
+            <a:gs pos="0">
+              <a:schemeClr val="accent1">
+                <a:tint val="66000"/>
+                <a:satMod val="160000"/>
+              </a:schemeClr>
+            </a:gs>
+            <a:gs pos="50000">
+              <a:schemeClr val="accent1">
+                <a:tint val="44500"/>
+                <a:satMod val="160000"/>
+              </a:schemeClr>
+            </a:gs>
+            <a:gs pos="100000">
+              <a:schemeClr val="accent1">
+                <a:tint val="23500"/>
+                <a:satMod val="160000"/>
+              </a:schemeClr>
+            </a:gs>
+          </a:gsLst>
+          <a:lin ang="5400000" scaled="0"/>
+        </a:gradFill>
+        <a:effectLst/>
+      </p:bgPr>
+    </p:bg>
+    <p:spTree>
+      <p:nvGrpSpPr>
+        <p:cNvPr id="1" name=""/>
+        <p:cNvGrpSpPr/>
+        <p:nvPr/>
+      </p:nvGrpSpPr>
+      <p:grpSpPr>
+        <a:xfrm>
+          <a:off x="0" y="0"/>
+          <a:ext cx="0" cy="0"/>
+          <a:chOff x="0" y="0"/>
+          <a:chExt cx="0" cy="0"/>
+        </a:xfrm>
+      </p:grpSpPr>
+      <p:sp>
+        <p:nvSpPr>
+          <p:cNvPr id="2" name="Title 1"/>
+          <p:cNvSpPr>
+            <a:spLocks noGrp="1"/>
+          </p:cNvSpPr>
+          <p:nvPr>
+            <p:ph type="title"/>
+          </p:nvPr>
+        </p:nvSpPr>
+        <p:spPr/>
+        <p:txBody>
+          <a:bodyPr/>
+          <a:lstStyle/>
+          <a:p>
+            <a:r>
+              <a:rPr lang="en-US" dirty="0" smtClean="0"/>
+              <a:t>FPU Registers</a:t>
+            </a:r>
+            <a:endParaRPr lang="en-US" dirty="0"/>
+          </a:p>
+        </p:txBody>
+      </p:sp>
+      <p:sp>
+        <p:nvSpPr>
+          <p:cNvPr id="3" name="Rectangle 2"/>
+          <p:cNvSpPr/>
+          <p:nvPr/>
+        </p:nvSpPr>
+        <p:spPr>
+          <a:xfrm>
+            <a:off x="0" y="1447800"/>
+            <a:ext cx="9144000" cy="4401205"/>
+          </a:xfrm>
+          <a:prstGeom prst="rect">
+            <a:avLst/>
+          </a:prstGeom>
+        </p:spPr>
+        <p:txBody>
+          <a:bodyPr wrap="square">
+            <a:spAutoFit/>
+          </a:bodyPr>
+          <a:lstStyle/>
+          <a:p>
+            <a:r>
+              <a:rPr lang="en-US" sz="2800" dirty="0" smtClean="0"/>
+              <a:t>Cortex-M4 is </a:t>
+            </a:r>
+            <a:r>
+              <a:rPr lang="en-US" sz="2800" dirty="0" smtClean="0"/>
+              <a:t>a difference set of  register </a:t>
+            </a:r>
+            <a:r>
+              <a:rPr lang="en-US" sz="2800" dirty="0" smtClean="0"/>
+              <a:t>file made up of </a:t>
+            </a:r>
+            <a:r>
+              <a:rPr lang="en-US" sz="2800" dirty="0" smtClean="0"/>
+              <a:t>32  single-precision </a:t>
+            </a:r>
+            <a:r>
+              <a:rPr lang="en-US" sz="2800" dirty="0" smtClean="0"/>
+              <a:t>registers labeled s0 to s31. </a:t>
+            </a:r>
+            <a:endParaRPr lang="en-US" sz="2800" dirty="0" smtClean="0"/>
+          </a:p>
+          <a:p>
+            <a:endParaRPr lang="en-US" sz="2800" dirty="0" smtClean="0"/>
+          </a:p>
+          <a:p>
+            <a:pPr>
+              <a:buFont typeface="Arial" pitchFamily="34" charset="0"/>
+              <a:buChar char="•"/>
+            </a:pPr>
+            <a:r>
+              <a:rPr lang="en-US" sz="2800" dirty="0" smtClean="0"/>
+              <a:t> None </a:t>
+            </a:r>
+            <a:r>
+              <a:rPr lang="en-US" sz="2800" dirty="0" smtClean="0"/>
+              <a:t>of the FPU registers are banked, </a:t>
+            </a:r>
+            <a:r>
+              <a:rPr lang="en-US" sz="2800" dirty="0" smtClean="0"/>
+              <a:t> unlike ARM registers</a:t>
+            </a:r>
+          </a:p>
+          <a:p>
+            <a:endParaRPr lang="en-US" sz="2800" dirty="0" smtClean="0"/>
+          </a:p>
+          <a:p>
+            <a:pPr>
+              <a:buFont typeface="Arial" pitchFamily="34" charset="0"/>
+              <a:buChar char="•"/>
+            </a:pPr>
+            <a:r>
+              <a:rPr lang="en-US" sz="2800" dirty="0" smtClean="0"/>
+              <a:t>No limitation of on usage of registers  (line R13, R14, R15)</a:t>
+            </a:r>
+          </a:p>
+          <a:p>
+            <a:endParaRPr lang="en-US" sz="2800" dirty="0" smtClean="0"/>
+          </a:p>
+          <a:p>
+            <a:pPr>
+              <a:buFont typeface="Arial" pitchFamily="34" charset="0"/>
+              <a:buChar char="•"/>
+            </a:pPr>
+            <a:r>
+              <a:rPr lang="en-US" sz="2800" dirty="0" smtClean="0"/>
+              <a:t>The FPU registers are aliased</a:t>
+            </a:r>
+            <a:r>
+              <a:rPr lang="en-US" sz="2800" dirty="0" smtClean="0"/>
+              <a:t>,</a:t>
+            </a:r>
+            <a:r>
+              <a:rPr lang="en-US" sz="2800" dirty="0" smtClean="0"/>
+              <a:t> such that two single-precision registers may be referenced as a double-precision register</a:t>
+            </a:r>
+            <a:r>
+              <a:rPr lang="en-US" sz="2800" dirty="0" smtClean="0"/>
+              <a:t>. [D0 to D15]</a:t>
+            </a:r>
+            <a:endParaRPr lang="en-US" sz="2800" dirty="0"/>
+          </a:p>
+        </p:txBody>
+      </p:sp>
+    </p:spTree>
+  </p:cSld>
+  <p:clrMapOvr>
+    <a:masterClrMapping/>
+  </p:clrMapOvr>
+</p:sld>
+</file>
+
+<file path=ppt/slides/slide14.xml><?xml version="1.0" encoding="utf-8"?>
+<p:sld xmlns:a="http://schemas.openxmlformats.org/drawingml/2006/main" xmlns:r="http://schemas.openxmlformats.org/officeDocument/2006/relationships" xmlns:p="http://schemas.openxmlformats.org/presentationml/2006/main">
+  <p:cSld>
+    <p:bg>
+      <p:bgPr>
+        <a:gradFill>
+          <a:gsLst>
+            <a:gs pos="0">
+              <a:schemeClr val="accent1">
+                <a:tint val="66000"/>
+                <a:satMod val="160000"/>
+              </a:schemeClr>
+            </a:gs>
+            <a:gs pos="50000">
+              <a:schemeClr val="accent1">
+                <a:tint val="44500"/>
+                <a:satMod val="160000"/>
+              </a:schemeClr>
+            </a:gs>
+            <a:gs pos="100000">
+              <a:schemeClr val="accent1">
+                <a:tint val="23500"/>
+                <a:satMod val="160000"/>
+              </a:schemeClr>
+            </a:gs>
+          </a:gsLst>
+          <a:lin ang="5400000" scaled="0"/>
+        </a:gradFill>
+        <a:effectLst/>
+      </p:bgPr>
+    </p:bg>
     <p:spTree>
       <p:nvGrpSpPr>
         <p:cNvPr id="1" name=""/>
@@ -9003,7 +9221,7 @@
 </p:sld>
 </file>
 
-<file path=ppt/slides/slide14.xml><?xml version="1.0" encoding="utf-8"?>
+<file path=ppt/slides/slide15.xml><?xml version="1.0" encoding="utf-8"?>
 <p:sld xmlns:a="http://schemas.openxmlformats.org/drawingml/2006/main" xmlns:r="http://schemas.openxmlformats.org/officeDocument/2006/relationships" xmlns:p="http://schemas.openxmlformats.org/presentationml/2006/main">
   <p:cSld>
     <p:bg>
@@ -9095,311 +9313,6 @@
 </p:sld>
 </file>
 
-<file path=ppt/slides/slide15.xml><?xml version="1.0" encoding="utf-8"?>
-<p:sld xmlns:a="http://schemas.openxmlformats.org/drawingml/2006/main" xmlns:r="http://schemas.openxmlformats.org/officeDocument/2006/relationships" xmlns:p="http://schemas.openxmlformats.org/presentationml/2006/main">
-  <p:cSld>
-    <p:bg>
-      <p:bgPr>
-        <a:gradFill>
-          <a:gsLst>
-            <a:gs pos="0">
-              <a:schemeClr val="accent2">
-                <a:lumMod val="20000"/>
-                <a:lumOff val="80000"/>
-              </a:schemeClr>
-            </a:gs>
-            <a:gs pos="50000">
-              <a:schemeClr val="accent1">
-                <a:tint val="44500"/>
-                <a:satMod val="160000"/>
-              </a:schemeClr>
-            </a:gs>
-            <a:gs pos="100000">
-              <a:schemeClr val="accent1">
-                <a:tint val="23500"/>
-                <a:satMod val="160000"/>
-              </a:schemeClr>
-            </a:gs>
-          </a:gsLst>
-          <a:lin ang="5400000" scaled="0"/>
-        </a:gradFill>
-        <a:effectLst/>
-      </p:bgPr>
-    </p:bg>
-    <p:spTree>
-      <p:nvGrpSpPr>
-        <p:cNvPr id="1" name=""/>
-        <p:cNvGrpSpPr/>
-        <p:nvPr/>
-      </p:nvGrpSpPr>
-      <p:grpSpPr>
-        <a:xfrm>
-          <a:off x="0" y="0"/>
-          <a:ext cx="0" cy="0"/>
-          <a:chOff x="0" y="0"/>
-          <a:chExt cx="0" cy="0"/>
-        </a:xfrm>
-      </p:grpSpPr>
-      <p:sp>
-        <p:nvSpPr>
-          <p:cNvPr id="4" name="Title 3"/>
-          <p:cNvSpPr>
-            <a:spLocks noGrp="1"/>
-          </p:cNvSpPr>
-          <p:nvPr>
-            <p:ph type="title"/>
-          </p:nvPr>
-        </p:nvSpPr>
-        <p:spPr/>
-        <p:txBody>
-          <a:bodyPr/>
-          <a:lstStyle/>
-          <a:p>
-            <a:r>
-              <a:rPr lang="en-US" dirty="0" smtClean="0"/>
-              <a:t>Flags in FPSCR</a:t>
-            </a:r>
-            <a:endParaRPr lang="en-US" dirty="0"/>
-          </a:p>
-        </p:txBody>
-      </p:sp>
-      <p:sp>
-        <p:nvSpPr>
-          <p:cNvPr id="5" name="TextBox 4"/>
-          <p:cNvSpPr txBox="1"/>
-          <p:nvPr/>
-        </p:nvSpPr>
-        <p:spPr>
-          <a:xfrm>
-            <a:off x="609600" y="1447800"/>
-            <a:ext cx="8077200" cy="461665"/>
-          </a:xfrm>
-          <a:prstGeom prst="rect">
-            <a:avLst/>
-          </a:prstGeom>
-          <a:noFill/>
-          <a:ln>
-            <a:solidFill>
-              <a:schemeClr val="accent1"/>
-            </a:solidFill>
-          </a:ln>
-        </p:spPr>
-        <p:txBody>
-          <a:bodyPr wrap="square" rtlCol="0">
-            <a:spAutoFit/>
-          </a:bodyPr>
-          <a:lstStyle/>
-          <a:p>
-            <a:r>
-              <a:rPr lang="en-US" sz="2400" dirty="0" smtClean="0"/>
-              <a:t>Flags in FPSCR can be changed only by two instructions :</a:t>
-            </a:r>
-          </a:p>
-        </p:txBody>
-      </p:sp>
-      <p:sp>
-        <p:nvSpPr>
-          <p:cNvPr id="6" name="TextBox 5"/>
-          <p:cNvSpPr txBox="1"/>
-          <p:nvPr/>
-        </p:nvSpPr>
-        <p:spPr>
-          <a:xfrm>
-            <a:off x="685800" y="2438400"/>
-            <a:ext cx="1066800" cy="646331"/>
-          </a:xfrm>
-          <a:prstGeom prst="rect">
-            <a:avLst/>
-          </a:prstGeom>
-          <a:noFill/>
-        </p:spPr>
-        <p:txBody>
-          <a:bodyPr wrap="square" rtlCol="0">
-            <a:spAutoFit/>
-          </a:bodyPr>
-          <a:lstStyle/>
-          <a:p>
-            <a:pPr>
-              <a:buFont typeface="Arial" pitchFamily="34" charset="0"/>
-              <a:buChar char="•"/>
-            </a:pPr>
-            <a:r>
-              <a:rPr lang="en-US" dirty="0" smtClean="0"/>
-              <a:t>VCMP </a:t>
-            </a:r>
-          </a:p>
-          <a:p>
-            <a:pPr>
-              <a:buFont typeface="Arial" pitchFamily="34" charset="0"/>
-              <a:buChar char="•"/>
-            </a:pPr>
-            <a:r>
-              <a:rPr lang="en-US" dirty="0" smtClean="0"/>
-              <a:t> CMPE</a:t>
-            </a:r>
-          </a:p>
-        </p:txBody>
-      </p:sp>
-      <p:sp>
-        <p:nvSpPr>
-          <p:cNvPr id="7" name="Right Brace 6"/>
-          <p:cNvSpPr/>
-          <p:nvPr/>
-        </p:nvSpPr>
-        <p:spPr>
-          <a:xfrm>
-            <a:off x="1524000" y="2286000"/>
-            <a:ext cx="533400" cy="990600"/>
-          </a:xfrm>
-          <a:prstGeom prst="rightBrace">
-            <a:avLst/>
-          </a:prstGeom>
-        </p:spPr>
-        <p:style>
-          <a:lnRef idx="1">
-            <a:schemeClr val="accent1"/>
-          </a:lnRef>
-          <a:fillRef idx="0">
-            <a:schemeClr val="accent1"/>
-          </a:fillRef>
-          <a:effectRef idx="0">
-            <a:schemeClr val="accent1"/>
-          </a:effectRef>
-          <a:fontRef idx="minor">
-            <a:schemeClr val="tx1"/>
-          </a:fontRef>
-        </p:style>
-        <p:txBody>
-          <a:bodyPr rtlCol="0" anchor="ctr"/>
-          <a:lstStyle/>
-          <a:p>
-            <a:pPr algn="ctr"/>
-            <a:endParaRPr lang="en-US"/>
-          </a:p>
-        </p:txBody>
-      </p:sp>
-      <p:sp>
-        <p:nvSpPr>
-          <p:cNvPr id="8" name="TextBox 7"/>
-          <p:cNvSpPr txBox="1"/>
-          <p:nvPr/>
-        </p:nvSpPr>
-        <p:spPr>
-          <a:xfrm>
-            <a:off x="2209800" y="2590800"/>
-            <a:ext cx="6115713" cy="369332"/>
-          </a:xfrm>
-          <a:prstGeom prst="rect">
-            <a:avLst/>
-          </a:prstGeom>
-          <a:noFill/>
-        </p:spPr>
-        <p:txBody>
-          <a:bodyPr wrap="none" rtlCol="0">
-            <a:spAutoFit/>
-          </a:bodyPr>
-          <a:lstStyle/>
-          <a:p>
-            <a:r>
-              <a:rPr lang="en-US" dirty="0" smtClean="0"/>
-              <a:t>These do a subtract first operand from second and update flags</a:t>
-            </a:r>
-            <a:endParaRPr lang="en-US" dirty="0"/>
-          </a:p>
-        </p:txBody>
-      </p:sp>
-      <p:sp>
-        <p:nvSpPr>
-          <p:cNvPr id="9" name="TextBox 8"/>
-          <p:cNvSpPr txBox="1"/>
-          <p:nvPr/>
-        </p:nvSpPr>
-        <p:spPr>
-          <a:xfrm>
-            <a:off x="609600" y="3576935"/>
-            <a:ext cx="8077200" cy="461665"/>
-          </a:xfrm>
-          <a:prstGeom prst="rect">
-            <a:avLst/>
-          </a:prstGeom>
-          <a:noFill/>
-          <a:ln>
-            <a:solidFill>
-              <a:schemeClr val="accent1"/>
-            </a:solidFill>
-          </a:ln>
-        </p:spPr>
-        <p:txBody>
-          <a:bodyPr wrap="square" rtlCol="0">
-            <a:spAutoFit/>
-          </a:bodyPr>
-          <a:lstStyle/>
-          <a:p>
-            <a:r>
-              <a:rPr lang="en-US" sz="2400" dirty="0" smtClean="0"/>
-              <a:t>There are not S variants for Floating point instructions</a:t>
-            </a:r>
-          </a:p>
-        </p:txBody>
-      </p:sp>
-      <p:sp>
-        <p:nvSpPr>
-          <p:cNvPr id="10" name="TextBox 9"/>
-          <p:cNvSpPr txBox="1"/>
-          <p:nvPr/>
-        </p:nvSpPr>
-        <p:spPr>
-          <a:xfrm>
-            <a:off x="381000" y="4916269"/>
-            <a:ext cx="8382000" cy="892552"/>
-          </a:xfrm>
-          <a:prstGeom prst="rect">
-            <a:avLst/>
-          </a:prstGeom>
-          <a:noFill/>
-          <a:ln>
-            <a:solidFill>
-              <a:schemeClr val="accent1"/>
-            </a:solidFill>
-          </a:ln>
-        </p:spPr>
-        <p:txBody>
-          <a:bodyPr wrap="square" rtlCol="0">
-            <a:spAutoFit/>
-          </a:bodyPr>
-          <a:lstStyle/>
-          <a:p>
-            <a:r>
-              <a:rPr lang="en-US" sz="2400" dirty="0" smtClean="0"/>
-              <a:t>Meaning of C and V flags are  redefined to indicate one or both operands in VCMP or CMPE  is </a:t>
-            </a:r>
-            <a:r>
-              <a:rPr lang="en-US" sz="2800" b="1" dirty="0" err="1" smtClean="0"/>
-              <a:t>NaN</a:t>
-            </a:r>
-            <a:r>
-              <a:rPr lang="en-US" sz="2400" dirty="0" smtClean="0"/>
-              <a:t> </a:t>
-            </a:r>
-            <a:endParaRPr lang="en-US" sz="2400" dirty="0"/>
-          </a:p>
-        </p:txBody>
-      </p:sp>
-    </p:spTree>
-  </p:cSld>
-  <p:clrMapOvr>
-    <a:masterClrMapping/>
-  </p:clrMapOvr>
-  <p:timing>
-    <p:tnLst>
-      <p:par>
-        <p:cTn id="1" dur="indefinite" restart="never" nodeType="tmRoot"/>
-      </p:par>
-    </p:tnLst>
-  </p:timing>
-</p:sld>
-</file>
-
 <file path=ppt/slides/slide16.xml><?xml version="1.0" encoding="utf-8"?>
 <p:sld xmlns:a="http://schemas.openxmlformats.org/drawingml/2006/main" xmlns:r="http://schemas.openxmlformats.org/officeDocument/2006/relationships" xmlns:p="http://schemas.openxmlformats.org/presentationml/2006/main">
   <p:cSld>
@@ -9462,6 +9375,311 @@
           <a:p>
             <a:r>
               <a:rPr lang="en-US" dirty="0" smtClean="0"/>
+              <a:t>Flags in FPSCR</a:t>
+            </a:r>
+            <a:endParaRPr lang="en-US" dirty="0"/>
+          </a:p>
+        </p:txBody>
+      </p:sp>
+      <p:sp>
+        <p:nvSpPr>
+          <p:cNvPr id="5" name="TextBox 4"/>
+          <p:cNvSpPr txBox="1"/>
+          <p:nvPr/>
+        </p:nvSpPr>
+        <p:spPr>
+          <a:xfrm>
+            <a:off x="609600" y="1447800"/>
+            <a:ext cx="8077200" cy="461665"/>
+          </a:xfrm>
+          <a:prstGeom prst="rect">
+            <a:avLst/>
+          </a:prstGeom>
+          <a:noFill/>
+          <a:ln>
+            <a:solidFill>
+              <a:schemeClr val="accent1"/>
+            </a:solidFill>
+          </a:ln>
+        </p:spPr>
+        <p:txBody>
+          <a:bodyPr wrap="square" rtlCol="0">
+            <a:spAutoFit/>
+          </a:bodyPr>
+          <a:lstStyle/>
+          <a:p>
+            <a:r>
+              <a:rPr lang="en-US" sz="2400" dirty="0" smtClean="0"/>
+              <a:t>Flags in FPSCR can be changed only by two instructions :</a:t>
+            </a:r>
+          </a:p>
+        </p:txBody>
+      </p:sp>
+      <p:sp>
+        <p:nvSpPr>
+          <p:cNvPr id="6" name="TextBox 5"/>
+          <p:cNvSpPr txBox="1"/>
+          <p:nvPr/>
+        </p:nvSpPr>
+        <p:spPr>
+          <a:xfrm>
+            <a:off x="685800" y="2438400"/>
+            <a:ext cx="1066800" cy="646331"/>
+          </a:xfrm>
+          <a:prstGeom prst="rect">
+            <a:avLst/>
+          </a:prstGeom>
+          <a:noFill/>
+        </p:spPr>
+        <p:txBody>
+          <a:bodyPr wrap="square" rtlCol="0">
+            <a:spAutoFit/>
+          </a:bodyPr>
+          <a:lstStyle/>
+          <a:p>
+            <a:pPr>
+              <a:buFont typeface="Arial" pitchFamily="34" charset="0"/>
+              <a:buChar char="•"/>
+            </a:pPr>
+            <a:r>
+              <a:rPr lang="en-US" dirty="0" smtClean="0"/>
+              <a:t>VCMP </a:t>
+            </a:r>
+          </a:p>
+          <a:p>
+            <a:pPr>
+              <a:buFont typeface="Arial" pitchFamily="34" charset="0"/>
+              <a:buChar char="•"/>
+            </a:pPr>
+            <a:r>
+              <a:rPr lang="en-US" dirty="0" smtClean="0"/>
+              <a:t> CMPE</a:t>
+            </a:r>
+          </a:p>
+        </p:txBody>
+      </p:sp>
+      <p:sp>
+        <p:nvSpPr>
+          <p:cNvPr id="7" name="Right Brace 6"/>
+          <p:cNvSpPr/>
+          <p:nvPr/>
+        </p:nvSpPr>
+        <p:spPr>
+          <a:xfrm>
+            <a:off x="1524000" y="2286000"/>
+            <a:ext cx="533400" cy="990600"/>
+          </a:xfrm>
+          <a:prstGeom prst="rightBrace">
+            <a:avLst/>
+          </a:prstGeom>
+        </p:spPr>
+        <p:style>
+          <a:lnRef idx="1">
+            <a:schemeClr val="accent1"/>
+          </a:lnRef>
+          <a:fillRef idx="0">
+            <a:schemeClr val="accent1"/>
+          </a:fillRef>
+          <a:effectRef idx="0">
+            <a:schemeClr val="accent1"/>
+          </a:effectRef>
+          <a:fontRef idx="minor">
+            <a:schemeClr val="tx1"/>
+          </a:fontRef>
+        </p:style>
+        <p:txBody>
+          <a:bodyPr rtlCol="0" anchor="ctr"/>
+          <a:lstStyle/>
+          <a:p>
+            <a:pPr algn="ctr"/>
+            <a:endParaRPr lang="en-US"/>
+          </a:p>
+        </p:txBody>
+      </p:sp>
+      <p:sp>
+        <p:nvSpPr>
+          <p:cNvPr id="8" name="TextBox 7"/>
+          <p:cNvSpPr txBox="1"/>
+          <p:nvPr/>
+        </p:nvSpPr>
+        <p:spPr>
+          <a:xfrm>
+            <a:off x="2209800" y="2590800"/>
+            <a:ext cx="6115713" cy="369332"/>
+          </a:xfrm>
+          <a:prstGeom prst="rect">
+            <a:avLst/>
+          </a:prstGeom>
+          <a:noFill/>
+        </p:spPr>
+        <p:txBody>
+          <a:bodyPr wrap="none" rtlCol="0">
+            <a:spAutoFit/>
+          </a:bodyPr>
+          <a:lstStyle/>
+          <a:p>
+            <a:r>
+              <a:rPr lang="en-US" dirty="0" smtClean="0"/>
+              <a:t>These do a subtract first operand from second and update flags</a:t>
+            </a:r>
+            <a:endParaRPr lang="en-US" dirty="0"/>
+          </a:p>
+        </p:txBody>
+      </p:sp>
+      <p:sp>
+        <p:nvSpPr>
+          <p:cNvPr id="9" name="TextBox 8"/>
+          <p:cNvSpPr txBox="1"/>
+          <p:nvPr/>
+        </p:nvSpPr>
+        <p:spPr>
+          <a:xfrm>
+            <a:off x="609600" y="3576935"/>
+            <a:ext cx="8077200" cy="461665"/>
+          </a:xfrm>
+          <a:prstGeom prst="rect">
+            <a:avLst/>
+          </a:prstGeom>
+          <a:noFill/>
+          <a:ln>
+            <a:solidFill>
+              <a:schemeClr val="accent1"/>
+            </a:solidFill>
+          </a:ln>
+        </p:spPr>
+        <p:txBody>
+          <a:bodyPr wrap="square" rtlCol="0">
+            <a:spAutoFit/>
+          </a:bodyPr>
+          <a:lstStyle/>
+          <a:p>
+            <a:r>
+              <a:rPr lang="en-US" sz="2400" dirty="0" smtClean="0"/>
+              <a:t>There are not S variants for Floating point instructions</a:t>
+            </a:r>
+          </a:p>
+        </p:txBody>
+      </p:sp>
+      <p:sp>
+        <p:nvSpPr>
+          <p:cNvPr id="10" name="TextBox 9"/>
+          <p:cNvSpPr txBox="1"/>
+          <p:nvPr/>
+        </p:nvSpPr>
+        <p:spPr>
+          <a:xfrm>
+            <a:off x="381000" y="4916269"/>
+            <a:ext cx="8382000" cy="892552"/>
+          </a:xfrm>
+          <a:prstGeom prst="rect">
+            <a:avLst/>
+          </a:prstGeom>
+          <a:noFill/>
+          <a:ln>
+            <a:solidFill>
+              <a:schemeClr val="accent1"/>
+            </a:solidFill>
+          </a:ln>
+        </p:spPr>
+        <p:txBody>
+          <a:bodyPr wrap="square" rtlCol="0">
+            <a:spAutoFit/>
+          </a:bodyPr>
+          <a:lstStyle/>
+          <a:p>
+            <a:r>
+              <a:rPr lang="en-US" sz="2400" dirty="0" smtClean="0"/>
+              <a:t>Meaning of C and V flags are  redefined to indicate one or both operands in VCMP or CMPE  is </a:t>
+            </a:r>
+            <a:r>
+              <a:rPr lang="en-US" sz="2800" b="1" dirty="0" err="1" smtClean="0"/>
+              <a:t>NaN</a:t>
+            </a:r>
+            <a:r>
+              <a:rPr lang="en-US" sz="2400" dirty="0" smtClean="0"/>
+              <a:t> </a:t>
+            </a:r>
+            <a:endParaRPr lang="en-US" sz="2400" dirty="0"/>
+          </a:p>
+        </p:txBody>
+      </p:sp>
+    </p:spTree>
+  </p:cSld>
+  <p:clrMapOvr>
+    <a:masterClrMapping/>
+  </p:clrMapOvr>
+  <p:timing>
+    <p:tnLst>
+      <p:par>
+        <p:cTn id="1" dur="indefinite" restart="never" nodeType="tmRoot"/>
+      </p:par>
+    </p:tnLst>
+  </p:timing>
+</p:sld>
+</file>
+
+<file path=ppt/slides/slide17.xml><?xml version="1.0" encoding="utf-8"?>
+<p:sld xmlns:a="http://schemas.openxmlformats.org/drawingml/2006/main" xmlns:r="http://schemas.openxmlformats.org/officeDocument/2006/relationships" xmlns:p="http://schemas.openxmlformats.org/presentationml/2006/main">
+  <p:cSld>
+    <p:bg>
+      <p:bgPr>
+        <a:gradFill>
+          <a:gsLst>
+            <a:gs pos="0">
+              <a:schemeClr val="accent2">
+                <a:lumMod val="20000"/>
+                <a:lumOff val="80000"/>
+              </a:schemeClr>
+            </a:gs>
+            <a:gs pos="50000">
+              <a:schemeClr val="accent1">
+                <a:tint val="44500"/>
+                <a:satMod val="160000"/>
+              </a:schemeClr>
+            </a:gs>
+            <a:gs pos="100000">
+              <a:schemeClr val="accent1">
+                <a:tint val="23500"/>
+                <a:satMod val="160000"/>
+              </a:schemeClr>
+            </a:gs>
+          </a:gsLst>
+          <a:lin ang="5400000" scaled="0"/>
+        </a:gradFill>
+        <a:effectLst/>
+      </p:bgPr>
+    </p:bg>
+    <p:spTree>
+      <p:nvGrpSpPr>
+        <p:cNvPr id="1" name=""/>
+        <p:cNvGrpSpPr/>
+        <p:nvPr/>
+      </p:nvGrpSpPr>
+      <p:grpSpPr>
+        <a:xfrm>
+          <a:off x="0" y="0"/>
+          <a:ext cx="0" cy="0"/>
+          <a:chOff x="0" y="0"/>
+          <a:chExt cx="0" cy="0"/>
+        </a:xfrm>
+      </p:grpSpPr>
+      <p:sp>
+        <p:nvSpPr>
+          <p:cNvPr id="4" name="Title 3"/>
+          <p:cNvSpPr>
+            <a:spLocks noGrp="1"/>
+          </p:cNvSpPr>
+          <p:nvPr>
+            <p:ph type="title"/>
+          </p:nvPr>
+        </p:nvSpPr>
+        <p:spPr/>
+        <p:txBody>
+          <a:bodyPr/>
+          <a:lstStyle/>
+          <a:p>
+            <a:r>
+              <a:rPr lang="en-US" dirty="0" smtClean="0"/>
               <a:t>What is </a:t>
             </a:r>
             <a:r>
@@ -9506,7 +9724,7 @@
 </p:sld>
 </file>
 
-<file path=ppt/slides/slide17.xml><?xml version="1.0" encoding="utf-8"?>
+<file path=ppt/slides/slide18.xml><?xml version="1.0" encoding="utf-8"?>
 <p:sld xmlns:a="http://schemas.openxmlformats.org/drawingml/2006/main" xmlns:r="http://schemas.openxmlformats.org/officeDocument/2006/relationships" xmlns:p="http://schemas.openxmlformats.org/presentationml/2006/main">
   <p:cSld>
     <p:bg>
@@ -9828,7 +10046,7 @@
 </p:sld>
 </file>
 
-<file path=ppt/slides/slide18.xml><?xml version="1.0" encoding="utf-8"?>
+<file path=ppt/slides/slide19.xml><?xml version="1.0" encoding="utf-8"?>
 <p:sld xmlns:a="http://schemas.openxmlformats.org/drawingml/2006/main" xmlns:r="http://schemas.openxmlformats.org/officeDocument/2006/relationships" xmlns:p="http://schemas.openxmlformats.org/presentationml/2006/main">
   <p:cSld>
     <p:spTree>
@@ -10078,7 +10296,233 @@
 </p:sld>
 </file>
 
-<file path=ppt/slides/slide19.xml><?xml version="1.0" encoding="utf-8"?>
+<file path=ppt/slides/slide2.xml><?xml version="1.0" encoding="utf-8"?>
+<p:sld xmlns:a="http://schemas.openxmlformats.org/drawingml/2006/main" xmlns:r="http://schemas.openxmlformats.org/officeDocument/2006/relationships" xmlns:p="http://schemas.openxmlformats.org/presentationml/2006/main">
+  <p:cSld>
+    <p:spTree>
+      <p:nvGrpSpPr>
+        <p:cNvPr id="1" name=""/>
+        <p:cNvGrpSpPr/>
+        <p:nvPr/>
+      </p:nvGrpSpPr>
+      <p:grpSpPr>
+        <a:xfrm>
+          <a:off x="0" y="0"/>
+          <a:ext cx="0" cy="0"/>
+          <a:chOff x="0" y="0"/>
+          <a:chExt cx="0" cy="0"/>
+        </a:xfrm>
+      </p:grpSpPr>
+      <p:sp>
+        <p:nvSpPr>
+          <p:cNvPr id="2" name="Title 1"/>
+          <p:cNvSpPr>
+            <a:spLocks noGrp="1"/>
+          </p:cNvSpPr>
+          <p:nvPr>
+            <p:ph type="title"/>
+          </p:nvPr>
+        </p:nvSpPr>
+        <p:spPr/>
+        <p:txBody>
+          <a:bodyPr/>
+          <a:lstStyle/>
+          <a:p>
+            <a:r>
+              <a:rPr lang="en-US" dirty="0" smtClean="0"/>
+              <a:t>Why do we need floating point ?</a:t>
+            </a:r>
+            <a:endParaRPr lang="en-US" dirty="0"/>
+          </a:p>
+        </p:txBody>
+      </p:sp>
+      <p:sp>
+        <p:nvSpPr>
+          <p:cNvPr id="3" name="TextBox 2"/>
+          <p:cNvSpPr txBox="1"/>
+          <p:nvPr/>
+        </p:nvSpPr>
+        <p:spPr>
+          <a:xfrm>
+            <a:off x="609600" y="1371600"/>
+            <a:ext cx="7772400" cy="707886"/>
+          </a:xfrm>
+          <a:prstGeom prst="rect">
+            <a:avLst/>
+          </a:prstGeom>
+          <a:gradFill>
+            <a:gsLst>
+              <a:gs pos="0">
+                <a:schemeClr val="accent6">
+                  <a:lumMod val="20000"/>
+                  <a:lumOff val="80000"/>
+                </a:schemeClr>
+              </a:gs>
+              <a:gs pos="50000">
+                <a:schemeClr val="accent1">
+                  <a:tint val="44500"/>
+                  <a:satMod val="160000"/>
+                </a:schemeClr>
+              </a:gs>
+              <a:gs pos="100000">
+                <a:schemeClr val="accent1">
+                  <a:tint val="23500"/>
+                  <a:satMod val="160000"/>
+                </a:schemeClr>
+              </a:gs>
+            </a:gsLst>
+            <a:lin ang="5400000" scaled="0"/>
+          </a:gradFill>
+        </p:spPr>
+        <p:txBody>
+          <a:bodyPr wrap="none" rtlCol="0">
+            <a:noAutofit/>
+          </a:bodyPr>
+          <a:lstStyle/>
+          <a:p>
+            <a:r>
+              <a:rPr lang="en-US" sz="2000" dirty="0" smtClean="0"/>
+              <a:t>Floating point  number representation specifies some way of encoding a</a:t>
+            </a:r>
+          </a:p>
+          <a:p>
+            <a:r>
+              <a:rPr lang="en-US" sz="2000" dirty="0" smtClean="0"/>
+              <a:t> number,  usually  as a  string of digits.</a:t>
+            </a:r>
+            <a:endParaRPr lang="en-US" sz="2000" dirty="0"/>
+          </a:p>
+        </p:txBody>
+      </p:sp>
+      <p:sp>
+        <p:nvSpPr>
+          <p:cNvPr id="4" name="TextBox 3"/>
+          <p:cNvSpPr txBox="1"/>
+          <p:nvPr/>
+        </p:nvSpPr>
+        <p:spPr>
+          <a:xfrm>
+            <a:off x="457200" y="2720876"/>
+            <a:ext cx="8153400" cy="2308324"/>
+          </a:xfrm>
+          <a:prstGeom prst="rect">
+            <a:avLst/>
+          </a:prstGeom>
+          <a:gradFill>
+            <a:gsLst>
+              <a:gs pos="0">
+                <a:schemeClr val="accent5">
+                  <a:lumMod val="20000"/>
+                  <a:lumOff val="80000"/>
+                </a:schemeClr>
+              </a:gs>
+              <a:gs pos="50000">
+                <a:schemeClr val="accent1">
+                  <a:tint val="44500"/>
+                  <a:satMod val="160000"/>
+                </a:schemeClr>
+              </a:gs>
+              <a:gs pos="100000">
+                <a:schemeClr val="accent1">
+                  <a:tint val="23500"/>
+                  <a:satMod val="160000"/>
+                </a:schemeClr>
+              </a:gs>
+            </a:gsLst>
+            <a:lin ang="5400000" scaled="0"/>
+          </a:gradFill>
+        </p:spPr>
+        <p:txBody>
+          <a:bodyPr wrap="square" rtlCol="0">
+            <a:spAutoFit/>
+          </a:bodyPr>
+          <a:lstStyle/>
+          <a:p>
+            <a:r>
+              <a:rPr lang="en-US" dirty="0" smtClean="0"/>
+              <a:t>A floating-point system can be used to represent a number with a fixed number of digits, numbers of different orders of magnitude: </a:t>
+            </a:r>
+          </a:p>
+          <a:p>
+            <a:endParaRPr lang="en-US" dirty="0" smtClean="0"/>
+          </a:p>
+          <a:p>
+            <a:pPr>
+              <a:buFont typeface="Arial" pitchFamily="34" charset="0"/>
+              <a:buChar char="•"/>
+            </a:pPr>
+            <a:r>
+              <a:rPr lang="en-US" dirty="0" smtClean="0"/>
+              <a:t> Distance between galaxies </a:t>
+            </a:r>
+          </a:p>
+          <a:p>
+            <a:pPr>
+              <a:buFont typeface="Arial" pitchFamily="34" charset="0"/>
+              <a:buChar char="•"/>
+            </a:pPr>
+            <a:r>
+              <a:rPr lang="en-US" dirty="0" smtClean="0"/>
+              <a:t>Diameter of an atomic nucleus</a:t>
+            </a:r>
+          </a:p>
+          <a:p>
+            <a:pPr>
+              <a:buFont typeface="Arial" pitchFamily="34" charset="0"/>
+              <a:buChar char="•"/>
+            </a:pPr>
+            <a:endParaRPr lang="en-US" dirty="0" smtClean="0"/>
+          </a:p>
+          <a:p>
+            <a:r>
+              <a:rPr lang="en-US" dirty="0" smtClean="0"/>
+              <a:t>Floating point is the formulaic representation that approximates a real number so as to support a trade-off between range and precision. </a:t>
+            </a:r>
+            <a:endParaRPr lang="en-US" dirty="0"/>
+          </a:p>
+        </p:txBody>
+      </p:sp>
+      <p:pic>
+        <p:nvPicPr>
+          <p:cNvPr id="1026" name="Picture 2"/>
+          <p:cNvPicPr>
+            <a:picLocks noChangeAspect="1" noChangeArrowheads="1"/>
+          </p:cNvPicPr>
+          <p:nvPr/>
+        </p:nvPicPr>
+        <p:blipFill>
+          <a:blip r:embed="rId2" cstate="print"/>
+          <a:srcRect/>
+          <a:stretch>
+            <a:fillRect/>
+          </a:stretch>
+        </p:blipFill>
+        <p:spPr bwMode="auto">
+          <a:xfrm>
+            <a:off x="1828800" y="5410200"/>
+            <a:ext cx="5134708" cy="914400"/>
+          </a:xfrm>
+          <a:prstGeom prst="rect">
+            <a:avLst/>
+          </a:prstGeom>
+          <a:noFill/>
+          <a:ln w="9525">
+            <a:noFill/>
+            <a:miter lim="800000"/>
+            <a:headEnd/>
+            <a:tailEnd/>
+          </a:ln>
+        </p:spPr>
+      </p:pic>
+    </p:spTree>
+  </p:cSld>
+  <p:clrMapOvr>
+    <a:masterClrMapping/>
+  </p:clrMapOvr>
+</p:sld>
+</file>
+
+<file path=ppt/slides/slide20.xml><?xml version="1.0" encoding="utf-8"?>
 <p:sld xmlns:a="http://schemas.openxmlformats.org/drawingml/2006/main" xmlns:r="http://schemas.openxmlformats.org/officeDocument/2006/relationships" xmlns:p="http://schemas.openxmlformats.org/presentationml/2006/main">
   <p:cSld>
     <p:spTree>
@@ -10840,566 +11284,6 @@
 </p:sld>
 </file>
 
-<file path=ppt/slides/slide2.xml><?xml version="1.0" encoding="utf-8"?>
-<p:sld xmlns:a="http://schemas.openxmlformats.org/drawingml/2006/main" xmlns:r="http://schemas.openxmlformats.org/officeDocument/2006/relationships" xmlns:p="http://schemas.openxmlformats.org/presentationml/2006/main">
-  <p:cSld>
-    <p:spTree>
-      <p:nvGrpSpPr>
-        <p:cNvPr id="1" name=""/>
-        <p:cNvGrpSpPr/>
-        <p:nvPr/>
-      </p:nvGrpSpPr>
-      <p:grpSpPr>
-        <a:xfrm>
-          <a:off x="0" y="0"/>
-          <a:ext cx="0" cy="0"/>
-          <a:chOff x="0" y="0"/>
-          <a:chExt cx="0" cy="0"/>
-        </a:xfrm>
-      </p:grpSpPr>
-      <p:sp>
-        <p:nvSpPr>
-          <p:cNvPr id="2" name="Title 1"/>
-          <p:cNvSpPr>
-            <a:spLocks noGrp="1"/>
-          </p:cNvSpPr>
-          <p:nvPr>
-            <p:ph type="title"/>
-          </p:nvPr>
-        </p:nvSpPr>
-        <p:spPr/>
-        <p:txBody>
-          <a:bodyPr/>
-          <a:lstStyle/>
-          <a:p>
-            <a:r>
-              <a:rPr lang="en-US" dirty="0" smtClean="0"/>
-              <a:t>Why do we need floating point ?</a:t>
-            </a:r>
-            <a:endParaRPr lang="en-US" dirty="0"/>
-          </a:p>
-        </p:txBody>
-      </p:sp>
-      <p:sp>
-        <p:nvSpPr>
-          <p:cNvPr id="3" name="TextBox 2"/>
-          <p:cNvSpPr txBox="1"/>
-          <p:nvPr/>
-        </p:nvSpPr>
-        <p:spPr>
-          <a:xfrm>
-            <a:off x="609600" y="1371600"/>
-            <a:ext cx="7772400" cy="707886"/>
-          </a:xfrm>
-          <a:prstGeom prst="rect">
-            <a:avLst/>
-          </a:prstGeom>
-          <a:gradFill>
-            <a:gsLst>
-              <a:gs pos="0">
-                <a:schemeClr val="accent6">
-                  <a:lumMod val="20000"/>
-                  <a:lumOff val="80000"/>
-                </a:schemeClr>
-              </a:gs>
-              <a:gs pos="50000">
-                <a:schemeClr val="accent1">
-                  <a:tint val="44500"/>
-                  <a:satMod val="160000"/>
-                </a:schemeClr>
-              </a:gs>
-              <a:gs pos="100000">
-                <a:schemeClr val="accent1">
-                  <a:tint val="23500"/>
-                  <a:satMod val="160000"/>
-                </a:schemeClr>
-              </a:gs>
-            </a:gsLst>
-            <a:lin ang="5400000" scaled="0"/>
-          </a:gradFill>
-        </p:spPr>
-        <p:txBody>
-          <a:bodyPr wrap="none" rtlCol="0">
-            <a:noAutofit/>
-          </a:bodyPr>
-          <a:lstStyle/>
-          <a:p>
-            <a:r>
-              <a:rPr lang="en-US" sz="2000" dirty="0" smtClean="0"/>
-              <a:t>Floating point  </a:t>
-            </a:r>
-            <a:r>
-              <a:rPr lang="en-US" sz="2000" dirty="0" smtClean="0"/>
-              <a:t>number representation specifies some way of encoding </a:t>
-            </a:r>
-            <a:r>
-              <a:rPr lang="en-US" sz="2000" dirty="0" smtClean="0"/>
-              <a:t>a</a:t>
-            </a:r>
-          </a:p>
-          <a:p>
-            <a:r>
-              <a:rPr lang="en-US" sz="2000" dirty="0" smtClean="0"/>
-              <a:t> </a:t>
-            </a:r>
-            <a:r>
-              <a:rPr lang="en-US" sz="2000" dirty="0" smtClean="0"/>
-              <a:t>number,  </a:t>
-            </a:r>
-            <a:r>
-              <a:rPr lang="en-US" sz="2000" dirty="0" smtClean="0"/>
-              <a:t>usually  as </a:t>
-            </a:r>
-            <a:r>
-              <a:rPr lang="en-US" sz="2000" dirty="0" smtClean="0"/>
-              <a:t>a  </a:t>
-            </a:r>
-            <a:r>
-              <a:rPr lang="en-US" sz="2000" dirty="0" smtClean="0"/>
-              <a:t>string </a:t>
-            </a:r>
-            <a:r>
-              <a:rPr lang="en-US" sz="2000" dirty="0" smtClean="0"/>
-              <a:t>of digits.</a:t>
-            </a:r>
-            <a:endParaRPr lang="en-US" sz="2000" dirty="0"/>
-          </a:p>
-        </p:txBody>
-      </p:sp>
-      <p:sp>
-        <p:nvSpPr>
-          <p:cNvPr id="4" name="TextBox 3"/>
-          <p:cNvSpPr txBox="1"/>
-          <p:nvPr/>
-        </p:nvSpPr>
-        <p:spPr>
-          <a:xfrm>
-            <a:off x="457200" y="2720876"/>
-            <a:ext cx="8153400" cy="2308324"/>
-          </a:xfrm>
-          <a:prstGeom prst="rect">
-            <a:avLst/>
-          </a:prstGeom>
-          <a:gradFill>
-            <a:gsLst>
-              <a:gs pos="0">
-                <a:schemeClr val="accent5">
-                  <a:lumMod val="20000"/>
-                  <a:lumOff val="80000"/>
-                </a:schemeClr>
-              </a:gs>
-              <a:gs pos="50000">
-                <a:schemeClr val="accent1">
-                  <a:tint val="44500"/>
-                  <a:satMod val="160000"/>
-                </a:schemeClr>
-              </a:gs>
-              <a:gs pos="100000">
-                <a:schemeClr val="accent1">
-                  <a:tint val="23500"/>
-                  <a:satMod val="160000"/>
-                </a:schemeClr>
-              </a:gs>
-            </a:gsLst>
-            <a:lin ang="5400000" scaled="0"/>
-          </a:gradFill>
-        </p:spPr>
-        <p:txBody>
-          <a:bodyPr wrap="square" rtlCol="0">
-            <a:spAutoFit/>
-          </a:bodyPr>
-          <a:lstStyle/>
-          <a:p>
-            <a:r>
-              <a:rPr lang="en-US" dirty="0" smtClean="0"/>
-              <a:t>A floating-point system can be used to </a:t>
-            </a:r>
-            <a:r>
-              <a:rPr lang="en-US" dirty="0" smtClean="0"/>
-              <a:t>represent a number with </a:t>
-            </a:r>
-            <a:r>
-              <a:rPr lang="en-US" dirty="0" smtClean="0"/>
-              <a:t>a fixed number of digits, numbers of different orders of magnitude: </a:t>
-            </a:r>
-            <a:endParaRPr lang="en-US" dirty="0" smtClean="0"/>
-          </a:p>
-          <a:p>
-            <a:endParaRPr lang="en-US" dirty="0" smtClean="0"/>
-          </a:p>
-          <a:p>
-            <a:pPr>
-              <a:buFont typeface="Arial" pitchFamily="34" charset="0"/>
-              <a:buChar char="•"/>
-            </a:pPr>
-            <a:r>
-              <a:rPr lang="en-US" dirty="0" smtClean="0"/>
-              <a:t> Distance </a:t>
-            </a:r>
-            <a:r>
-              <a:rPr lang="en-US" dirty="0" smtClean="0"/>
-              <a:t>between galaxies </a:t>
-            </a:r>
-          </a:p>
-          <a:p>
-            <a:pPr>
-              <a:buFont typeface="Arial" pitchFamily="34" charset="0"/>
-              <a:buChar char="•"/>
-            </a:pPr>
-            <a:r>
-              <a:rPr lang="en-US" dirty="0" smtClean="0"/>
-              <a:t>D</a:t>
-            </a:r>
-            <a:r>
-              <a:rPr lang="en-US" dirty="0" smtClean="0"/>
-              <a:t>iameter </a:t>
-            </a:r>
-            <a:r>
-              <a:rPr lang="en-US" dirty="0" smtClean="0"/>
-              <a:t>of an atomic </a:t>
-            </a:r>
-            <a:r>
-              <a:rPr lang="en-US" dirty="0" smtClean="0"/>
-              <a:t>nucleus</a:t>
-            </a:r>
-          </a:p>
-          <a:p>
-            <a:pPr>
-              <a:buFont typeface="Arial" pitchFamily="34" charset="0"/>
-              <a:buChar char="•"/>
-            </a:pPr>
-            <a:endParaRPr lang="en-US" dirty="0" smtClean="0"/>
-          </a:p>
-          <a:p>
-            <a:r>
-              <a:rPr lang="en-US" dirty="0" smtClean="0"/>
-              <a:t>Floating </a:t>
-            </a:r>
-            <a:r>
-              <a:rPr lang="en-US" dirty="0" smtClean="0"/>
-              <a:t>point is the formulaic representation that approximates a real number so as to support a trade-off between range and precision. </a:t>
-            </a:r>
-            <a:endParaRPr lang="en-US" dirty="0"/>
-          </a:p>
-        </p:txBody>
-      </p:sp>
-      <p:pic>
-        <p:nvPicPr>
-          <p:cNvPr id="1026" name="Picture 2"/>
-          <p:cNvPicPr>
-            <a:picLocks noChangeAspect="1" noChangeArrowheads="1"/>
-          </p:cNvPicPr>
-          <p:nvPr/>
-        </p:nvPicPr>
-        <p:blipFill>
-          <a:blip r:embed="rId2" cstate="print"/>
-          <a:srcRect/>
-          <a:stretch>
-            <a:fillRect/>
-          </a:stretch>
-        </p:blipFill>
-        <p:spPr bwMode="auto">
-          <a:xfrm>
-            <a:off x="1828800" y="5410200"/>
-            <a:ext cx="5134708" cy="914400"/>
-          </a:xfrm>
-          <a:prstGeom prst="rect">
-            <a:avLst/>
-          </a:prstGeom>
-          <a:noFill/>
-          <a:ln w="9525">
-            <a:noFill/>
-            <a:miter lim="800000"/>
-            <a:headEnd/>
-            <a:tailEnd/>
-          </a:ln>
-        </p:spPr>
-      </p:pic>
-    </p:spTree>
-  </p:cSld>
-  <p:clrMapOvr>
-    <a:masterClrMapping/>
-  </p:clrMapOvr>
-</p:sld>
-</file>
-
-<file path=ppt/slides/slide20.xml><?xml version="1.0" encoding="utf-8"?>
-<p:sld xmlns:a="http://schemas.openxmlformats.org/drawingml/2006/main" xmlns:r="http://schemas.openxmlformats.org/officeDocument/2006/relationships" xmlns:p="http://schemas.openxmlformats.org/presentationml/2006/main">
-  <p:cSld>
-    <p:bg>
-      <p:bgPr>
-        <a:gradFill>
-          <a:gsLst>
-            <a:gs pos="0">
-              <a:schemeClr val="accent1">
-                <a:tint val="66000"/>
-                <a:satMod val="160000"/>
-              </a:schemeClr>
-            </a:gs>
-            <a:gs pos="50000">
-              <a:schemeClr val="accent1">
-                <a:tint val="44500"/>
-                <a:satMod val="160000"/>
-              </a:schemeClr>
-            </a:gs>
-            <a:gs pos="100000">
-              <a:schemeClr val="accent1">
-                <a:tint val="23500"/>
-                <a:satMod val="160000"/>
-              </a:schemeClr>
-            </a:gs>
-          </a:gsLst>
-          <a:lin ang="5400000" scaled="0"/>
-        </a:gradFill>
-        <a:effectLst/>
-      </p:bgPr>
-    </p:bg>
-    <p:spTree>
-      <p:nvGrpSpPr>
-        <p:cNvPr id="1" name=""/>
-        <p:cNvGrpSpPr/>
-        <p:nvPr/>
-      </p:nvGrpSpPr>
-      <p:grpSpPr>
-        <a:xfrm>
-          <a:off x="0" y="0"/>
-          <a:ext cx="0" cy="0"/>
-          <a:chOff x="0" y="0"/>
-          <a:chExt cx="0" cy="0"/>
-        </a:xfrm>
-      </p:grpSpPr>
-      <p:sp>
-        <p:nvSpPr>
-          <p:cNvPr id="4" name="Title 3"/>
-          <p:cNvSpPr>
-            <a:spLocks noGrp="1"/>
-          </p:cNvSpPr>
-          <p:nvPr>
-            <p:ph type="title"/>
-          </p:nvPr>
-        </p:nvSpPr>
-        <p:spPr/>
-        <p:txBody>
-          <a:bodyPr/>
-          <a:lstStyle/>
-          <a:p>
-            <a:r>
-              <a:rPr lang="en-US" dirty="0" smtClean="0"/>
-              <a:t>How are </a:t>
-            </a:r>
-            <a:r>
-              <a:rPr lang="en-US" dirty="0" err="1" smtClean="0"/>
-              <a:t>NaNs</a:t>
-            </a:r>
-            <a:r>
-              <a:rPr lang="en-US" dirty="0" smtClean="0"/>
-              <a:t> Represented</a:t>
-            </a:r>
-            <a:endParaRPr lang="en-US" dirty="0"/>
-          </a:p>
-        </p:txBody>
-      </p:sp>
-      <p:sp>
-        <p:nvSpPr>
-          <p:cNvPr id="3" name="Rectangle 2"/>
-          <p:cNvSpPr/>
-          <p:nvPr/>
-        </p:nvSpPr>
-        <p:spPr>
-          <a:xfrm>
-            <a:off x="228600" y="1600200"/>
-            <a:ext cx="8686800" cy="1477328"/>
-          </a:xfrm>
-          <a:prstGeom prst="rect">
-            <a:avLst/>
-          </a:prstGeom>
-          <a:solidFill>
-            <a:schemeClr val="accent2">
-              <a:lumMod val="40000"/>
-              <a:lumOff val="60000"/>
-            </a:schemeClr>
-          </a:solidFill>
-        </p:spPr>
-        <p:txBody>
-          <a:bodyPr wrap="square">
-            <a:spAutoFit/>
-          </a:bodyPr>
-          <a:lstStyle/>
-          <a:p>
-            <a:r>
-              <a:rPr lang="en-US" dirty="0" smtClean="0"/>
-              <a:t>When  Exponent, is equal to 0x1F (11111), the following possible results</a:t>
-            </a:r>
-          </a:p>
-          <a:p>
-            <a:r>
-              <a:rPr lang="en-US" dirty="0" smtClean="0"/>
-              <a:t>exist:</a:t>
-            </a:r>
-          </a:p>
-          <a:p>
-            <a:r>
-              <a:rPr lang="en-US" dirty="0" smtClean="0"/>
-              <a:t>• If the Fraction is 0 and the Sign bit is also 0, then the true value is infinitive (+ Infinity).</a:t>
-            </a:r>
-          </a:p>
-          <a:p>
-            <a:r>
-              <a:rPr lang="en-US" dirty="0" smtClean="0"/>
-              <a:t>• If the Fraction is 0 and the Sign bit is 1, then the true value is      infinitive (- Infinity).</a:t>
-            </a:r>
-          </a:p>
-          <a:p>
-            <a:r>
-              <a:rPr lang="en-US" dirty="0" smtClean="0"/>
-              <a:t>• If the Fraction is not 0, then it is a special code or known as </a:t>
-            </a:r>
-            <a:r>
-              <a:rPr lang="en-US" dirty="0" err="1" smtClean="0"/>
-              <a:t>NaN</a:t>
-            </a:r>
-            <a:r>
-              <a:rPr lang="en-US" dirty="0" smtClean="0"/>
-              <a:t> (Not a Number).</a:t>
-            </a:r>
-            <a:endParaRPr lang="en-US" dirty="0"/>
-          </a:p>
-        </p:txBody>
-      </p:sp>
-      <p:sp>
-        <p:nvSpPr>
-          <p:cNvPr id="5" name="TextBox 4"/>
-          <p:cNvSpPr txBox="1"/>
-          <p:nvPr/>
-        </p:nvSpPr>
-        <p:spPr>
-          <a:xfrm>
-            <a:off x="228600" y="3429000"/>
-            <a:ext cx="8382000" cy="2862322"/>
-          </a:xfrm>
-          <a:prstGeom prst="rect">
-            <a:avLst/>
-          </a:prstGeom>
-          <a:solidFill>
-            <a:schemeClr val="accent2">
-              <a:lumMod val="60000"/>
-              <a:lumOff val="40000"/>
-            </a:schemeClr>
-          </a:solidFill>
-        </p:spPr>
-        <p:txBody>
-          <a:bodyPr wrap="square" rtlCol="0">
-            <a:spAutoFit/>
-          </a:bodyPr>
-          <a:lstStyle/>
-          <a:p>
-            <a:r>
-              <a:rPr lang="en-US" dirty="0" smtClean="0"/>
-              <a:t>Some bits from </a:t>
-            </a:r>
-            <a:r>
-              <a:rPr lang="en-US" i="1" dirty="0" smtClean="0"/>
-              <a:t>x</a:t>
-            </a:r>
-            <a:r>
-              <a:rPr lang="en-US" dirty="0" smtClean="0"/>
-              <a:t> (usually and preferably the first one) are used to determine the type of </a:t>
-            </a:r>
-            <a:r>
-              <a:rPr lang="en-US" dirty="0" err="1" smtClean="0"/>
-              <a:t>NaN</a:t>
-            </a:r>
-            <a:r>
-              <a:rPr lang="en-US" dirty="0" smtClean="0"/>
-              <a:t>: </a:t>
-            </a:r>
-          </a:p>
-          <a:p>
-            <a:pPr>
-              <a:buFont typeface="Arial" pitchFamily="34" charset="0"/>
-              <a:buChar char="•"/>
-            </a:pPr>
-            <a:r>
-              <a:rPr lang="en-US" sz="2400" b="1" dirty="0" smtClean="0"/>
-              <a:t> Quiet </a:t>
-            </a:r>
-            <a:r>
-              <a:rPr lang="en-US" sz="2400" b="1" dirty="0" err="1" smtClean="0"/>
-              <a:t>NaN</a:t>
-            </a:r>
-            <a:r>
-              <a:rPr lang="en-US" sz="2400" dirty="0" smtClean="0"/>
-              <a:t> (</a:t>
-            </a:r>
-            <a:r>
-              <a:rPr lang="en-US" sz="2400" dirty="0" err="1" smtClean="0"/>
-              <a:t>qNaNs</a:t>
-            </a:r>
-            <a:r>
-              <a:rPr lang="en-US" sz="2400" dirty="0" smtClean="0"/>
-              <a:t>), do not raise any additional exceptions as they </a:t>
-            </a:r>
-            <a:r>
-              <a:rPr lang="en-US" sz="2400" b="1" dirty="0" smtClean="0"/>
-              <a:t>propagate</a:t>
-            </a:r>
-            <a:r>
-              <a:rPr lang="en-US" sz="2400" dirty="0" smtClean="0"/>
-              <a:t> through most operations.</a:t>
-            </a:r>
-          </a:p>
-          <a:p>
-            <a:pPr>
-              <a:buFont typeface="Arial" pitchFamily="34" charset="0"/>
-              <a:buChar char="•"/>
-            </a:pPr>
-            <a:endParaRPr lang="en-US" sz="2400" dirty="0" smtClean="0"/>
-          </a:p>
-          <a:p>
-            <a:pPr>
-              <a:buFont typeface="Arial" pitchFamily="34" charset="0"/>
-              <a:buChar char="•"/>
-            </a:pPr>
-            <a:r>
-              <a:rPr lang="en-US" sz="2400" dirty="0" smtClean="0"/>
-              <a:t> </a:t>
-            </a:r>
-            <a:r>
-              <a:rPr lang="en-US" sz="2400" b="1" dirty="0" smtClean="0"/>
-              <a:t>Signaling </a:t>
-            </a:r>
-            <a:r>
-              <a:rPr lang="en-US" sz="2400" b="1" dirty="0" err="1" smtClean="0"/>
-              <a:t>NaN</a:t>
-            </a:r>
-            <a:r>
-              <a:rPr lang="en-US" sz="2400" b="1" dirty="0" smtClean="0"/>
-              <a:t> </a:t>
-            </a:r>
-            <a:r>
-              <a:rPr lang="en-US" sz="2400" dirty="0" smtClean="0"/>
-              <a:t>are special forms of a </a:t>
-            </a:r>
-            <a:r>
-              <a:rPr lang="en-US" sz="2400" dirty="0" err="1" smtClean="0"/>
-              <a:t>NaN</a:t>
-            </a:r>
-            <a:r>
-              <a:rPr lang="en-US" sz="2400" dirty="0" smtClean="0"/>
-              <a:t> that when consumed or processed  by most operations should raise the invalid operation exception</a:t>
-            </a:r>
-            <a:endParaRPr lang="en-US" sz="2400" dirty="0"/>
-          </a:p>
-        </p:txBody>
-      </p:sp>
-    </p:spTree>
-  </p:cSld>
-  <p:clrMapOvr>
-    <a:masterClrMapping/>
-  </p:clrMapOvr>
-</p:sld>
-</file>
-
 <file path=ppt/slides/slide21.xml><?xml version="1.0" encoding="utf-8"?>
 <p:sld xmlns:a="http://schemas.openxmlformats.org/drawingml/2006/main" xmlns:r="http://schemas.openxmlformats.org/officeDocument/2006/relationships" xmlns:p="http://schemas.openxmlformats.org/presentationml/2006/main">
   <p:cSld>
@@ -11462,11 +11346,15 @@
           <a:p>
             <a:r>
               <a:rPr lang="en-US" dirty="0" smtClean="0"/>
-              <a:t>Uses of </a:t>
+              <a:t>How are </a:t>
             </a:r>
             <a:r>
               <a:rPr lang="en-US" dirty="0" err="1" smtClean="0"/>
-              <a:t>NaN</a:t>
+              <a:t>NaNs</a:t>
+            </a:r>
+            <a:r>
+              <a:rPr lang="en-US" dirty="0" smtClean="0"/>
+              <a:t> Represented</a:t>
             </a:r>
             <a:endParaRPr lang="en-US" dirty="0"/>
           </a:p>
@@ -11480,12 +11368,18 @@
         </p:nvSpPr>
         <p:spPr>
           <a:xfrm>
-            <a:off x="381000" y="1487269"/>
-            <a:ext cx="8305800" cy="1200329"/>
+            <a:off x="228600" y="1600200"/>
+            <a:ext cx="8686800" cy="1477328"/>
           </a:xfrm>
           <a:prstGeom prst="rect">
             <a:avLst/>
           </a:prstGeom>
+          <a:solidFill>
+            <a:schemeClr val="accent2">
+              <a:lumMod val="40000"/>
+              <a:lumOff val="60000"/>
+            </a:schemeClr>
+          </a:solidFill>
         </p:spPr>
         <p:txBody>
           <a:bodyPr wrap="square">
@@ -11494,22 +11388,42 @@
           <a:lstStyle/>
           <a:p>
             <a:r>
-              <a:rPr lang="en-US" sz="2400" dirty="0" smtClean="0"/>
-              <a:t>Filling uninitialized memory with </a:t>
-            </a:r>
-            <a:r>
-              <a:rPr lang="en-US" sz="2400" b="1" u="sng" dirty="0" smtClean="0"/>
-              <a:t>Signaling </a:t>
-            </a:r>
-            <a:r>
-              <a:rPr lang="en-US" sz="2400" b="1" u="sng" dirty="0" err="1" smtClean="0"/>
-              <a:t>NaNs</a:t>
-            </a:r>
-            <a:r>
-              <a:rPr lang="en-US" sz="2400" dirty="0" smtClean="0"/>
-              <a:t> would produce the invalid operation exception if the data is used before it is initialized</a:t>
-            </a:r>
-            <a:endParaRPr lang="en-US" sz="2400" dirty="0"/>
+              <a:rPr lang="en-US" dirty="0" smtClean="0"/>
+              <a:t>When  Exponent, is equal to 0x1F (11111), the following possible results</a:t>
+            </a:r>
+          </a:p>
+          <a:p>
+            <a:r>
+              <a:rPr lang="en-US" dirty="0" smtClean="0"/>
+              <a:t>exist:</a:t>
+            </a:r>
+          </a:p>
+          <a:p>
+            <a:r>
+              <a:rPr lang="en-US" dirty="0" smtClean="0"/>
+              <a:t>• If the Fraction is 0 and the Sign bit is also 0, then the true value is infinitive (+ Infinity).</a:t>
+            </a:r>
+          </a:p>
+          <a:p>
+            <a:r>
+              <a:rPr lang="en-US" dirty="0" smtClean="0"/>
+              <a:t>• If the Fraction is 0 and the Sign bit is 1, then the true value is      infinitive (- Infinity).</a:t>
+            </a:r>
+          </a:p>
+          <a:p>
+            <a:r>
+              <a:rPr lang="en-US" dirty="0" smtClean="0"/>
+              <a:t>• If the Fraction is not 0, then it is a special code or known as </a:t>
+            </a:r>
+            <a:r>
+              <a:rPr lang="en-US" dirty="0" err="1" smtClean="0"/>
+              <a:t>NaN</a:t>
+            </a:r>
+            <a:r>
+              <a:rPr lang="en-US" dirty="0" smtClean="0"/>
+              <a:t> (Not a Number).</a:t>
+            </a:r>
+            <a:endParaRPr lang="en-US" dirty="0"/>
           </a:p>
         </p:txBody>
       </p:sp>
@@ -11521,13 +11435,18 @@
         </p:nvSpPr>
         <p:spPr>
           <a:xfrm>
-            <a:off x="457200" y="3048000"/>
-            <a:ext cx="8382000" cy="3046988"/>
+            <a:off x="228600" y="3429000"/>
+            <a:ext cx="8382000" cy="2862322"/>
           </a:xfrm>
           <a:prstGeom prst="rect">
             <a:avLst/>
           </a:prstGeom>
-          <a:noFill/>
+          <a:solidFill>
+            <a:schemeClr val="accent2">
+              <a:lumMod val="60000"/>
+              <a:lumOff val="40000"/>
+            </a:schemeClr>
+          </a:solidFill>
         </p:spPr>
         <p:txBody>
           <a:bodyPr wrap="square" rtlCol="0">
@@ -11536,30 +11455,25 @@
           <a:lstStyle/>
           <a:p>
             <a:r>
-              <a:rPr lang="en-US" sz="2400" dirty="0" smtClean="0"/>
-              <a:t>Using an </a:t>
-            </a:r>
-            <a:r>
-              <a:rPr lang="en-US" sz="2400" dirty="0" err="1" smtClean="0"/>
-              <a:t>sNaN</a:t>
-            </a:r>
-            <a:r>
-              <a:rPr lang="en-US" sz="2400" dirty="0" smtClean="0"/>
-              <a:t> as a placeholder for a more complicated </a:t>
-            </a:r>
-            <a:r>
-              <a:rPr lang="en-US" sz="2400" dirty="0" smtClean="0">
-                <a:hlinkClick r:id="rId2" tooltip="Object (computer science)"/>
-              </a:rPr>
-              <a:t>object</a:t>
-            </a:r>
-            <a:r>
-              <a:rPr lang="en-US" sz="2400" dirty="0" smtClean="0"/>
-              <a:t>, such as </a:t>
-            </a:r>
-          </a:p>
-          <a:p>
-            <a:endParaRPr lang="en-US" sz="2400" dirty="0" smtClean="0"/>
+              <a:rPr lang="en-US" dirty="0" smtClean="0"/>
+              <a:t>Some bits from </a:t>
+            </a:r>
+            <a:r>
+              <a:rPr lang="en-US" i="1" dirty="0" smtClean="0"/>
+              <a:t>x</a:t>
+            </a:r>
+            <a:r>
+              <a:rPr lang="en-US" dirty="0" smtClean="0"/>
+              <a:t> (usually and preferably the first one) are used to determine the type of </a:t>
+            </a:r>
+            <a:r>
+              <a:rPr lang="en-US" dirty="0" err="1" smtClean="0"/>
+              <a:t>NaN</a:t>
+            </a:r>
+            <a:r>
+              <a:rPr lang="en-US" dirty="0" smtClean="0"/>
+              <a:t>: </a:t>
+            </a:r>
           </a:p>
           <a:p>
             <a:pPr>
@@ -11567,32 +11481,39 @@
               <a:buChar char="•"/>
             </a:pPr>
             <a:r>
+              <a:rPr lang="en-US" sz="2400" b="1" dirty="0" smtClean="0"/>
+              <a:t> Quiet </a:t>
+            </a:r>
+            <a:r>
+              <a:rPr lang="en-US" sz="2400" b="1" dirty="0" err="1" smtClean="0"/>
+              <a:t>NaN</a:t>
+            </a:r>
+            <a:r>
               <a:rPr lang="en-US" sz="2400" dirty="0" smtClean="0"/>
-              <a:t> A representation of a number that has </a:t>
-            </a:r>
-            <a:r>
-              <a:rPr lang="en-US" sz="2400" dirty="0" err="1" smtClean="0">
-                <a:hlinkClick r:id="rId3" tooltip="Arithmetic underflow"/>
-              </a:rPr>
-              <a:t>underflowed</a:t>
-            </a:r>
-            <a:endParaRPr lang="en-US" sz="2400" dirty="0" smtClean="0"/>
+              <a:t> (</a:t>
+            </a:r>
+            <a:r>
+              <a:rPr lang="en-US" sz="2400" dirty="0" err="1" smtClean="0"/>
+              <a:t>qNaNs</a:t>
+            </a:r>
+            <a:r>
+              <a:rPr lang="en-US" sz="2400" dirty="0" smtClean="0"/>
+              <a:t>), do not raise any additional exceptions as they </a:t>
+            </a:r>
+            <a:r>
+              <a:rPr lang="en-US" sz="2400" b="1" dirty="0" smtClean="0"/>
+              <a:t>propagate</a:t>
+            </a:r>
+            <a:r>
+              <a:rPr lang="en-US" sz="2400" dirty="0" smtClean="0"/>
+              <a:t> through most operations.</a:t>
+            </a:r>
           </a:p>
           <a:p>
             <a:pPr>
               <a:buFont typeface="Arial" pitchFamily="34" charset="0"/>
               <a:buChar char="•"/>
             </a:pPr>
-            <a:r>
-              <a:rPr lang="en-US" sz="2400" dirty="0" smtClean="0"/>
-              <a:t> A representation of a number that has </a:t>
-            </a:r>
-            <a:r>
-              <a:rPr lang="en-US" sz="2400" dirty="0" smtClean="0">
-                <a:hlinkClick r:id="rId4" tooltip="Arithmetic overflow"/>
-              </a:rPr>
-              <a:t>overflowed</a:t>
-            </a:r>
             <a:endParaRPr lang="en-US" sz="2400" dirty="0" smtClean="0"/>
           </a:p>
           <a:p>
@@ -11602,31 +11523,32 @@
             </a:pPr>
             <a:r>
               <a:rPr lang="en-US" sz="2400" dirty="0" smtClean="0"/>
-              <a:t> Number in a higher precision format</a:t>
-            </a:r>
-          </a:p>
-          <a:p>
-            <a:pPr>
-              <a:buFont typeface="Arial" pitchFamily="34" charset="0"/>
-              <a:buChar char="•"/>
-            </a:pPr>
+              <a:t> </a:t>
+            </a:r>
+            <a:r>
+              <a:rPr lang="en-US" sz="2400" b="1" dirty="0" smtClean="0"/>
+              <a:t>Signaling </a:t>
+            </a:r>
+            <a:r>
+              <a:rPr lang="en-US" sz="2400" b="1" dirty="0" err="1" smtClean="0"/>
+              <a:t>NaN</a:t>
+            </a:r>
+            <a:r>
+              <a:rPr lang="en-US" sz="2400" b="1" dirty="0" smtClean="0"/>
+              <a:t> </a:t>
+            </a:r>
             <a:r>
               <a:rPr lang="en-US" sz="2400" dirty="0" smtClean="0"/>
-              <a:t> A </a:t>
-            </a:r>
-            <a:r>
-              <a:rPr lang="en-US" sz="2400" dirty="0" smtClean="0">
-                <a:hlinkClick r:id="rId5" tooltip="Complex number"/>
-              </a:rPr>
-              <a:t>complex number</a:t>
-            </a:r>
-            <a:endParaRPr lang="en-US" sz="2400" dirty="0" smtClean="0"/>
-          </a:p>
-          <a:p>
-            <a:pPr>
-              <a:buFont typeface="Arial" pitchFamily="34" charset="0"/>
-              <a:buChar char="•"/>
-            </a:pPr>
+              <a:t>are special forms of a </a:t>
+            </a:r>
+            <a:r>
+              <a:rPr lang="en-US" sz="2400" dirty="0" err="1" smtClean="0"/>
+              <a:t>NaN</a:t>
+            </a:r>
+            <a:r>
+              <a:rPr lang="en-US" sz="2400" dirty="0" smtClean="0"/>
+              <a:t> that when consumed or processed  by most operations should raise the invalid operation exception</a:t>
+            </a:r>
             <a:endParaRPr lang="en-US" sz="2400" dirty="0"/>
           </a:p>
         </p:txBody>
@@ -11640,6 +11562,245 @@
 </file>
 
 <file path=ppt/slides/slide22.xml><?xml version="1.0" encoding="utf-8"?>
+<p:sld xmlns:a="http://schemas.openxmlformats.org/drawingml/2006/main" xmlns:r="http://schemas.openxmlformats.org/officeDocument/2006/relationships" xmlns:p="http://schemas.openxmlformats.org/presentationml/2006/main">
+  <p:cSld>
+    <p:bg>
+      <p:bgPr>
+        <a:gradFill>
+          <a:gsLst>
+            <a:gs pos="0">
+              <a:schemeClr val="accent1">
+                <a:tint val="66000"/>
+                <a:satMod val="160000"/>
+              </a:schemeClr>
+            </a:gs>
+            <a:gs pos="50000">
+              <a:schemeClr val="accent1">
+                <a:tint val="44500"/>
+                <a:satMod val="160000"/>
+              </a:schemeClr>
+            </a:gs>
+            <a:gs pos="100000">
+              <a:schemeClr val="accent1">
+                <a:tint val="23500"/>
+                <a:satMod val="160000"/>
+              </a:schemeClr>
+            </a:gs>
+          </a:gsLst>
+          <a:lin ang="5400000" scaled="0"/>
+        </a:gradFill>
+        <a:effectLst/>
+      </p:bgPr>
+    </p:bg>
+    <p:spTree>
+      <p:nvGrpSpPr>
+        <p:cNvPr id="1" name=""/>
+        <p:cNvGrpSpPr/>
+        <p:nvPr/>
+      </p:nvGrpSpPr>
+      <p:grpSpPr>
+        <a:xfrm>
+          <a:off x="0" y="0"/>
+          <a:ext cx="0" cy="0"/>
+          <a:chOff x="0" y="0"/>
+          <a:chExt cx="0" cy="0"/>
+        </a:xfrm>
+      </p:grpSpPr>
+      <p:sp>
+        <p:nvSpPr>
+          <p:cNvPr id="4" name="Title 3"/>
+          <p:cNvSpPr>
+            <a:spLocks noGrp="1"/>
+          </p:cNvSpPr>
+          <p:nvPr>
+            <p:ph type="title"/>
+          </p:nvPr>
+        </p:nvSpPr>
+        <p:spPr/>
+        <p:txBody>
+          <a:bodyPr/>
+          <a:lstStyle/>
+          <a:p>
+            <a:r>
+              <a:rPr lang="en-US" dirty="0" smtClean="0"/>
+              <a:t>Uses of </a:t>
+            </a:r>
+            <a:r>
+              <a:rPr lang="en-US" dirty="0" err="1" smtClean="0"/>
+              <a:t>NaN</a:t>
+            </a:r>
+            <a:endParaRPr lang="en-US" dirty="0"/>
+          </a:p>
+        </p:txBody>
+      </p:sp>
+      <p:sp>
+        <p:nvSpPr>
+          <p:cNvPr id="3" name="Rectangle 2"/>
+          <p:cNvSpPr/>
+          <p:nvPr/>
+        </p:nvSpPr>
+        <p:spPr>
+          <a:xfrm>
+            <a:off x="381000" y="1487269"/>
+            <a:ext cx="8305800" cy="1200329"/>
+          </a:xfrm>
+          <a:prstGeom prst="rect">
+            <a:avLst/>
+          </a:prstGeom>
+        </p:spPr>
+        <p:txBody>
+          <a:bodyPr wrap="square">
+            <a:spAutoFit/>
+          </a:bodyPr>
+          <a:lstStyle/>
+          <a:p>
+            <a:r>
+              <a:rPr lang="en-US" sz="2400" dirty="0" smtClean="0"/>
+              <a:t>Filling uninitialized memory with </a:t>
+            </a:r>
+            <a:r>
+              <a:rPr lang="en-US" sz="2400" b="1" u="sng" dirty="0" smtClean="0"/>
+              <a:t>Signaling </a:t>
+            </a:r>
+            <a:r>
+              <a:rPr lang="en-US" sz="2400" b="1" u="sng" dirty="0" err="1" smtClean="0"/>
+              <a:t>NaNs</a:t>
+            </a:r>
+            <a:r>
+              <a:rPr lang="en-US" sz="2400" dirty="0" smtClean="0"/>
+              <a:t> would produce the invalid operation exception if the data is used before it is initialized</a:t>
+            </a:r>
+            <a:endParaRPr lang="en-US" sz="2400" dirty="0"/>
+          </a:p>
+        </p:txBody>
+      </p:sp>
+      <p:sp>
+        <p:nvSpPr>
+          <p:cNvPr id="5" name="TextBox 4"/>
+          <p:cNvSpPr txBox="1"/>
+          <p:nvPr/>
+        </p:nvSpPr>
+        <p:spPr>
+          <a:xfrm>
+            <a:off x="457200" y="3048000"/>
+            <a:ext cx="8382000" cy="3046988"/>
+          </a:xfrm>
+          <a:prstGeom prst="rect">
+            <a:avLst/>
+          </a:prstGeom>
+          <a:noFill/>
+        </p:spPr>
+        <p:txBody>
+          <a:bodyPr wrap="square" rtlCol="0">
+            <a:spAutoFit/>
+          </a:bodyPr>
+          <a:lstStyle/>
+          <a:p>
+            <a:r>
+              <a:rPr lang="en-US" sz="2400" dirty="0" smtClean="0"/>
+              <a:t>Using an </a:t>
+            </a:r>
+            <a:r>
+              <a:rPr lang="en-US" sz="2400" dirty="0" err="1" smtClean="0"/>
+              <a:t>sNaN</a:t>
+            </a:r>
+            <a:r>
+              <a:rPr lang="en-US" sz="2400" dirty="0" smtClean="0"/>
+              <a:t> as a placeholder for a more complicated </a:t>
+            </a:r>
+            <a:r>
+              <a:rPr lang="en-US" sz="2400" dirty="0" smtClean="0">
+                <a:hlinkClick r:id="rId2" tooltip="Object (computer science)"/>
+              </a:rPr>
+              <a:t>object</a:t>
+            </a:r>
+            <a:r>
+              <a:rPr lang="en-US" sz="2400" dirty="0" smtClean="0"/>
+              <a:t>, such as </a:t>
+            </a:r>
+          </a:p>
+          <a:p>
+            <a:endParaRPr lang="en-US" sz="2400" dirty="0" smtClean="0"/>
+          </a:p>
+          <a:p>
+            <a:pPr>
+              <a:buFont typeface="Arial" pitchFamily="34" charset="0"/>
+              <a:buChar char="•"/>
+            </a:pPr>
+            <a:r>
+              <a:rPr lang="en-US" sz="2400" dirty="0" smtClean="0"/>
+              <a:t> A representation of a number that has </a:t>
+            </a:r>
+            <a:r>
+              <a:rPr lang="en-US" sz="2400" dirty="0" err="1" smtClean="0">
+                <a:hlinkClick r:id="rId3" tooltip="Arithmetic underflow"/>
+              </a:rPr>
+              <a:t>underflowed</a:t>
+            </a:r>
+            <a:endParaRPr lang="en-US" sz="2400" dirty="0" smtClean="0"/>
+          </a:p>
+          <a:p>
+            <a:pPr>
+              <a:buFont typeface="Arial" pitchFamily="34" charset="0"/>
+              <a:buChar char="•"/>
+            </a:pPr>
+            <a:r>
+              <a:rPr lang="en-US" sz="2400" dirty="0" smtClean="0"/>
+              <a:t> A representation of a number that has </a:t>
+            </a:r>
+            <a:r>
+              <a:rPr lang="en-US" sz="2400" dirty="0" smtClean="0">
+                <a:hlinkClick r:id="rId4" tooltip="Arithmetic overflow"/>
+              </a:rPr>
+              <a:t>overflowed</a:t>
+            </a:r>
+            <a:endParaRPr lang="en-US" sz="2400" dirty="0" smtClean="0"/>
+          </a:p>
+          <a:p>
+            <a:pPr>
+              <a:buFont typeface="Arial" pitchFamily="34" charset="0"/>
+              <a:buChar char="•"/>
+            </a:pPr>
+            <a:r>
+              <a:rPr lang="en-US" sz="2400" dirty="0" smtClean="0"/>
+              <a:t> Number in a higher precision format</a:t>
+            </a:r>
+          </a:p>
+          <a:p>
+            <a:pPr>
+              <a:buFont typeface="Arial" pitchFamily="34" charset="0"/>
+              <a:buChar char="•"/>
+            </a:pPr>
+            <a:r>
+              <a:rPr lang="en-US" sz="2400" dirty="0" smtClean="0"/>
+              <a:t> A </a:t>
+            </a:r>
+            <a:r>
+              <a:rPr lang="en-US" sz="2400" dirty="0" smtClean="0">
+                <a:hlinkClick r:id="rId5" tooltip="Complex number"/>
+              </a:rPr>
+              <a:t>complex number</a:t>
+            </a:r>
+            <a:endParaRPr lang="en-US" sz="2400" dirty="0" smtClean="0"/>
+          </a:p>
+          <a:p>
+            <a:pPr>
+              <a:buFont typeface="Arial" pitchFamily="34" charset="0"/>
+              <a:buChar char="•"/>
+            </a:pPr>
+            <a:endParaRPr lang="en-US" sz="2400" dirty="0"/>
+          </a:p>
+        </p:txBody>
+      </p:sp>
+    </p:spTree>
+  </p:cSld>
+  <p:clrMapOvr>
+    <a:masterClrMapping/>
+  </p:clrMapOvr>
+</p:sld>
+</file>
+
+<file path=ppt/slides/slide23.xml><?xml version="1.0" encoding="utf-8"?>
 <p:sld xmlns:a="http://schemas.openxmlformats.org/drawingml/2006/main" xmlns:r="http://schemas.openxmlformats.org/officeDocument/2006/relationships" xmlns:p="http://schemas.openxmlformats.org/presentationml/2006/main">
   <p:cSld>
     <p:spTree>
@@ -11804,45 +11965,19 @@
           <a:p>
             <a:r>
               <a:rPr lang="en-US" dirty="0" smtClean="0"/>
-              <a:t>• If the Fraction is 0 and the Sign bit is 0, then the true value is </a:t>
-            </a:r>
+              <a:t>• If the Fraction is 0 and the Sign bit is 0, then the true value is  0 (+0)</a:t>
+            </a:r>
+          </a:p>
+          <a:p>
             <a:r>
               <a:rPr lang="en-US" dirty="0" smtClean="0"/>
-              <a:t> </a:t>
-            </a:r>
+              <a:t>• If the Fraction is 0 but the Sign bit is 1, then the true value is also   0 (-0)</a:t>
+            </a:r>
+          </a:p>
+          <a:p>
             <a:r>
               <a:rPr lang="en-US" dirty="0" smtClean="0"/>
-              <a:t>0 (+0)</a:t>
-            </a:r>
-            <a:endParaRPr lang="en-US" dirty="0" smtClean="0"/>
-          </a:p>
-          <a:p>
-            <a:r>
-              <a:rPr lang="en-US" dirty="0" smtClean="0"/>
-              <a:t>• If the Fraction is 0 but the Sign bit is 1, then the true value is also </a:t>
-            </a:r>
-            <a:r>
-              <a:rPr lang="en-US" dirty="0" smtClean="0"/>
-              <a:t> </a:t>
-            </a:r>
-            <a:r>
-              <a:rPr lang="en-US" dirty="0" smtClean="0"/>
-              <a:t> 0 (-0)</a:t>
-            </a:r>
-            <a:endParaRPr lang="en-US" dirty="0" smtClean="0"/>
-          </a:p>
-          <a:p>
-            <a:r>
-              <a:rPr lang="en-US" dirty="0" smtClean="0"/>
-              <a:t>• If the Fraction is not 0, then the true value is a subnormal or a </a:t>
-            </a:r>
-            <a:r>
-              <a:rPr lang="en-US" dirty="0" smtClean="0"/>
-              <a:t>de-normalized </a:t>
-            </a:r>
-            <a:r>
-              <a:rPr lang="en-US" dirty="0" smtClean="0"/>
-              <a:t>value and  its true value should be calculated by using Equation</a:t>
+              <a:t>• If the Fraction is not 0, then the true value is a subnormal or a de-normalized value and  its true value should be calculated by using Equation</a:t>
             </a:r>
           </a:p>
           <a:p>
@@ -11914,68 +12049,6 @@
           </a:ln>
         </p:spPr>
       </p:pic>
-    </p:spTree>
-  </p:cSld>
-  <p:clrMapOvr>
-    <a:masterClrMapping/>
-  </p:clrMapOvr>
-</p:sld>
-</file>
-
-<file path=ppt/slides/slide23.xml><?xml version="1.0" encoding="utf-8"?>
-<p:sld xmlns:a="http://schemas.openxmlformats.org/drawingml/2006/main" xmlns:r="http://schemas.openxmlformats.org/officeDocument/2006/relationships" xmlns:p="http://schemas.openxmlformats.org/presentationml/2006/main">
-  <p:cSld>
-    <p:spTree>
-      <p:nvGrpSpPr>
-        <p:cNvPr id="1" name=""/>
-        <p:cNvGrpSpPr/>
-        <p:nvPr/>
-      </p:nvGrpSpPr>
-      <p:grpSpPr>
-        <a:xfrm>
-          <a:off x="0" y="0"/>
-          <a:ext cx="0" cy="0"/>
-          <a:chOff x="0" y="0"/>
-          <a:chExt cx="0" cy="0"/>
-        </a:xfrm>
-      </p:grpSpPr>
-      <p:sp>
-        <p:nvSpPr>
-          <p:cNvPr id="5" name="Title 4"/>
-          <p:cNvSpPr>
-            <a:spLocks noGrp="1"/>
-          </p:cNvSpPr>
-          <p:nvPr>
-            <p:ph type="title"/>
-          </p:nvPr>
-        </p:nvSpPr>
-        <p:spPr>
-          <a:xfrm>
-            <a:off x="533400" y="2286000"/>
-            <a:ext cx="8229600" cy="1143000"/>
-          </a:xfrm>
-        </p:spPr>
-        <p:txBody>
-          <a:bodyPr>
-            <a:normAutofit fontScale="90000"/>
-          </a:bodyPr>
-          <a:lstStyle/>
-          <a:p>
-            <a:r>
-              <a:rPr lang="en-US" dirty="0" smtClean="0"/>
-              <a:t>What happens when </a:t>
-            </a:r>
-            <a:br>
-              <a:rPr lang="en-US" dirty="0" smtClean="0"/>
-            </a:br>
-            <a:r>
-              <a:rPr lang="en-US" dirty="0" smtClean="0"/>
-              <a:t>Exponent as all  ones ?</a:t>
-            </a:r>
-            <a:endParaRPr lang="en-US" dirty="0"/>
-          </a:p>
-        </p:txBody>
-      </p:sp>
     </p:spTree>
   </p:cSld>
   <p:clrMapOvr>
@@ -12003,7 +12076,7 @@
       </p:grpSpPr>
       <p:sp>
         <p:nvSpPr>
-          <p:cNvPr id="4" name="Title 3"/>
+          <p:cNvPr id="5" name="Title 4"/>
           <p:cNvSpPr>
             <a:spLocks noGrp="1"/>
           </p:cNvSpPr>
@@ -12011,51 +12084,33 @@
             <p:ph type="title"/>
           </p:nvPr>
         </p:nvSpPr>
-        <p:spPr/>
-        <p:txBody>
-          <a:bodyPr/>
+        <p:spPr>
+          <a:xfrm>
+            <a:off x="533400" y="2286000"/>
+            <a:ext cx="8229600" cy="1143000"/>
+          </a:xfrm>
+        </p:spPr>
+        <p:txBody>
+          <a:bodyPr>
+            <a:normAutofit fontScale="90000"/>
+          </a:bodyPr>
           <a:lstStyle/>
           <a:p>
             <a:r>
               <a:rPr lang="en-US" dirty="0" smtClean="0"/>
-              <a:t>Summary </a:t>
+              <a:t>What happens when </a:t>
+            </a:r>
+            <a:br>
+              <a:rPr lang="en-US" dirty="0" smtClean="0"/>
+            </a:br>
+            <a:r>
+              <a:rPr lang="en-US" dirty="0" smtClean="0"/>
+              <a:t>Exponent as all  ones ?</a:t>
             </a:r>
             <a:endParaRPr lang="en-US" dirty="0"/>
           </a:p>
         </p:txBody>
       </p:sp>
-      <p:pic>
-        <p:nvPicPr>
-          <p:cNvPr id="3074" name="Picture 2"/>
-          <p:cNvPicPr>
-            <a:picLocks noChangeAspect="1" noChangeArrowheads="1"/>
-          </p:cNvPicPr>
-          <p:nvPr/>
-        </p:nvPicPr>
-        <p:blipFill>
-          <a:blip r:embed="rId2" cstate="print"/>
-          <a:srcRect/>
-          <a:stretch>
-            <a:fillRect/>
-          </a:stretch>
-        </p:blipFill>
-        <p:spPr bwMode="auto">
-          <a:xfrm>
-            <a:off x="0" y="2209800"/>
-            <a:ext cx="9144000" cy="1676400"/>
-          </a:xfrm>
-          <a:prstGeom prst="rect">
-            <a:avLst/>
-          </a:prstGeom>
-          <a:noFill/>
-          <a:ln w="9525">
-            <a:noFill/>
-            <a:miter lim="800000"/>
-            <a:headEnd/>
-            <a:tailEnd/>
-          </a:ln>
-        </p:spPr>
-      </p:pic>
     </p:spTree>
   </p:cSld>
   <p:clrMapOvr>
@@ -12098,68 +12153,44 @@
           <a:p>
             <a:r>
               <a:rPr lang="en-US" dirty="0" smtClean="0"/>
-              <a:t>Question</a:t>
+              <a:t>Summary </a:t>
             </a:r>
             <a:endParaRPr lang="en-US" dirty="0"/>
           </a:p>
         </p:txBody>
       </p:sp>
-      <p:sp>
-        <p:nvSpPr>
-          <p:cNvPr id="3" name="TextBox 2"/>
-          <p:cNvSpPr txBox="1"/>
+      <p:pic>
+        <p:nvPicPr>
+          <p:cNvPr id="3074" name="Picture 2"/>
+          <p:cNvPicPr>
+            <a:picLocks noChangeAspect="1" noChangeArrowheads="1"/>
+          </p:cNvPicPr>
           <p:nvPr/>
-        </p:nvSpPr>
-        <p:spPr>
-          <a:xfrm>
-            <a:off x="815571" y="2438400"/>
-            <a:ext cx="7329507" cy="1077218"/>
+        </p:nvPicPr>
+        <p:blipFill>
+          <a:blip r:embed="rId2" cstate="print"/>
+          <a:srcRect/>
+          <a:stretch>
+            <a:fillRect/>
+          </a:stretch>
+        </p:blipFill>
+        <p:spPr bwMode="auto">
+          <a:xfrm>
+            <a:off x="0" y="2209800"/>
+            <a:ext cx="9144000" cy="1676400"/>
           </a:xfrm>
           <a:prstGeom prst="rect">
             <a:avLst/>
           </a:prstGeom>
           <a:noFill/>
-        </p:spPr>
-        <p:txBody>
-          <a:bodyPr wrap="none" rtlCol="0">
-            <a:spAutoFit/>
-          </a:bodyPr>
-          <a:lstStyle/>
-          <a:p>
-            <a:r>
-              <a:rPr lang="en-US" sz="3200" dirty="0" smtClean="0"/>
-              <a:t>How are  Quiet NANs and </a:t>
-            </a:r>
-            <a:r>
-              <a:rPr lang="en-US" sz="3200" dirty="0" smtClean="0"/>
-              <a:t>Signaling </a:t>
-            </a:r>
-            <a:r>
-              <a:rPr lang="en-US" sz="3200" dirty="0" err="1" smtClean="0"/>
-              <a:t>NaNs</a:t>
-            </a:r>
-            <a:r>
-              <a:rPr lang="en-US" sz="3200" dirty="0" smtClean="0"/>
-              <a:t> </a:t>
-            </a:r>
-          </a:p>
-          <a:p>
-            <a:r>
-              <a:rPr lang="en-US" sz="3200" dirty="0" smtClean="0"/>
-              <a:t>represented in   32 </a:t>
-            </a:r>
-            <a:r>
-              <a:rPr lang="en-US" sz="3200" dirty="0" smtClean="0"/>
-              <a:t>bit </a:t>
-            </a:r>
-            <a:r>
-              <a:rPr lang="en-US" sz="3200" dirty="0" smtClean="0"/>
-              <a:t>and 64 bit number ?</a:t>
-            </a:r>
-            <a:endParaRPr lang="en-US" sz="3200" dirty="0"/>
-          </a:p>
-        </p:txBody>
-      </p:sp>
+          <a:ln w="9525">
+            <a:noFill/>
+            <a:miter lim="800000"/>
+            <a:headEnd/>
+            <a:tailEnd/>
+          </a:ln>
+        </p:spPr>
+      </p:pic>
     </p:spTree>
   </p:cSld>
   <p:clrMapOvr>
@@ -12202,6 +12233,98 @@
           <a:p>
             <a:r>
               <a:rPr lang="en-US" dirty="0" smtClean="0"/>
+              <a:t>Question</a:t>
+            </a:r>
+            <a:endParaRPr lang="en-US" dirty="0"/>
+          </a:p>
+        </p:txBody>
+      </p:sp>
+      <p:sp>
+        <p:nvSpPr>
+          <p:cNvPr id="3" name="TextBox 2"/>
+          <p:cNvSpPr txBox="1"/>
+          <p:nvPr/>
+        </p:nvSpPr>
+        <p:spPr>
+          <a:xfrm>
+            <a:off x="815571" y="2438400"/>
+            <a:ext cx="7329507" cy="1077218"/>
+          </a:xfrm>
+          <a:prstGeom prst="rect">
+            <a:avLst/>
+          </a:prstGeom>
+          <a:noFill/>
+        </p:spPr>
+        <p:txBody>
+          <a:bodyPr wrap="none" rtlCol="0">
+            <a:spAutoFit/>
+          </a:bodyPr>
+          <a:lstStyle/>
+          <a:p>
+            <a:r>
+              <a:rPr lang="en-US" sz="3200" dirty="0" smtClean="0"/>
+              <a:t>How are  Quiet NANs and Signaling </a:t>
+            </a:r>
+            <a:r>
+              <a:rPr lang="en-US" sz="3200" dirty="0" err="1" smtClean="0"/>
+              <a:t>NaNs</a:t>
+            </a:r>
+            <a:r>
+              <a:rPr lang="en-US" sz="3200" dirty="0" smtClean="0"/>
+              <a:t> </a:t>
+            </a:r>
+          </a:p>
+          <a:p>
+            <a:r>
+              <a:rPr lang="en-US" sz="3200" dirty="0" smtClean="0"/>
+              <a:t>represented in   32 bit and 64 bit number ?</a:t>
+            </a:r>
+            <a:endParaRPr lang="en-US" sz="3200" dirty="0"/>
+          </a:p>
+        </p:txBody>
+      </p:sp>
+    </p:spTree>
+  </p:cSld>
+  <p:clrMapOvr>
+    <a:masterClrMapping/>
+  </p:clrMapOvr>
+</p:sld>
+</file>
+
+<file path=ppt/slides/slide27.xml><?xml version="1.0" encoding="utf-8"?>
+<p:sld xmlns:a="http://schemas.openxmlformats.org/drawingml/2006/main" xmlns:r="http://schemas.openxmlformats.org/officeDocument/2006/relationships" xmlns:p="http://schemas.openxmlformats.org/presentationml/2006/main">
+  <p:cSld>
+    <p:spTree>
+      <p:nvGrpSpPr>
+        <p:cNvPr id="1" name=""/>
+        <p:cNvGrpSpPr/>
+        <p:nvPr/>
+      </p:nvGrpSpPr>
+      <p:grpSpPr>
+        <a:xfrm>
+          <a:off x="0" y="0"/>
+          <a:ext cx="0" cy="0"/>
+          <a:chOff x="0" y="0"/>
+          <a:chExt cx="0" cy="0"/>
+        </a:xfrm>
+      </p:grpSpPr>
+      <p:sp>
+        <p:nvSpPr>
+          <p:cNvPr id="4" name="Title 3"/>
+          <p:cNvSpPr>
+            <a:spLocks noGrp="1"/>
+          </p:cNvSpPr>
+          <p:nvPr>
+            <p:ph type="title"/>
+          </p:nvPr>
+        </p:nvSpPr>
+        <p:spPr/>
+        <p:txBody>
+          <a:bodyPr/>
+          <a:lstStyle/>
+          <a:p>
+            <a:r>
+              <a:rPr lang="en-US" dirty="0" smtClean="0"/>
               <a:t>Example of </a:t>
             </a:r>
             <a:r>
@@ -12296,53 +12419,25 @@
           <a:p>
             <a:r>
               <a:rPr lang="en-US" sz="2400" dirty="0" smtClean="0"/>
-              <a:t>       VLDR.F32 </a:t>
-            </a:r>
+              <a:t>       VLDR.F32   s4, = 0</a:t>
+            </a:r>
+          </a:p>
+          <a:p>
             <a:r>
               <a:rPr lang="en-US" sz="2400" dirty="0" smtClean="0"/>
-              <a:t>  s4</a:t>
-            </a:r>
+              <a:t>       VLDR.F32   s5, = 0 </a:t>
+            </a:r>
+          </a:p>
+          <a:p>
             <a:r>
               <a:rPr lang="en-US" sz="2400" dirty="0" smtClean="0"/>
-              <a:t>, = 0</a:t>
+              <a:t>       VDIV.F32    s6,s5,s4</a:t>
             </a:r>
           </a:p>
           <a:p>
             <a:r>
               <a:rPr lang="en-US" sz="2400" dirty="0" smtClean="0"/>
-              <a:t>       VLDR.F32 </a:t>
-            </a:r>
-            <a:r>
-              <a:rPr lang="en-US" sz="2400" dirty="0" smtClean="0"/>
-              <a:t>  s5</a:t>
-            </a:r>
-            <a:r>
-              <a:rPr lang="en-US" sz="2400" dirty="0" smtClean="0"/>
-              <a:t>, = 0 </a:t>
-            </a:r>
-          </a:p>
-          <a:p>
-            <a:r>
-              <a:rPr lang="en-US" sz="2400" dirty="0" smtClean="0"/>
-              <a:t>       VDIV.F32 </a:t>
-            </a:r>
-            <a:r>
-              <a:rPr lang="en-US" sz="2400" dirty="0" smtClean="0"/>
-              <a:t>   s6,s5,s4</a:t>
-            </a:r>
-          </a:p>
-          <a:p>
-            <a:r>
-              <a:rPr lang="en-US" sz="2400" dirty="0" smtClean="0"/>
-              <a:t> </a:t>
-            </a:r>
-            <a:r>
-              <a:rPr lang="en-US" sz="2400" dirty="0" smtClean="0"/>
-              <a:t>      VLDR.F32   s5</a:t>
-            </a:r>
-            <a:r>
-              <a:rPr lang="en-US" sz="2400" dirty="0" smtClean="0"/>
-              <a:t>, = -1</a:t>
+              <a:t>       VLDR.F32   s5, = -1</a:t>
             </a:r>
           </a:p>
           <a:p>
@@ -12507,7 +12602,7 @@
 </p:sld>
 </file>
 
-<file path=ppt/slides/slide27.xml><?xml version="1.0" encoding="utf-8"?>
+<file path=ppt/slides/slide28.xml><?xml version="1.0" encoding="utf-8"?>
 <p:sld xmlns:a="http://schemas.openxmlformats.org/drawingml/2006/main" xmlns:r="http://schemas.openxmlformats.org/officeDocument/2006/relationships" xmlns:p="http://schemas.openxmlformats.org/presentationml/2006/main">
   <p:cSld>
     <p:spTree>
@@ -12541,8 +12636,8 @@
         </p:blipFill>
         <p:spPr bwMode="auto">
           <a:xfrm>
-            <a:off x="2015067" y="1981200"/>
-            <a:ext cx="5147733" cy="2895600"/>
+            <a:off x="914400" y="1371600"/>
+            <a:ext cx="7315200" cy="4114800"/>
           </a:xfrm>
           <a:prstGeom prst="rect">
             <a:avLst/>
@@ -12550,283 +12645,6 @@
           <a:noFill/>
         </p:spPr>
       </p:pic>
-    </p:spTree>
-  </p:cSld>
-  <p:clrMapOvr>
-    <a:masterClrMapping/>
-  </p:clrMapOvr>
-</p:sld>
-</file>
-
-<file path=ppt/slides/slide28.xml><?xml version="1.0" encoding="utf-8"?>
-<p:sld xmlns:a="http://schemas.openxmlformats.org/drawingml/2006/main" xmlns:r="http://schemas.openxmlformats.org/officeDocument/2006/relationships" xmlns:p="http://schemas.openxmlformats.org/presentationml/2006/main">
-  <p:cSld>
-    <p:spTree>
-      <p:nvGrpSpPr>
-        <p:cNvPr id="1" name=""/>
-        <p:cNvGrpSpPr/>
-        <p:nvPr/>
-      </p:nvGrpSpPr>
-      <p:grpSpPr>
-        <a:xfrm>
-          <a:off x="0" y="0"/>
-          <a:ext cx="0" cy="0"/>
-          <a:chOff x="0" y="0"/>
-          <a:chExt cx="0" cy="0"/>
-        </a:xfrm>
-      </p:grpSpPr>
-      <p:sp>
-        <p:nvSpPr>
-          <p:cNvPr id="4" name="Title 3"/>
-          <p:cNvSpPr>
-            <a:spLocks noGrp="1"/>
-          </p:cNvSpPr>
-          <p:nvPr>
-            <p:ph type="title"/>
-          </p:nvPr>
-        </p:nvSpPr>
-        <p:spPr/>
-        <p:txBody>
-          <a:bodyPr>
-            <a:normAutofit fontScale="90000"/>
-          </a:bodyPr>
-          <a:lstStyle/>
-          <a:p>
-            <a:r>
-              <a:rPr lang="en-US" b="1" dirty="0" smtClean="0"/>
-              <a:t>Floating-Point Loads and Stores: The Instruct ions</a:t>
-            </a:r>
-            <a:endParaRPr lang="en-US" dirty="0"/>
-          </a:p>
-        </p:txBody>
-      </p:sp>
-      <p:sp>
-        <p:nvSpPr>
-          <p:cNvPr id="3" name="TextBox 2"/>
-          <p:cNvSpPr txBox="1"/>
-          <p:nvPr/>
-        </p:nvSpPr>
-        <p:spPr>
-          <a:xfrm>
-            <a:off x="381000" y="1905000"/>
-            <a:ext cx="8153400" cy="2031325"/>
-          </a:xfrm>
-          <a:prstGeom prst="rect">
-            <a:avLst/>
-          </a:prstGeom>
-          <a:noFill/>
-          <a:ln>
-            <a:noFill/>
-          </a:ln>
-          <a:effectLst>
-            <a:outerShdw blurRad="107950" dist="12700" dir="5400000" algn="ctr">
-              <a:srgbClr val="000000"/>
-            </a:outerShdw>
-          </a:effectLst>
-          <a:scene3d>
-            <a:camera prst="orthographicFront">
-              <a:rot lat="0" lon="0" rev="0"/>
-            </a:camera>
-            <a:lightRig rig="soft" dir="t">
-              <a:rot lat="0" lon="0" rev="0"/>
-            </a:lightRig>
-          </a:scene3d>
-          <a:sp3d contourW="44450" prstMaterial="matte">
-            <a:bevelT w="63500" h="63500" prst="artDeco"/>
-            <a:contourClr>
-              <a:srgbClr val="FFFFFF"/>
-            </a:contourClr>
-          </a:sp3d>
-        </p:spPr>
-        <p:txBody>
-          <a:bodyPr wrap="square" rtlCol="0">
-            <a:spAutoFit/>
-          </a:bodyPr>
-          <a:lstStyle/>
-          <a:p>
-            <a:r>
-              <a:rPr lang="en-US" sz="2000" dirty="0" smtClean="0"/>
-              <a:t>Memory is accessed in the same way for floating-point data and integer data. </a:t>
-            </a:r>
-            <a:r>
-              <a:rPr lang="en-US" sz="2000" dirty="0" smtClean="0"/>
-              <a:t>The instructions </a:t>
-            </a:r>
-            <a:r>
-              <a:rPr lang="en-US" sz="2000" dirty="0" smtClean="0"/>
-              <a:t>and the format for floating-point loads and stores is given below.</a:t>
-            </a:r>
-          </a:p>
-          <a:p>
-            <a:pPr algn="ctr"/>
-            <a:r>
-              <a:rPr lang="en-US" dirty="0" smtClean="0"/>
-              <a:t/>
-            </a:r>
-            <a:br>
-              <a:rPr lang="en-US" dirty="0" smtClean="0"/>
-            </a:br>
-            <a:r>
-              <a:rPr lang="en-US" sz="2400" dirty="0" smtClean="0"/>
-              <a:t>VLDR|VSTR{&lt;</a:t>
-            </a:r>
-            <a:r>
-              <a:rPr lang="en-US" sz="2400" dirty="0" err="1" smtClean="0"/>
-              <a:t>cond</a:t>
-            </a:r>
-            <a:r>
-              <a:rPr lang="en-US" sz="2400" dirty="0" smtClean="0"/>
-              <a:t>&gt;}.32 &lt;</a:t>
-            </a:r>
-            <a:r>
-              <a:rPr lang="en-US" sz="2400" dirty="0" err="1" smtClean="0"/>
-              <a:t>Sd</a:t>
-            </a:r>
-            <a:r>
-              <a:rPr lang="en-US" sz="2400" dirty="0" smtClean="0"/>
-              <a:t>&gt;, [&lt;</a:t>
-            </a:r>
-            <a:r>
-              <a:rPr lang="en-US" sz="2400" dirty="0" err="1" smtClean="0"/>
-              <a:t>Rn</a:t>
-            </a:r>
-            <a:r>
-              <a:rPr lang="en-US" sz="2400" dirty="0" smtClean="0"/>
-              <a:t>&gt;{, #+/ − &lt;</a:t>
-            </a:r>
-            <a:r>
-              <a:rPr lang="en-US" sz="2400" dirty="0" err="1" smtClean="0"/>
-              <a:t>imm</a:t>
-            </a:r>
-            <a:r>
-              <a:rPr lang="en-US" sz="2400" dirty="0" smtClean="0"/>
-              <a:t>&gt;}]</a:t>
-            </a:r>
-            <a:br>
-              <a:rPr lang="en-US" sz="2400" dirty="0" smtClean="0"/>
-            </a:br>
-            <a:r>
-              <a:rPr lang="en-US" sz="2400" dirty="0" smtClean="0"/>
-              <a:t>VLDR|VSTR{&lt;</a:t>
-            </a:r>
-            <a:r>
-              <a:rPr lang="en-US" sz="2400" dirty="0" err="1" smtClean="0"/>
-              <a:t>cond</a:t>
-            </a:r>
-            <a:r>
-              <a:rPr lang="en-US" sz="2400" dirty="0" smtClean="0"/>
-              <a:t>&gt;}.64 &lt;</a:t>
-            </a:r>
-            <a:r>
-              <a:rPr lang="en-US" sz="2400" dirty="0" err="1" smtClean="0"/>
-              <a:t>Dd</a:t>
-            </a:r>
-            <a:r>
-              <a:rPr lang="en-US" sz="2400" dirty="0" smtClean="0"/>
-              <a:t>&gt;, [&lt;</a:t>
-            </a:r>
-            <a:r>
-              <a:rPr lang="en-US" sz="2400" dirty="0" err="1" smtClean="0"/>
-              <a:t>Rn</a:t>
-            </a:r>
-            <a:r>
-              <a:rPr lang="en-US" sz="2400" dirty="0" smtClean="0"/>
-              <a:t>&gt;{, #+/ − &lt;</a:t>
-            </a:r>
-            <a:r>
-              <a:rPr lang="en-US" sz="2400" dirty="0" err="1" smtClean="0"/>
-              <a:t>imm</a:t>
-            </a:r>
-            <a:r>
-              <a:rPr lang="en-US" sz="2400" dirty="0" smtClean="0"/>
-              <a:t>&gt;}]</a:t>
-            </a:r>
-            <a:endParaRPr lang="en-US" sz="2400" dirty="0"/>
-          </a:p>
-        </p:txBody>
-      </p:sp>
-      <p:sp>
-        <p:nvSpPr>
-          <p:cNvPr id="5" name="TextBox 4"/>
-          <p:cNvSpPr txBox="1"/>
-          <p:nvPr/>
-        </p:nvSpPr>
-        <p:spPr>
-          <a:xfrm>
-            <a:off x="1219200" y="5105400"/>
-            <a:ext cx="6934200" cy="954107"/>
-          </a:xfrm>
-          <a:prstGeom prst="rect">
-            <a:avLst/>
-          </a:prstGeom>
-          <a:noFill/>
-          <a:ln>
-            <a:noFill/>
-          </a:ln>
-          <a:effectLst>
-            <a:outerShdw blurRad="107950" dist="12700" dir="5400000" algn="ctr">
-              <a:srgbClr val="000000"/>
-            </a:outerShdw>
-          </a:effectLst>
-          <a:scene3d>
-            <a:camera prst="orthographicFront">
-              <a:rot lat="0" lon="0" rev="0"/>
-            </a:camera>
-            <a:lightRig rig="soft" dir="t">
-              <a:rot lat="0" lon="0" rev="0"/>
-            </a:lightRig>
-          </a:scene3d>
-          <a:sp3d contourW="44450" prstMaterial="matte">
-            <a:bevelT w="63500" h="63500" prst="artDeco"/>
-            <a:contourClr>
-              <a:srgbClr val="FFFFFF"/>
-            </a:contourClr>
-          </a:sp3d>
-        </p:spPr>
-        <p:txBody>
-          <a:bodyPr wrap="square" rtlCol="0">
-            <a:spAutoFit/>
-          </a:bodyPr>
-          <a:lstStyle/>
-          <a:p>
-            <a:r>
-              <a:rPr lang="en-US" sz="2800" dirty="0" smtClean="0"/>
-              <a:t>VLDR{&lt;</a:t>
-            </a:r>
-            <a:r>
-              <a:rPr lang="en-US" sz="2800" dirty="0" err="1" smtClean="0"/>
-              <a:t>cond</a:t>
-            </a:r>
-            <a:r>
-              <a:rPr lang="en-US" sz="2800" dirty="0" smtClean="0"/>
-              <a:t>&gt;}.F32 </a:t>
-            </a:r>
-            <a:r>
-              <a:rPr lang="en-US" sz="2800" dirty="0" err="1" smtClean="0"/>
-              <a:t>Sd</a:t>
-            </a:r>
-            <a:r>
-              <a:rPr lang="en-US" sz="2800" dirty="0" smtClean="0"/>
-              <a:t>, =constant</a:t>
-            </a:r>
-          </a:p>
-          <a:p>
-            <a:r>
-              <a:rPr lang="fr-FR" sz="2800" dirty="0" smtClean="0"/>
-              <a:t>VLDR{&lt;</a:t>
-            </a:r>
-            <a:r>
-              <a:rPr lang="fr-FR" sz="2800" dirty="0" err="1" smtClean="0"/>
-              <a:t>cond</a:t>
-            </a:r>
-            <a:r>
-              <a:rPr lang="fr-FR" sz="2800" dirty="0" smtClean="0"/>
-              <a:t>&gt;}.F64 Dd, =constant</a:t>
-            </a:r>
-            <a:endParaRPr lang="en-US" sz="2800" dirty="0"/>
-          </a:p>
-        </p:txBody>
-      </p:sp>
     </p:spTree>
   </p:cSld>
   <p:clrMapOvr>
@@ -12854,7 +12672,7 @@
       </p:grpSpPr>
       <p:sp>
         <p:nvSpPr>
-          <p:cNvPr id="2" name="Title 1"/>
+          <p:cNvPr id="4" name="Title 3"/>
           <p:cNvSpPr>
             <a:spLocks noGrp="1"/>
           </p:cNvSpPr>
@@ -12864,20 +12682,14 @@
         </p:nvSpPr>
         <p:spPr/>
         <p:txBody>
-          <a:bodyPr/>
+          <a:bodyPr>
+            <a:normAutofit fontScale="90000"/>
+          </a:bodyPr>
           <a:lstStyle/>
           <a:p>
             <a:r>
               <a:rPr lang="en-US" b="1" dirty="0" smtClean="0"/>
-              <a:t>The </a:t>
-            </a:r>
-            <a:r>
-              <a:rPr lang="en-US" b="1" dirty="0" smtClean="0"/>
-              <a:t>VMOV </a:t>
-            </a:r>
-            <a:r>
-              <a:rPr lang="en-US" b="1" dirty="0" smtClean="0"/>
-              <a:t>instruction</a:t>
+              <a:t>Floating-Point Loads and Stores: The Instruct ions</a:t>
             </a:r>
             <a:endParaRPr lang="en-US" dirty="0"/>
           </a:p>
@@ -12891,8 +12703,8 @@
         </p:nvSpPr>
         <p:spPr>
           <a:xfrm>
-            <a:off x="381000" y="1676400"/>
-            <a:ext cx="8001000" cy="2585323"/>
+            <a:off x="381000" y="1905000"/>
+            <a:ext cx="8153400" cy="2031325"/>
           </a:xfrm>
           <a:prstGeom prst="rect">
             <a:avLst/>
@@ -12928,15 +12740,22 @@
           <a:lstStyle/>
           <a:p>
             <a:r>
+              <a:rPr lang="en-US" sz="2000" dirty="0" smtClean="0"/>
+              <a:t>Memory is accessed in the same way for floating-point data and integer data. The instructions and the format for floating-point loads and stores is given below.</a:t>
+            </a:r>
+          </a:p>
+          <a:p>
+            <a:pPr algn="ctr"/>
+            <a:r>
               <a:rPr lang="en-US" dirty="0" smtClean="0"/>
-              <a:t>VMOV is used to move Data between ARM registers and Floating Point  Unit </a:t>
-            </a:r>
-          </a:p>
-          <a:p>
-            <a:pPr algn="ctr"/>
+              <a:t/>
+            </a:r>
+            <a:br>
+              <a:rPr lang="en-US" dirty="0" smtClean="0"/>
+            </a:br>
             <a:r>
               <a:rPr lang="en-US" sz="2400" dirty="0" smtClean="0"/>
-              <a:t>VMOV [&lt;</a:t>
+              <a:t>VLDR|VSTR{&lt;</a:t>
             </a:r>
             <a:r>
               <a:rPr lang="en-US" sz="2400" dirty="0" err="1" smtClean="0"/>
@@ -12944,42 +12763,38 @@
             </a:r>
             <a:r>
               <a:rPr lang="en-US" sz="2400" dirty="0" smtClean="0"/>
-              <a:t>&gt;].F32 &lt;</a:t>
+              <a:t>&gt;}.32 &lt;</a:t>
             </a:r>
             <a:r>
               <a:rPr lang="en-US" sz="2400" dirty="0" err="1" smtClean="0"/>
-              <a:t>S</a:t>
-            </a:r>
-            <a:r>
-              <a:rPr lang="en-US" sz="2000" dirty="0" err="1" smtClean="0"/>
-              <a:t>d</a:t>
+              <a:t>Sd</a:t>
             </a:r>
             <a:r>
               <a:rPr lang="en-US" sz="2400" dirty="0" smtClean="0"/>
-              <a:t>&gt;, &lt;</a:t>
+              <a:t>&gt;, [&lt;</a:t>
             </a:r>
             <a:r>
               <a:rPr lang="en-US" sz="2400" dirty="0" err="1" smtClean="0"/>
-              <a:t>R</a:t>
-            </a:r>
-            <a:r>
-              <a:rPr lang="en-US" sz="2000" dirty="0" err="1" smtClean="0"/>
-              <a:t>t</a:t>
+              <a:t>Rn</a:t>
             </a:r>
             <a:r>
               <a:rPr lang="en-US" sz="2400" dirty="0" smtClean="0"/>
-              <a:t>&gt;</a:t>
-            </a:r>
-          </a:p>
-          <a:p>
-            <a:pPr algn="ctr"/>
+              <a:t>&gt;{, #+/ − &lt;</a:t>
+            </a:r>
+            <a:r>
+              <a:rPr lang="en-US" sz="2400" dirty="0" err="1" smtClean="0"/>
+              <a:t>imm</a:t>
+            </a:r>
             <a:r>
               <a:rPr lang="en-US" sz="2400" dirty="0" smtClean="0"/>
-              <a:t> </a:t>
-            </a:r>
-            <a:r>
+              <a:t>&gt;}]</a:t>
+            </a:r>
+            <a:br>
               <a:rPr lang="en-US" sz="2400" dirty="0" smtClean="0"/>
-              <a:t>VMOV[&lt;</a:t>
+            </a:br>
+            <a:r>
+              <a:rPr lang="en-US" sz="2400" dirty="0" smtClean="0"/>
+              <a:t>VLDR|VSTR{&lt;</a:t>
             </a:r>
             <a:r>
               <a:rPr lang="en-US" sz="2400" dirty="0" err="1" smtClean="0"/>
@@ -12987,99 +12802,115 @@
             </a:r>
             <a:r>
               <a:rPr lang="en-US" sz="2400" dirty="0" smtClean="0"/>
-              <a:t>&gt;].F32 &lt;</a:t>
+              <a:t>&gt;}.64 &lt;</a:t>
             </a:r>
             <a:r>
               <a:rPr lang="en-US" sz="2400" dirty="0" err="1" smtClean="0"/>
-              <a:t>R</a:t>
-            </a:r>
-            <a:r>
-              <a:rPr lang="en-US" sz="2000" dirty="0" err="1" smtClean="0"/>
-              <a:t>t</a:t>
+              <a:t>Dd</a:t>
             </a:r>
             <a:r>
               <a:rPr lang="en-US" sz="2400" dirty="0" smtClean="0"/>
-              <a:t>&gt;, &lt;</a:t>
+              <a:t>&gt;, [&lt;</a:t>
             </a:r>
             <a:r>
               <a:rPr lang="en-US" sz="2400" dirty="0" err="1" smtClean="0"/>
-              <a:t>S</a:t>
-            </a:r>
-            <a:r>
-              <a:rPr lang="en-US" sz="2000" dirty="0" err="1" smtClean="0"/>
-              <a:t>n</a:t>
+              <a:t>Rn</a:t>
             </a:r>
             <a:r>
               <a:rPr lang="en-US" sz="2400" dirty="0" smtClean="0"/>
-              <a:t>&gt;</a:t>
-            </a:r>
-            <a:endParaRPr lang="en-US" sz="2400" dirty="0" smtClean="0"/>
-          </a:p>
-          <a:p>
-            <a:pPr algn="ctr"/>
-            <a:endParaRPr lang="en-US" sz="2400" dirty="0" smtClean="0"/>
-          </a:p>
-          <a:p>
-            <a:pPr algn="ctr"/>
+              <a:t>&gt;{, #+/ − &lt;</a:t>
+            </a:r>
+            <a:r>
+              <a:rPr lang="en-US" sz="2400" dirty="0" err="1" smtClean="0"/>
+              <a:t>imm</a:t>
+            </a:r>
             <a:r>
               <a:rPr lang="en-US" sz="2400" dirty="0" smtClean="0"/>
-              <a:t>We can use VMOV to move data between FPU Registers</a:t>
-            </a:r>
-          </a:p>
-          <a:p>
-            <a:pPr algn="ctr"/>
-            <a:r>
-              <a:rPr lang="en-US" sz="2400" dirty="0" smtClean="0"/>
-              <a:t> VMOV[&lt;</a:t>
-            </a:r>
-            <a:r>
-              <a:rPr lang="en-US" sz="2400" dirty="0" err="1" smtClean="0"/>
+              <a:t>&gt;}]</a:t>
+            </a:r>
+            <a:endParaRPr lang="en-US" sz="2400" dirty="0"/>
+          </a:p>
+        </p:txBody>
+      </p:sp>
+      <p:sp>
+        <p:nvSpPr>
+          <p:cNvPr id="5" name="TextBox 4"/>
+          <p:cNvSpPr txBox="1"/>
+          <p:nvPr/>
+        </p:nvSpPr>
+        <p:spPr>
+          <a:xfrm>
+            <a:off x="1219200" y="5105400"/>
+            <a:ext cx="6934200" cy="954107"/>
+          </a:xfrm>
+          <a:prstGeom prst="rect">
+            <a:avLst/>
+          </a:prstGeom>
+          <a:noFill/>
+          <a:ln>
+            <a:noFill/>
+          </a:ln>
+          <a:effectLst>
+            <a:outerShdw blurRad="107950" dist="12700" dir="5400000" algn="ctr">
+              <a:srgbClr val="000000"/>
+            </a:outerShdw>
+          </a:effectLst>
+          <a:scene3d>
+            <a:camera prst="orthographicFront">
+              <a:rot lat="0" lon="0" rev="0"/>
+            </a:camera>
+            <a:lightRig rig="soft" dir="t">
+              <a:rot lat="0" lon="0" rev="0"/>
+            </a:lightRig>
+          </a:scene3d>
+          <a:sp3d contourW="44450" prstMaterial="matte">
+            <a:bevelT w="63500" h="63500" prst="artDeco"/>
+            <a:contourClr>
+              <a:srgbClr val="FFFFFF"/>
+            </a:contourClr>
+          </a:sp3d>
+        </p:spPr>
+        <p:txBody>
+          <a:bodyPr wrap="square" rtlCol="0">
+            <a:spAutoFit/>
+          </a:bodyPr>
+          <a:lstStyle/>
+          <a:p>
+            <a:r>
+              <a:rPr lang="en-US" sz="2800" dirty="0" smtClean="0"/>
+              <a:t>VLDR{&lt;</a:t>
+            </a:r>
+            <a:r>
+              <a:rPr lang="en-US" sz="2800" dirty="0" err="1" smtClean="0"/>
               <a:t>cond</a:t>
             </a:r>
             <a:r>
-              <a:rPr lang="en-US" sz="2400" dirty="0" smtClean="0"/>
-              <a:t>&gt;].F32 </a:t>
-            </a:r>
-            <a:r>
-              <a:rPr lang="en-US" sz="2400" dirty="0" smtClean="0"/>
-              <a:t>&lt;</a:t>
-            </a:r>
-            <a:r>
-              <a:rPr lang="en-US" sz="2400" dirty="0" smtClean="0"/>
-              <a:t> </a:t>
-            </a:r>
-            <a:r>
-              <a:rPr lang="en-US" sz="2400" dirty="0" err="1" smtClean="0"/>
-              <a:t>S</a:t>
-            </a:r>
-            <a:r>
-              <a:rPr lang="en-US" sz="2000" dirty="0" err="1" smtClean="0"/>
-              <a:t>d</a:t>
-            </a:r>
-            <a:r>
-              <a:rPr lang="en-US" sz="2400" dirty="0" smtClean="0"/>
-              <a:t>&gt;, </a:t>
-            </a:r>
-            <a:r>
-              <a:rPr lang="en-US" sz="2400" dirty="0" smtClean="0"/>
-              <a:t>&lt;</a:t>
-            </a:r>
-            <a:r>
-              <a:rPr lang="en-US" sz="2400" dirty="0" err="1" smtClean="0"/>
-              <a:t>S</a:t>
-            </a:r>
-            <a:r>
-              <a:rPr lang="en-US" sz="2000" dirty="0" err="1" smtClean="0"/>
-              <a:t>n</a:t>
-            </a:r>
-            <a:r>
-              <a:rPr lang="en-US" sz="2400" dirty="0" smtClean="0"/>
-              <a:t>&gt;</a:t>
-            </a:r>
-          </a:p>
-          <a:p>
-            <a:pPr algn="ctr"/>
-            <a:endParaRPr lang="en-US" sz="2400" dirty="0"/>
+              <a:rPr lang="en-US" sz="2800" dirty="0" smtClean="0"/>
+              <a:t>&gt;}.F32 </a:t>
+            </a:r>
+            <a:r>
+              <a:rPr lang="en-US" sz="2800" dirty="0" err="1" smtClean="0"/>
+              <a:t>Sd</a:t>
+            </a:r>
+            <a:r>
+              <a:rPr lang="en-US" sz="2800" dirty="0" smtClean="0"/>
+              <a:t>, =constant</a:t>
+            </a:r>
+          </a:p>
+          <a:p>
+            <a:r>
+              <a:rPr lang="fr-FR" sz="2800" dirty="0" smtClean="0"/>
+              <a:t>VLDR{&lt;</a:t>
+            </a:r>
+            <a:r>
+              <a:rPr lang="fr-FR" sz="2800" dirty="0" err="1" smtClean="0"/>
+              <a:t>cond</a:t>
+            </a:r>
+            <a:r>
+              <a:rPr lang="fr-FR" sz="2800" dirty="0" smtClean="0"/>
+              <a:t>&gt;}.F64 Dd, =constant</a:t>
+            </a:r>
+            <a:endParaRPr lang="en-US" sz="2800" dirty="0"/>
           </a:p>
         </p:txBody>
       </p:sp>
@@ -13237,6 +13068,237 @@
 </file>
 
 <file path=ppt/slides/slide30.xml><?xml version="1.0" encoding="utf-8"?>
+<p:sld xmlns:a="http://schemas.openxmlformats.org/drawingml/2006/main" xmlns:r="http://schemas.openxmlformats.org/officeDocument/2006/relationships" xmlns:p="http://schemas.openxmlformats.org/presentationml/2006/main">
+  <p:cSld>
+    <p:spTree>
+      <p:nvGrpSpPr>
+        <p:cNvPr id="1" name=""/>
+        <p:cNvGrpSpPr/>
+        <p:nvPr/>
+      </p:nvGrpSpPr>
+      <p:grpSpPr>
+        <a:xfrm>
+          <a:off x="0" y="0"/>
+          <a:ext cx="0" cy="0"/>
+          <a:chOff x="0" y="0"/>
+          <a:chExt cx="0" cy="0"/>
+        </a:xfrm>
+      </p:grpSpPr>
+      <p:sp>
+        <p:nvSpPr>
+          <p:cNvPr id="2" name="Title 1"/>
+          <p:cNvSpPr>
+            <a:spLocks noGrp="1"/>
+          </p:cNvSpPr>
+          <p:nvPr>
+            <p:ph type="title"/>
+          </p:nvPr>
+        </p:nvSpPr>
+        <p:spPr/>
+        <p:txBody>
+          <a:bodyPr/>
+          <a:lstStyle/>
+          <a:p>
+            <a:r>
+              <a:rPr lang="en-US" b="1" dirty="0" smtClean="0"/>
+              <a:t>The VMOV instruction</a:t>
+            </a:r>
+            <a:endParaRPr lang="en-US" dirty="0"/>
+          </a:p>
+        </p:txBody>
+      </p:sp>
+      <p:sp>
+        <p:nvSpPr>
+          <p:cNvPr id="3" name="TextBox 2"/>
+          <p:cNvSpPr txBox="1"/>
+          <p:nvPr/>
+        </p:nvSpPr>
+        <p:spPr>
+          <a:xfrm>
+            <a:off x="381000" y="1676400"/>
+            <a:ext cx="8001000" cy="2585323"/>
+          </a:xfrm>
+          <a:prstGeom prst="rect">
+            <a:avLst/>
+          </a:prstGeom>
+          <a:noFill/>
+          <a:ln>
+            <a:noFill/>
+          </a:ln>
+          <a:effectLst>
+            <a:outerShdw blurRad="107950" dist="12700" dir="5400000" algn="ctr">
+              <a:srgbClr val="000000"/>
+            </a:outerShdw>
+          </a:effectLst>
+          <a:scene3d>
+            <a:camera prst="orthographicFront">
+              <a:rot lat="0" lon="0" rev="0"/>
+            </a:camera>
+            <a:lightRig rig="soft" dir="t">
+              <a:rot lat="0" lon="0" rev="0"/>
+            </a:lightRig>
+          </a:scene3d>
+          <a:sp3d contourW="44450" prstMaterial="matte">
+            <a:bevelT w="63500" h="63500" prst="artDeco"/>
+            <a:contourClr>
+              <a:srgbClr val="FFFFFF"/>
+            </a:contourClr>
+          </a:sp3d>
+        </p:spPr>
+        <p:txBody>
+          <a:bodyPr wrap="square" rtlCol="0">
+            <a:spAutoFit/>
+          </a:bodyPr>
+          <a:lstStyle/>
+          <a:p>
+            <a:r>
+              <a:rPr lang="en-US" dirty="0" smtClean="0"/>
+              <a:t>VMOV is used to move Data between ARM registers and Floating Point  Unit </a:t>
+            </a:r>
+          </a:p>
+          <a:p>
+            <a:pPr algn="ctr"/>
+            <a:r>
+              <a:rPr lang="en-US" sz="2400" dirty="0" smtClean="0"/>
+              <a:t>VMOV [&lt;</a:t>
+            </a:r>
+            <a:r>
+              <a:rPr lang="en-US" sz="2400" dirty="0" err="1" smtClean="0"/>
+              <a:t>cond</a:t>
+            </a:r>
+            <a:r>
+              <a:rPr lang="en-US" sz="2400" dirty="0" smtClean="0"/>
+              <a:t>&gt;].F32 &lt;</a:t>
+            </a:r>
+            <a:r>
+              <a:rPr lang="en-US" sz="2400" dirty="0" err="1" smtClean="0"/>
+              <a:t>S</a:t>
+            </a:r>
+            <a:r>
+              <a:rPr lang="en-US" sz="2000" dirty="0" err="1" smtClean="0"/>
+              <a:t>d</a:t>
+            </a:r>
+            <a:r>
+              <a:rPr lang="en-US" sz="2400" dirty="0" smtClean="0"/>
+              <a:t>&gt;, &lt;</a:t>
+            </a:r>
+            <a:r>
+              <a:rPr lang="en-US" sz="2400" dirty="0" err="1" smtClean="0"/>
+              <a:t>R</a:t>
+            </a:r>
+            <a:r>
+              <a:rPr lang="en-US" sz="2000" dirty="0" err="1" smtClean="0"/>
+              <a:t>t</a:t>
+            </a:r>
+            <a:r>
+              <a:rPr lang="en-US" sz="2400" dirty="0" smtClean="0"/>
+              <a:t>&gt;</a:t>
+            </a:r>
+          </a:p>
+          <a:p>
+            <a:pPr algn="ctr"/>
+            <a:r>
+              <a:rPr lang="en-US" sz="2400" dirty="0" smtClean="0"/>
+              <a:t> VMOV[&lt;</a:t>
+            </a:r>
+            <a:r>
+              <a:rPr lang="en-US" sz="2400" dirty="0" err="1" smtClean="0"/>
+              <a:t>cond</a:t>
+            </a:r>
+            <a:r>
+              <a:rPr lang="en-US" sz="2400" dirty="0" smtClean="0"/>
+              <a:t>&gt;].F32 &lt;</a:t>
+            </a:r>
+            <a:r>
+              <a:rPr lang="en-US" sz="2400" dirty="0" err="1" smtClean="0"/>
+              <a:t>R</a:t>
+            </a:r>
+            <a:r>
+              <a:rPr lang="en-US" sz="2000" dirty="0" err="1" smtClean="0"/>
+              <a:t>t</a:t>
+            </a:r>
+            <a:r>
+              <a:rPr lang="en-US" sz="2400" dirty="0" smtClean="0"/>
+              <a:t>&gt;, &lt;</a:t>
+            </a:r>
+            <a:r>
+              <a:rPr lang="en-US" sz="2400" dirty="0" err="1" smtClean="0"/>
+              <a:t>S</a:t>
+            </a:r>
+            <a:r>
+              <a:rPr lang="en-US" sz="2000" dirty="0" err="1" smtClean="0"/>
+              <a:t>n</a:t>
+            </a:r>
+            <a:r>
+              <a:rPr lang="en-US" sz="2400" dirty="0" smtClean="0"/>
+              <a:t>&gt;</a:t>
+            </a:r>
+          </a:p>
+          <a:p>
+            <a:pPr algn="ctr"/>
+            <a:endParaRPr lang="en-US" sz="2400" dirty="0" smtClean="0"/>
+          </a:p>
+          <a:p>
+            <a:pPr algn="ctr"/>
+            <a:r>
+              <a:rPr lang="en-US" sz="2400" dirty="0" smtClean="0"/>
+              <a:t>We can use VMOV to move data between FPU Registers</a:t>
+            </a:r>
+          </a:p>
+          <a:p>
+            <a:pPr algn="ctr"/>
+            <a:r>
+              <a:rPr lang="en-US" sz="2400" dirty="0" smtClean="0"/>
+              <a:t> VMOV[&lt;</a:t>
+            </a:r>
+            <a:r>
+              <a:rPr lang="en-US" sz="2400" dirty="0" err="1" smtClean="0"/>
+              <a:t>cond</a:t>
+            </a:r>
+            <a:r>
+              <a:rPr lang="en-US" sz="2400" dirty="0" smtClean="0"/>
+              <a:t>&gt;].F32 &lt; </a:t>
+            </a:r>
+            <a:r>
+              <a:rPr lang="en-US" sz="2400" dirty="0" err="1" smtClean="0"/>
+              <a:t>S</a:t>
+            </a:r>
+            <a:r>
+              <a:rPr lang="en-US" sz="2000" dirty="0" err="1" smtClean="0"/>
+              <a:t>d</a:t>
+            </a:r>
+            <a:r>
+              <a:rPr lang="en-US" sz="2400" dirty="0" smtClean="0"/>
+              <a:t>&gt;, &lt;</a:t>
+            </a:r>
+            <a:r>
+              <a:rPr lang="en-US" sz="2400" dirty="0" err="1" smtClean="0"/>
+              <a:t>S</a:t>
+            </a:r>
+            <a:r>
+              <a:rPr lang="en-US" sz="2000" dirty="0" err="1" smtClean="0"/>
+              <a:t>n</a:t>
+            </a:r>
+            <a:r>
+              <a:rPr lang="en-US" sz="2400" dirty="0" smtClean="0"/>
+              <a:t>&gt;</a:t>
+            </a:r>
+          </a:p>
+          <a:p>
+            <a:pPr algn="ctr"/>
+            <a:endParaRPr lang="en-US" sz="2400" dirty="0"/>
+          </a:p>
+        </p:txBody>
+      </p:sp>
+    </p:spTree>
+  </p:cSld>
+  <p:clrMapOvr>
+    <a:masterClrMapping/>
+  </p:clrMapOvr>
+</p:sld>
+</file>
+
+<file path=ppt/slides/slide31.xml><?xml version="1.0" encoding="utf-8"?>
 <p:sld xmlns:a="http://schemas.openxmlformats.org/drawingml/2006/main" xmlns:r="http://schemas.openxmlformats.org/officeDocument/2006/relationships" xmlns:p="http://schemas.openxmlformats.org/presentationml/2006/main">
   <p:cSld>
     <p:bg>
@@ -13343,7 +13405,7 @@
 </p:sld>
 </file>
 
-<file path=ppt/slides/slide31.xml><?xml version="1.0" encoding="utf-8"?>
+<file path=ppt/slides/slide32.xml><?xml version="1.0" encoding="utf-8"?>
 <p:sld xmlns:a="http://schemas.openxmlformats.org/drawingml/2006/main" xmlns:r="http://schemas.openxmlformats.org/officeDocument/2006/relationships" xmlns:p="http://schemas.openxmlformats.org/presentationml/2006/main">
   <p:cSld>
     <p:spTree>
@@ -13407,15 +13469,7 @@
           <a:p>
             <a:r>
               <a:rPr lang="en-US" sz="2000" dirty="0" smtClean="0"/>
-              <a:t>When a division by Zero happens , the  default </a:t>
-            </a:r>
-            <a:r>
-              <a:rPr lang="en-US" sz="2000" dirty="0" smtClean="0"/>
-              <a:t>result is a properly signed infinity</a:t>
-            </a:r>
-            <a:r>
-              <a:rPr lang="en-US" sz="2000" dirty="0" smtClean="0"/>
-              <a:t>.</a:t>
+              <a:t>When a division by Zero happens , the  default result is a properly signed infinity.</a:t>
             </a:r>
           </a:p>
           <a:p>
@@ -13518,35 +13572,23 @@
               <a:rPr lang="en-US" dirty="0" smtClean="0">
                 <a:sym typeface="Wingdings" pitchFamily="2" charset="2"/>
               </a:rPr>
-              <a:t> </a:t>
+              <a:t> 0111 1111 1000 0000 0000 0000 0000 0000</a:t>
+            </a:r>
+            <a:r>
+              <a:rPr lang="en-US" dirty="0" smtClean="0"/>
+              <a:t> </a:t>
+            </a:r>
+          </a:p>
+          <a:p>
+            <a:r>
+              <a:rPr lang="en-US" dirty="0" smtClean="0"/>
+              <a:t>S4 = 0x FF800000  </a:t>
             </a:r>
             <a:r>
               <a:rPr lang="en-US" dirty="0" smtClean="0">
                 <a:sym typeface="Wingdings" pitchFamily="2" charset="2"/>
               </a:rPr>
-              <a:t>0111 1111 1000 0000 0000 0000 0000 0000</a:t>
-            </a:r>
-            <a:r>
-              <a:rPr lang="en-US" dirty="0" smtClean="0"/>
-              <a:t> </a:t>
-            </a:r>
-          </a:p>
-          <a:p>
-            <a:r>
-              <a:rPr lang="en-US" dirty="0" smtClean="0"/>
-              <a:t>S4 = 0x FF800000  </a:t>
-            </a:r>
-            <a:r>
-              <a:rPr lang="en-US" dirty="0" smtClean="0">
-                <a:sym typeface="Wingdings" pitchFamily="2" charset="2"/>
-              </a:rPr>
-              <a:t> </a:t>
-            </a:r>
-            <a:r>
-              <a:rPr lang="en-US" dirty="0" smtClean="0">
-                <a:sym typeface="Wingdings" pitchFamily="2" charset="2"/>
-              </a:rPr>
-              <a:t>1111 1111 1000 0000 0000 0000 0000 0000</a:t>
+              <a:t> 1111 1111 1000 0000 0000 0000 0000 0000</a:t>
             </a:r>
           </a:p>
           <a:p>
@@ -13622,11 +13664,7 @@
           <a:p>
             <a:r>
               <a:rPr lang="en-US" dirty="0" smtClean="0"/>
-              <a:t>        VMOV.F </a:t>
-            </a:r>
-            <a:r>
-              <a:rPr lang="en-US" dirty="0" smtClean="0"/>
-              <a:t>s0, #5.0</a:t>
+              <a:t>        VMOV.F s0, #5.0</a:t>
             </a:r>
           </a:p>
           <a:p>
@@ -13659,223 +13697,6 @@
               <a:t>       VDIV.F s4, s3, s1 ; return negative infinity</a:t>
             </a:r>
             <a:endParaRPr lang="en-US" dirty="0"/>
-          </a:p>
-        </p:txBody>
-      </p:sp>
-    </p:spTree>
-  </p:cSld>
-  <p:clrMapOvr>
-    <a:masterClrMapping/>
-  </p:clrMapOvr>
-</p:sld>
-</file>
-
-<file path=ppt/slides/slide32.xml><?xml version="1.0" encoding="utf-8"?>
-<p:sld xmlns:a="http://schemas.openxmlformats.org/drawingml/2006/main" xmlns:r="http://schemas.openxmlformats.org/officeDocument/2006/relationships" xmlns:p="http://schemas.openxmlformats.org/presentationml/2006/main">
-  <p:cSld>
-    <p:spTree>
-      <p:nvGrpSpPr>
-        <p:cNvPr id="1" name=""/>
-        <p:cNvGrpSpPr/>
-        <p:nvPr/>
-      </p:nvGrpSpPr>
-      <p:grpSpPr>
-        <a:xfrm>
-          <a:off x="0" y="0"/>
-          <a:ext cx="0" cy="0"/>
-          <a:chOff x="0" y="0"/>
-          <a:chExt cx="0" cy="0"/>
-        </a:xfrm>
-      </p:grpSpPr>
-      <p:sp>
-        <p:nvSpPr>
-          <p:cNvPr id="2" name="Title 1"/>
-          <p:cNvSpPr>
-            <a:spLocks noGrp="1"/>
-          </p:cNvSpPr>
-          <p:nvPr>
-            <p:ph type="title"/>
-          </p:nvPr>
-        </p:nvSpPr>
-        <p:spPr/>
-        <p:txBody>
-          <a:bodyPr/>
-          <a:lstStyle/>
-          <a:p>
-            <a:r>
-              <a:rPr lang="en-US" dirty="0" smtClean="0"/>
-              <a:t>Invalid Operation</a:t>
-            </a:r>
-            <a:endParaRPr lang="en-US" dirty="0"/>
-          </a:p>
-        </p:txBody>
-      </p:sp>
-      <p:sp>
-        <p:nvSpPr>
-          <p:cNvPr id="3" name="TextBox 2"/>
-          <p:cNvSpPr txBox="1"/>
-          <p:nvPr/>
-        </p:nvSpPr>
-        <p:spPr>
-          <a:xfrm>
-            <a:off x="304800" y="1600200"/>
-            <a:ext cx="8610600" cy="3724096"/>
-          </a:xfrm>
-          <a:prstGeom prst="rect">
-            <a:avLst/>
-          </a:prstGeom>
-          <a:noFill/>
-        </p:spPr>
-        <p:txBody>
-          <a:bodyPr wrap="square" rtlCol="0">
-            <a:spAutoFit/>
-          </a:bodyPr>
-          <a:lstStyle/>
-          <a:p>
-            <a:pPr>
-              <a:buFont typeface="Arial" pitchFamily="34" charset="0"/>
-              <a:buChar char="•"/>
-            </a:pPr>
-            <a:r>
-              <a:rPr lang="en-US" sz="2800" dirty="0" smtClean="0"/>
-              <a:t>Operations with signaling </a:t>
-            </a:r>
-            <a:r>
-              <a:rPr lang="en-US" sz="2800" dirty="0" err="1" smtClean="0"/>
-              <a:t>NaNs</a:t>
-            </a:r>
-            <a:r>
-              <a:rPr lang="en-US" sz="2800" dirty="0" smtClean="0"/>
-              <a:t> (</a:t>
-            </a:r>
-            <a:r>
-              <a:rPr lang="en-US" sz="2800" dirty="0" err="1" smtClean="0"/>
-              <a:t>sNANs</a:t>
-            </a:r>
-            <a:r>
-              <a:rPr lang="en-US" sz="2800" dirty="0" smtClean="0"/>
-              <a:t>)</a:t>
-            </a:r>
-          </a:p>
-          <a:p>
-            <a:pPr>
-              <a:buFont typeface="Arial" pitchFamily="34" charset="0"/>
-              <a:buChar char="•"/>
-            </a:pPr>
-            <a:r>
-              <a:rPr lang="en-US" sz="2800" dirty="0" smtClean="0"/>
-              <a:t>Mathematical operations  with  unlike-signed </a:t>
-            </a:r>
-            <a:r>
-              <a:rPr lang="en-US" sz="2800" dirty="0" smtClean="0"/>
-              <a:t>infinities </a:t>
-            </a:r>
-          </a:p>
-          <a:p>
-            <a:pPr>
-              <a:buFont typeface="Arial" pitchFamily="34" charset="0"/>
-              <a:buChar char="•"/>
-            </a:pPr>
-            <a:r>
-              <a:rPr lang="en-US" sz="2800" dirty="0" smtClean="0"/>
-              <a:t> Multiplication </a:t>
-            </a:r>
-            <a:r>
-              <a:rPr lang="en-US" sz="2800" dirty="0" smtClean="0"/>
-              <a:t>of infinity by zero. </a:t>
-            </a:r>
-            <a:endParaRPr lang="en-US" sz="2800" dirty="0" smtClean="0"/>
-          </a:p>
-          <a:p>
-            <a:pPr>
-              <a:buFont typeface="Arial" pitchFamily="34" charset="0"/>
-              <a:buChar char="•"/>
-            </a:pPr>
-            <a:r>
-              <a:rPr lang="en-US" sz="2800" dirty="0" smtClean="0"/>
-              <a:t>Conversion </a:t>
-            </a:r>
-            <a:r>
-              <a:rPr lang="en-US" sz="2800" dirty="0" smtClean="0"/>
-              <a:t>operations— </a:t>
-            </a:r>
-            <a:r>
-              <a:rPr lang="en-US" sz="2800" dirty="0" smtClean="0"/>
-              <a:t>conversion </a:t>
-            </a:r>
-            <a:r>
-              <a:rPr lang="en-US" sz="2800" dirty="0" smtClean="0"/>
-              <a:t>of  floating-point number to </a:t>
-            </a:r>
-            <a:r>
-              <a:rPr lang="en-US" sz="2800" dirty="0" smtClean="0"/>
-              <a:t>an integer or fixed-point </a:t>
-            </a:r>
-            <a:r>
-              <a:rPr lang="en-US" sz="2800" dirty="0" smtClean="0"/>
-              <a:t>format</a:t>
-            </a:r>
-          </a:p>
-          <a:p>
-            <a:pPr>
-              <a:buFont typeface="Arial" pitchFamily="34" charset="0"/>
-              <a:buChar char="•"/>
-            </a:pPr>
-            <a:endParaRPr lang="en-US" sz="2400" dirty="0" smtClean="0"/>
-          </a:p>
-          <a:p>
-            <a:r>
-              <a:rPr lang="en-US" sz="2400" dirty="0" smtClean="0"/>
-              <a:t>When the </a:t>
-            </a:r>
-            <a:r>
-              <a:rPr lang="en-US" sz="2400" i="1" dirty="0" smtClean="0"/>
-              <a:t>Invalid Operation exception is detected for arithmetic and </a:t>
-            </a:r>
-            <a:r>
-              <a:rPr lang="en-US" sz="2400" i="1" dirty="0" smtClean="0"/>
-              <a:t>conversion </a:t>
-            </a:r>
-            <a:r>
-              <a:rPr lang="en-US" sz="2400" dirty="0" smtClean="0"/>
-              <a:t>operations</a:t>
-            </a:r>
-            <a:r>
-              <a:rPr lang="en-US" sz="2400" dirty="0" smtClean="0"/>
-              <a:t>, the default Quiet </a:t>
-            </a:r>
-            <a:r>
-              <a:rPr lang="en-US" sz="2400" dirty="0" err="1" smtClean="0"/>
-              <a:t>NaN</a:t>
-            </a:r>
-            <a:r>
-              <a:rPr lang="en-US" sz="2400" dirty="0" smtClean="0"/>
-              <a:t> (</a:t>
-            </a:r>
-            <a:r>
-              <a:rPr lang="en-US" sz="2400" dirty="0" err="1" smtClean="0"/>
-              <a:t>qNaN</a:t>
-            </a:r>
-            <a:r>
-              <a:rPr lang="en-US" sz="2400" dirty="0" smtClean="0"/>
-              <a:t>) is returned and the </a:t>
-            </a:r>
-            <a:r>
-              <a:rPr lang="en-US" sz="2400" i="1" dirty="0" smtClean="0"/>
-              <a:t>Invalid </a:t>
-            </a:r>
-            <a:r>
-              <a:rPr lang="en-US" sz="2400" i="1" dirty="0" smtClean="0"/>
-              <a:t>Operation </a:t>
-            </a:r>
-            <a:r>
-              <a:rPr lang="en-US" sz="2400" dirty="0" smtClean="0"/>
-              <a:t>(IOC</a:t>
-            </a:r>
-            <a:r>
-              <a:rPr lang="en-US" sz="2400" dirty="0" smtClean="0"/>
-              <a:t>) status bit is set in the FPSCR</a:t>
-            </a:r>
           </a:p>
         </p:txBody>
       </p:sp>
@@ -13921,48 +13742,22 @@
           <a:p>
             <a:r>
               <a:rPr lang="en-US" dirty="0" smtClean="0"/>
-              <a:t>Overflow</a:t>
+              <a:t>Invalid Operation</a:t>
             </a:r>
             <a:endParaRPr lang="en-US" dirty="0"/>
           </a:p>
         </p:txBody>
       </p:sp>
-      <p:pic>
-        <p:nvPicPr>
-          <p:cNvPr id="47106" name="Picture 2" descr="Image result for Overflow"/>
-          <p:cNvPicPr>
-            <a:picLocks noChangeAspect="1" noChangeArrowheads="1"/>
-          </p:cNvPicPr>
-          <p:nvPr/>
-        </p:nvPicPr>
-        <p:blipFill>
-          <a:blip r:embed="rId2" cstate="print"/>
-          <a:srcRect/>
-          <a:stretch>
-            <a:fillRect/>
-          </a:stretch>
-        </p:blipFill>
-        <p:spPr bwMode="auto">
-          <a:xfrm>
-            <a:off x="6400800" y="228600"/>
-            <a:ext cx="2466975" cy="1847851"/>
-          </a:xfrm>
-          <a:prstGeom prst="rect">
-            <a:avLst/>
-          </a:prstGeom>
-          <a:noFill/>
-        </p:spPr>
-      </p:pic>
-      <p:sp>
-        <p:nvSpPr>
-          <p:cNvPr id="4" name="TextBox 3"/>
+      <p:sp>
+        <p:nvSpPr>
+          <p:cNvPr id="3" name="TextBox 2"/>
           <p:cNvSpPr txBox="1"/>
           <p:nvPr/>
         </p:nvSpPr>
         <p:spPr>
           <a:xfrm>
-            <a:off x="533400" y="2590800"/>
-            <a:ext cx="6629400" cy="1754326"/>
+            <a:off x="304800" y="1600200"/>
+            <a:ext cx="8610600" cy="3724096"/>
           </a:xfrm>
           <a:prstGeom prst="rect">
             <a:avLst/>
@@ -13975,60 +13770,105 @@
           </a:bodyPr>
           <a:lstStyle/>
           <a:p>
-            <a:r>
-              <a:rPr lang="en-US" dirty="0" smtClean="0"/>
-              <a:t>The </a:t>
-            </a:r>
-            <a:r>
-              <a:rPr lang="en-US" i="1" dirty="0" smtClean="0"/>
-              <a:t>Overflow exception is signaled when the result of an arithmetic operation </a:t>
-            </a:r>
-            <a:r>
-              <a:rPr lang="en-US" i="1" dirty="0" smtClean="0"/>
-              <a:t>cannot </a:t>
-            </a:r>
-            <a:r>
-              <a:rPr lang="en-US" dirty="0" smtClean="0"/>
-              <a:t>be </a:t>
-            </a:r>
-            <a:r>
-              <a:rPr lang="en-US" dirty="0" smtClean="0"/>
-              <a:t>represented because the absolute value of the result is too large for the </a:t>
-            </a:r>
-            <a:r>
-              <a:rPr lang="en-US" dirty="0" smtClean="0"/>
-              <a:t>destination format</a:t>
-            </a:r>
-            <a:r>
-              <a:rPr lang="en-US" dirty="0" smtClean="0"/>
-              <a:t>. In this way it is possible to overflow both with a positive and a </a:t>
-            </a:r>
-            <a:r>
-              <a:rPr lang="en-US" dirty="0" smtClean="0"/>
-              <a:t>negative result</a:t>
-            </a:r>
-            <a:r>
-              <a:rPr lang="en-US" dirty="0" smtClean="0"/>
-              <a:t>. </a:t>
-            </a:r>
-            <a:endParaRPr lang="en-US" dirty="0" smtClean="0"/>
-          </a:p>
-          <a:p>
-            <a:r>
-              <a:rPr lang="en-US" dirty="0" smtClean="0"/>
-              <a:t>When an over flow happens   </a:t>
-            </a:r>
-            <a:r>
-              <a:rPr lang="en-US" dirty="0" smtClean="0"/>
-              <a:t>both the overflow status bit (OFC) and</a:t>
-            </a:r>
-          </a:p>
-          <a:p>
-            <a:r>
-              <a:rPr lang="en-US" dirty="0" smtClean="0"/>
-              <a:t>the inexact status bit (IXC) are set.</a:t>
-            </a:r>
-            <a:endParaRPr lang="en-US" dirty="0"/>
+            <a:pPr>
+              <a:buFont typeface="Arial" pitchFamily="34" charset="0"/>
+              <a:buChar char="•"/>
+            </a:pPr>
+            <a:r>
+              <a:rPr lang="en-US" sz="2800" dirty="0" smtClean="0"/>
+              <a:t>Operations with signaling </a:t>
+            </a:r>
+            <a:r>
+              <a:rPr lang="en-US" sz="2800" dirty="0" err="1" smtClean="0"/>
+              <a:t>NaNs</a:t>
+            </a:r>
+            <a:r>
+              <a:rPr lang="en-US" sz="2800" dirty="0" smtClean="0"/>
+              <a:t> (</a:t>
+            </a:r>
+            <a:r>
+              <a:rPr lang="en-US" sz="2800" dirty="0" err="1" smtClean="0"/>
+              <a:t>sNANs</a:t>
+            </a:r>
+            <a:r>
+              <a:rPr lang="en-US" sz="2800" dirty="0" smtClean="0"/>
+              <a:t>)</a:t>
+            </a:r>
+          </a:p>
+          <a:p>
+            <a:pPr>
+              <a:buFont typeface="Arial" pitchFamily="34" charset="0"/>
+              <a:buChar char="•"/>
+            </a:pPr>
+            <a:r>
+              <a:rPr lang="en-US" sz="2800" dirty="0" smtClean="0"/>
+              <a:t>Mathematical operations  with  unlike-signed infinities </a:t>
+            </a:r>
+          </a:p>
+          <a:p>
+            <a:pPr>
+              <a:buFont typeface="Arial" pitchFamily="34" charset="0"/>
+              <a:buChar char="•"/>
+            </a:pPr>
+            <a:r>
+              <a:rPr lang="en-US" sz="2800" dirty="0" smtClean="0"/>
+              <a:t> Multiplication of infinity by zero. </a:t>
+            </a:r>
+          </a:p>
+          <a:p>
+            <a:pPr>
+              <a:buFont typeface="Arial" pitchFamily="34" charset="0"/>
+              <a:buChar char="•"/>
+            </a:pPr>
+            <a:r>
+              <a:rPr lang="en-US" sz="2800" dirty="0" smtClean="0"/>
+              <a:t>Conversion operations— conversion of  floating-point number to an integer or fixed-point format</a:t>
+            </a:r>
+          </a:p>
+          <a:p>
+            <a:pPr>
+              <a:buFont typeface="Arial" pitchFamily="34" charset="0"/>
+              <a:buChar char="•"/>
+            </a:pPr>
+            <a:endParaRPr lang="en-US" sz="2400" dirty="0" smtClean="0"/>
+          </a:p>
+          <a:p>
+            <a:r>
+              <a:rPr lang="en-US" sz="2400" dirty="0" smtClean="0"/>
+              <a:t>When the </a:t>
+            </a:r>
+            <a:r>
+              <a:rPr lang="en-US" sz="2400" i="1" dirty="0" smtClean="0"/>
+              <a:t>Invalid Operation exception is detected for arithmetic and conversion </a:t>
+            </a:r>
+            <a:r>
+              <a:rPr lang="en-US" sz="2400" dirty="0" smtClean="0"/>
+              <a:t>operations, the default Quiet </a:t>
+            </a:r>
+            <a:r>
+              <a:rPr lang="en-US" sz="2400" dirty="0" err="1" smtClean="0"/>
+              <a:t>NaN</a:t>
+            </a:r>
+            <a:r>
+              <a:rPr lang="en-US" sz="2400" dirty="0" smtClean="0"/>
+              <a:t> (</a:t>
+            </a:r>
+            <a:r>
+              <a:rPr lang="en-US" sz="2400" dirty="0" err="1" smtClean="0"/>
+              <a:t>qNaN</a:t>
+            </a:r>
+            <a:r>
+              <a:rPr lang="en-US" sz="2400" dirty="0" smtClean="0"/>
+              <a:t>) is returned and the </a:t>
+            </a:r>
+            <a:r>
+              <a:rPr lang="en-US" sz="2400" i="1" dirty="0" smtClean="0"/>
+              <a:t>Invalid Operation </a:t>
+            </a:r>
+            <a:r>
+              <a:rPr lang="en-US" sz="2400" dirty="0" smtClean="0"/>
+              <a:t>(IOC) status bit is set in the FPSCR</a:t>
+            </a:r>
           </a:p>
         </p:txBody>
       </p:sp>
@@ -14074,6 +13914,160 @@
           <a:p>
             <a:r>
               <a:rPr lang="en-US" dirty="0" smtClean="0"/>
+              <a:t>Overflow</a:t>
+            </a:r>
+            <a:endParaRPr lang="en-US" dirty="0"/>
+          </a:p>
+        </p:txBody>
+      </p:sp>
+      <p:pic>
+        <p:nvPicPr>
+          <p:cNvPr id="47106" name="Picture 2" descr="Image result for Overflow"/>
+          <p:cNvPicPr>
+            <a:picLocks noChangeAspect="1" noChangeArrowheads="1"/>
+          </p:cNvPicPr>
+          <p:nvPr/>
+        </p:nvPicPr>
+        <p:blipFill>
+          <a:blip r:embed="rId2" cstate="print"/>
+          <a:srcRect/>
+          <a:stretch>
+            <a:fillRect/>
+          </a:stretch>
+        </p:blipFill>
+        <p:spPr bwMode="auto">
+          <a:xfrm>
+            <a:off x="6400800" y="228600"/>
+            <a:ext cx="2466975" cy="1847851"/>
+          </a:xfrm>
+          <a:prstGeom prst="rect">
+            <a:avLst/>
+          </a:prstGeom>
+          <a:noFill/>
+        </p:spPr>
+      </p:pic>
+      <p:sp>
+        <p:nvSpPr>
+          <p:cNvPr id="4" name="TextBox 3"/>
+          <p:cNvSpPr txBox="1"/>
+          <p:nvPr/>
+        </p:nvSpPr>
+        <p:spPr>
+          <a:xfrm>
+            <a:off x="533400" y="2590800"/>
+            <a:ext cx="6629400" cy="1754326"/>
+          </a:xfrm>
+          <a:prstGeom prst="rect">
+            <a:avLst/>
+          </a:prstGeom>
+          <a:noFill/>
+        </p:spPr>
+        <p:txBody>
+          <a:bodyPr wrap="square" rtlCol="0">
+            <a:spAutoFit/>
+          </a:bodyPr>
+          <a:lstStyle/>
+          <a:p>
+            <a:r>
+              <a:rPr lang="en-US" dirty="0" smtClean="0"/>
+              <a:t>The </a:t>
+            </a:r>
+            <a:r>
+              <a:rPr lang="en-US" i="1" dirty="0" smtClean="0"/>
+              <a:t>Overflow exception is signaled when the result of an arithmetic operation cannot </a:t>
+            </a:r>
+            <a:r>
+              <a:rPr lang="en-US" dirty="0" smtClean="0"/>
+              <a:t>be represented because the absolute value of the result is too large for the destination format. In this way it is possible to overflow both with a positive and a negative result. </a:t>
+            </a:r>
+          </a:p>
+          <a:p>
+            <a:r>
+              <a:rPr lang="en-US" dirty="0" smtClean="0"/>
+              <a:t>When an over flow happens   both the overflow status bit (OFC) and</a:t>
+            </a:r>
+          </a:p>
+          <a:p>
+            <a:r>
+              <a:rPr lang="en-US" dirty="0" smtClean="0"/>
+              <a:t>the inexact status bit (IXC) are set.</a:t>
+            </a:r>
+            <a:endParaRPr lang="en-US" dirty="0"/>
+          </a:p>
+        </p:txBody>
+      </p:sp>
+      <p:sp>
+        <p:nvSpPr>
+          <p:cNvPr id="5" name="TextBox 4"/>
+          <p:cNvSpPr txBox="1"/>
+          <p:nvPr/>
+        </p:nvSpPr>
+        <p:spPr>
+          <a:xfrm>
+            <a:off x="609600" y="5181600"/>
+            <a:ext cx="7696200" cy="369332"/>
+          </a:xfrm>
+          <a:prstGeom prst="rect">
+            <a:avLst/>
+          </a:prstGeom>
+          <a:noFill/>
+        </p:spPr>
+        <p:txBody>
+          <a:bodyPr wrap="square" rtlCol="0">
+            <a:spAutoFit/>
+          </a:bodyPr>
+          <a:lstStyle/>
+          <a:p>
+            <a:r>
+              <a:rPr lang="en-US" dirty="0" smtClean="0"/>
+              <a:t>Modify the factorial program to work on Floating point and create an overflow</a:t>
+            </a:r>
+            <a:endParaRPr lang="en-US" dirty="0"/>
+          </a:p>
+        </p:txBody>
+      </p:sp>
+    </p:spTree>
+  </p:cSld>
+  <p:clrMapOvr>
+    <a:masterClrMapping/>
+  </p:clrMapOvr>
+</p:sld>
+</file>
+
+<file path=ppt/slides/slide35.xml><?xml version="1.0" encoding="utf-8"?>
+<p:sld xmlns:a="http://schemas.openxmlformats.org/drawingml/2006/main" xmlns:r="http://schemas.openxmlformats.org/officeDocument/2006/relationships" xmlns:p="http://schemas.openxmlformats.org/presentationml/2006/main">
+  <p:cSld>
+    <p:spTree>
+      <p:nvGrpSpPr>
+        <p:cNvPr id="1" name=""/>
+        <p:cNvGrpSpPr/>
+        <p:nvPr/>
+      </p:nvGrpSpPr>
+      <p:grpSpPr>
+        <a:xfrm>
+          <a:off x="0" y="0"/>
+          <a:ext cx="0" cy="0"/>
+          <a:chOff x="0" y="0"/>
+          <a:chExt cx="0" cy="0"/>
+        </a:xfrm>
+      </p:grpSpPr>
+      <p:sp>
+        <p:nvSpPr>
+          <p:cNvPr id="2" name="Title 1"/>
+          <p:cNvSpPr>
+            <a:spLocks noGrp="1"/>
+          </p:cNvSpPr>
+          <p:nvPr>
+            <p:ph type="title"/>
+          </p:nvPr>
+        </p:nvSpPr>
+        <p:spPr/>
+        <p:txBody>
+          <a:bodyPr/>
+          <a:lstStyle/>
+          <a:p>
+            <a:r>
+              <a:rPr lang="en-US" dirty="0" smtClean="0"/>
               <a:t>Under Flow</a:t>
             </a:r>
             <a:endParaRPr lang="en-US" dirty="0"/>
@@ -14115,7 +14109,7 @@
         <p:spPr>
           <a:xfrm>
             <a:off x="533400" y="2057400"/>
-            <a:ext cx="7620000" cy="1754326"/>
+            <a:ext cx="7620000" cy="1846659"/>
           </a:xfrm>
           <a:prstGeom prst="rect">
             <a:avLst/>
@@ -14154,61 +14148,34 @@
           </a:bodyPr>
           <a:lstStyle/>
           <a:p>
+            <a:pPr algn="just"/>
             <a:r>
               <a:rPr lang="en-US" dirty="0" smtClean="0"/>
               <a:t>Floating-point arithmetic operations can also </a:t>
             </a:r>
             <a:r>
               <a:rPr lang="en-US" i="1" dirty="0" smtClean="0"/>
-              <a:t>underflow when the result of the </a:t>
+              <a:t>underflow when the result of the operation </a:t>
+            </a:r>
+            <a:r>
+              <a:rPr lang="en-US" sz="2400" b="1" u="sng" dirty="0" smtClean="0"/>
+              <a:t>is </a:t>
+            </a:r>
+            <a:r>
+              <a:rPr lang="en-US" sz="2400" b="1" i="1" u="sng" dirty="0" smtClean="0"/>
+              <a:t>too small to fit in the destination format</a:t>
             </a:r>
             <a:r>
               <a:rPr lang="en-US" i="1" dirty="0" smtClean="0"/>
-              <a:t>operation </a:t>
+              <a:t>. You can imagine when two very  </a:t>
             </a:r>
             <a:r>
               <a:rPr lang="en-US" dirty="0" smtClean="0"/>
-              <a:t>is </a:t>
+              <a:t>small values say 6.6261 × 10−34 (Planck’s constant in J ⋅ s) and 1.602 × 10−19 (elementary charge in Coulombs), are multiplied, the product is 10.607 × 10−53, but this value is outside the normal range of a single-precision value, and we have </a:t>
             </a:r>
             <a:r>
               <a:rPr lang="en-US" i="1" dirty="0" smtClean="0"/>
-              <a:t>too small to fit in the destination format. You can imagine when two </a:t>
-            </a:r>
-            <a:r>
-              <a:rPr lang="en-US" i="1" dirty="0" smtClean="0"/>
-              <a:t>very  </a:t>
-            </a:r>
-            <a:r>
-              <a:rPr lang="en-US" dirty="0" smtClean="0"/>
-              <a:t>small values </a:t>
-            </a:r>
-            <a:r>
-              <a:rPr lang="en-US" dirty="0" smtClean="0"/>
-              <a:t>say 6.6261 × 10−34 (Planck’s constant in J ⋅ s) and 1.602 × 10−19 (</a:t>
-            </a:r>
-            <a:r>
-              <a:rPr lang="en-US" dirty="0" smtClean="0"/>
-              <a:t>elementary charge </a:t>
-            </a:r>
-            <a:r>
-              <a:rPr lang="en-US" dirty="0" smtClean="0"/>
-              <a:t>in Coulombs), are multiplied, the product is 10.607 × 10−53, but this </a:t>
-            </a:r>
-            <a:r>
-              <a:rPr lang="en-US" dirty="0" smtClean="0"/>
-              <a:t>value is </a:t>
-            </a:r>
-            <a:r>
-              <a:rPr lang="en-US" dirty="0" smtClean="0"/>
-              <a:t>outside the normal range of a single-precision value, and we have </a:t>
-            </a:r>
-            <a:r>
-              <a:rPr lang="en-US" i="1" dirty="0" smtClean="0"/>
-              <a:t>under flowed</a:t>
-            </a:r>
-            <a:r>
-              <a:rPr lang="en-US" i="1" dirty="0" smtClean="0"/>
-              <a:t>.</a:t>
+              <a:t>under flowed.</a:t>
             </a:r>
             <a:endParaRPr lang="en-US" dirty="0"/>
           </a:p>
@@ -14222,7 +14189,7 @@
         </p:nvSpPr>
         <p:spPr>
           <a:xfrm>
-            <a:off x="457200" y="4847272"/>
+            <a:off x="457200" y="4343400"/>
             <a:ext cx="7696200" cy="1477328"/>
           </a:xfrm>
           <a:prstGeom prst="rect">
@@ -14260,51 +14227,59 @@
           </a:bodyPr>
           <a:lstStyle/>
           <a:p>
+            <a:pPr algn="just"/>
+            <a:r>
+              <a:rPr lang="en-US" b="1" dirty="0" smtClean="0"/>
+              <a:t>When the </a:t>
+            </a:r>
+            <a:r>
+              <a:rPr lang="en-US" b="1" i="1" dirty="0" smtClean="0"/>
+              <a:t>Underflow exception is detected, the default</a:t>
+            </a:r>
+          </a:p>
+          <a:p>
+            <a:pPr algn="just"/>
             <a:r>
               <a:rPr lang="en-US" dirty="0" smtClean="0"/>
-              <a:t>When the </a:t>
+              <a:t>value returned is a subnormal value (if the result is within the subnormal range for the destination precision) or a signed zero. The Underflow status bit (UFC) and the Inexact status bit (IXC) are set in the FPSCR </a:t>
             </a:r>
             <a:r>
               <a:rPr lang="en-US" i="1" dirty="0" smtClean="0"/>
-              <a:t>Underflow exception is detected, the default</a:t>
-            </a:r>
-          </a:p>
-          <a:p>
+              <a:t>if the result is not exact; otherwise, </a:t>
+            </a:r>
             <a:r>
               <a:rPr lang="en-US" dirty="0" smtClean="0"/>
-              <a:t>value returned is a subnormal value (if the result is within the subnormal range </a:t>
-            </a:r>
+              <a:t>neither status bit is set.</a:t>
+            </a:r>
+            <a:endParaRPr lang="en-US" dirty="0"/>
+          </a:p>
+        </p:txBody>
+      </p:sp>
+      <p:sp>
+        <p:nvSpPr>
+          <p:cNvPr id="6" name="TextBox 5"/>
+          <p:cNvSpPr txBox="1"/>
+          <p:nvPr/>
+        </p:nvSpPr>
+        <p:spPr>
+          <a:xfrm>
+            <a:off x="304800" y="6172200"/>
+            <a:ext cx="8229600" cy="381000"/>
+          </a:xfrm>
+          <a:prstGeom prst="rect">
+            <a:avLst/>
+          </a:prstGeom>
+          <a:noFill/>
+        </p:spPr>
+        <p:txBody>
+          <a:bodyPr wrap="square" rtlCol="0">
+            <a:spAutoFit/>
+          </a:bodyPr>
+          <a:lstStyle/>
+          <a:p>
             <a:r>
               <a:rPr lang="en-US" dirty="0" smtClean="0"/>
-              <a:t>for the </a:t>
-            </a:r>
-            <a:r>
-              <a:rPr lang="en-US" dirty="0" smtClean="0"/>
-              <a:t>destination precision) or a signed zero. The Underflow status bit (UFC) and </a:t>
-            </a:r>
-            <a:r>
-              <a:rPr lang="en-US" dirty="0" smtClean="0"/>
-              <a:t>the Inexact </a:t>
-            </a:r>
-            <a:r>
-              <a:rPr lang="en-US" dirty="0" smtClean="0"/>
-              <a:t>status bit (IXC) are set in the FPSCR </a:t>
-            </a:r>
-            <a:r>
-              <a:rPr lang="en-US" i="1" dirty="0" smtClean="0"/>
-              <a:t>if the result is not exact; </a:t>
-            </a:r>
-            <a:r>
-              <a:rPr lang="en-US" i="1" dirty="0" smtClean="0"/>
-              <a:t>otherwise, </a:t>
-            </a:r>
-            <a:r>
-              <a:rPr lang="en-US" dirty="0" smtClean="0"/>
-              <a:t>neither </a:t>
-            </a:r>
-            <a:r>
-              <a:rPr lang="en-US" dirty="0" smtClean="0"/>
-              <a:t>status bit is set.</a:t>
+              <a:t>Write a simple program using assembly language which results in UNDERFLOW </a:t>
             </a:r>
             <a:endParaRPr lang="en-US" dirty="0"/>
           </a:p>
@@ -14318,7 +14293,7 @@
 </p:sld>
 </file>
 
-<file path=ppt/slides/slide35.xml><?xml version="1.0" encoding="utf-8"?>
+<file path=ppt/slides/slide36.xml><?xml version="1.0" encoding="utf-8"?>
 <p:sld xmlns:a="http://schemas.openxmlformats.org/drawingml/2006/main" xmlns:r="http://schemas.openxmlformats.org/officeDocument/2006/relationships" xmlns:p="http://schemas.openxmlformats.org/presentationml/2006/main">
   <p:cSld>
     <p:spTree>
@@ -14345,9 +14320,488 @@
             <p:ph type="title"/>
           </p:nvPr>
         </p:nvSpPr>
-        <p:spPr>
-          <a:xfrm>
-            <a:off x="457200" y="1905000"/>
+        <p:spPr/>
+        <p:txBody>
+          <a:bodyPr/>
+          <a:lstStyle/>
+          <a:p>
+            <a:r>
+              <a:rPr lang="en-US" dirty="0" smtClean="0"/>
+              <a:t>INEXACT Result</a:t>
+            </a:r>
+            <a:endParaRPr lang="en-US" dirty="0"/>
+          </a:p>
+        </p:txBody>
+      </p:sp>
+      <p:sp>
+        <p:nvSpPr>
+          <p:cNvPr id="3" name="TextBox 2"/>
+          <p:cNvSpPr txBox="1"/>
+          <p:nvPr/>
+        </p:nvSpPr>
+        <p:spPr>
+          <a:xfrm>
+            <a:off x="533400" y="1828800"/>
+            <a:ext cx="7848600" cy="2769989"/>
+          </a:xfrm>
+          <a:prstGeom prst="rect">
+            <a:avLst/>
+          </a:prstGeom>
+          <a:noFill/>
+        </p:spPr>
+        <p:txBody>
+          <a:bodyPr wrap="square" rtlCol="0">
+            <a:spAutoFit/>
+          </a:bodyPr>
+          <a:lstStyle/>
+          <a:p>
+            <a:r>
+              <a:rPr lang="en-US" dirty="0" smtClean="0"/>
+              <a:t>IT is not always possible   </a:t>
+            </a:r>
+            <a:r>
+              <a:rPr lang="en-US" dirty="0" smtClean="0"/>
+              <a:t>floating-point computations </a:t>
+            </a:r>
+            <a:r>
+              <a:rPr lang="en-US" dirty="0" smtClean="0"/>
+              <a:t>to give exact results</a:t>
+            </a:r>
+            <a:endParaRPr lang="en-US" dirty="0" smtClean="0"/>
+          </a:p>
+          <a:p>
+            <a:r>
+              <a:rPr lang="en-US" dirty="0" smtClean="0"/>
+              <a:t>Hence computation  </a:t>
+            </a:r>
+            <a:r>
+              <a:rPr lang="en-US" dirty="0" smtClean="0"/>
+              <a:t>will result in an intermediate value which is between</a:t>
+            </a:r>
+          </a:p>
+          <a:p>
+            <a:r>
+              <a:rPr lang="en-US" dirty="0" smtClean="0"/>
+              <a:t>two </a:t>
+            </a:r>
+            <a:r>
+              <a:rPr lang="en-US" dirty="0" err="1" smtClean="0"/>
+              <a:t>representable</a:t>
+            </a:r>
+            <a:r>
+              <a:rPr lang="en-US" dirty="0" smtClean="0"/>
+              <a:t> values and requires rounding. </a:t>
+            </a:r>
+            <a:endParaRPr lang="en-US" dirty="0" smtClean="0"/>
+          </a:p>
+          <a:p>
+            <a:r>
+              <a:rPr lang="en-US" dirty="0" smtClean="0"/>
+              <a:t>This is when we say the result I  </a:t>
+            </a:r>
+            <a:r>
+              <a:rPr lang="en-US" i="1" dirty="0" smtClean="0"/>
+              <a:t>inexact</a:t>
+            </a:r>
+            <a:r>
+              <a:rPr lang="en-US" i="1" dirty="0" smtClean="0"/>
+              <a:t>. That means simply that there was no </a:t>
+            </a:r>
+            <a:r>
+              <a:rPr lang="en-US" i="1" dirty="0" err="1" smtClean="0"/>
+              <a:t>representable</a:t>
+            </a:r>
+            <a:r>
+              <a:rPr lang="en-US" i="1" dirty="0" smtClean="0"/>
+              <a:t> value </a:t>
+            </a:r>
+            <a:r>
+              <a:rPr lang="en-US" i="1" dirty="0" smtClean="0"/>
+              <a:t>exactly  </a:t>
+            </a:r>
+            <a:r>
+              <a:rPr lang="en-US" dirty="0" smtClean="0"/>
+              <a:t>matching </a:t>
+            </a:r>
+            <a:r>
+              <a:rPr lang="en-US" dirty="0" smtClean="0"/>
+              <a:t>the result, and another value was substituted for the computed result</a:t>
+            </a:r>
+            <a:r>
+              <a:rPr lang="en-US" dirty="0" smtClean="0"/>
+              <a:t>.</a:t>
+            </a:r>
+          </a:p>
+          <a:p>
+            <a:endParaRPr lang="en-US" dirty="0" smtClean="0"/>
+          </a:p>
+          <a:p>
+            <a:r>
+              <a:rPr lang="en-US" sz="2400" b="1" dirty="0" smtClean="0"/>
+              <a:t>When the </a:t>
+            </a:r>
+            <a:r>
+              <a:rPr lang="en-US" sz="2400" b="1" i="1" dirty="0" smtClean="0"/>
+              <a:t>Inexact Exception occurs, the Inexact flag (IXC) is set in the FPSCR </a:t>
+            </a:r>
+            <a:r>
+              <a:rPr lang="en-US" sz="2400" b="1" i="1" dirty="0" smtClean="0"/>
+              <a:t>and </a:t>
+            </a:r>
+            <a:r>
+              <a:rPr lang="en-US" sz="2400" b="1" dirty="0" smtClean="0"/>
+              <a:t>the </a:t>
+            </a:r>
+            <a:r>
+              <a:rPr lang="en-US" sz="2400" b="1" dirty="0" smtClean="0"/>
+              <a:t>computation continues.</a:t>
+            </a:r>
+            <a:endParaRPr lang="en-US" sz="2400" b="1" dirty="0"/>
+          </a:p>
+        </p:txBody>
+      </p:sp>
+    </p:spTree>
+  </p:cSld>
+  <p:clrMapOvr>
+    <a:masterClrMapping/>
+  </p:clrMapOvr>
+</p:sld>
+</file>
+
+<file path=ppt/slides/slide37.xml><?xml version="1.0" encoding="utf-8"?>
+<p:sld xmlns:a="http://schemas.openxmlformats.org/drawingml/2006/main" xmlns:r="http://schemas.openxmlformats.org/officeDocument/2006/relationships" xmlns:p="http://schemas.openxmlformats.org/presentationml/2006/main">
+  <p:cSld>
+    <p:spTree>
+      <p:nvGrpSpPr>
+        <p:cNvPr id="1" name=""/>
+        <p:cNvGrpSpPr/>
+        <p:nvPr/>
+      </p:nvGrpSpPr>
+      <p:grpSpPr>
+        <a:xfrm>
+          <a:off x="0" y="0"/>
+          <a:ext cx="0" cy="0"/>
+          <a:chOff x="0" y="0"/>
+          <a:chExt cx="0" cy="0"/>
+        </a:xfrm>
+      </p:grpSpPr>
+      <p:sp>
+        <p:nvSpPr>
+          <p:cNvPr id="2" name="Title 1"/>
+          <p:cNvSpPr>
+            <a:spLocks noGrp="1"/>
+          </p:cNvSpPr>
+          <p:nvPr>
+            <p:ph type="title"/>
+          </p:nvPr>
+        </p:nvSpPr>
+        <p:spPr/>
+        <p:txBody>
+          <a:bodyPr/>
+          <a:lstStyle/>
+          <a:p>
+            <a:r>
+              <a:rPr lang="en-US" dirty="0" smtClean="0"/>
+              <a:t>FPSCR </a:t>
+            </a:r>
+            <a:endParaRPr lang="en-US" dirty="0"/>
+          </a:p>
+        </p:txBody>
+      </p:sp>
+      <p:pic>
+        <p:nvPicPr>
+          <p:cNvPr id="3" name="Picture 2"/>
+          <p:cNvPicPr>
+            <a:picLocks noChangeAspect="1" noChangeArrowheads="1"/>
+          </p:cNvPicPr>
+          <p:nvPr/>
+        </p:nvPicPr>
+        <p:blipFill>
+          <a:blip r:embed="rId2" cstate="print"/>
+          <a:srcRect/>
+          <a:stretch>
+            <a:fillRect/>
+          </a:stretch>
+        </p:blipFill>
+        <p:spPr bwMode="auto">
+          <a:xfrm>
+            <a:off x="381903" y="4319588"/>
+            <a:ext cx="7900086" cy="862012"/>
+          </a:xfrm>
+          <a:prstGeom prst="rect">
+            <a:avLst/>
+          </a:prstGeom>
+          <a:noFill/>
+          <a:ln w="9525">
+            <a:noFill/>
+            <a:miter lim="800000"/>
+            <a:headEnd/>
+            <a:tailEnd/>
+          </a:ln>
+        </p:spPr>
+      </p:pic>
+      <p:cxnSp>
+        <p:nvCxnSpPr>
+          <p:cNvPr id="5" name="Straight Connector 4"/>
+          <p:cNvCxnSpPr/>
+          <p:nvPr/>
+        </p:nvCxnSpPr>
+        <p:spPr>
+          <a:xfrm flipV="1">
+            <a:off x="6172200" y="3810000"/>
+            <a:ext cx="0" cy="609600"/>
+          </a:xfrm>
+          <a:prstGeom prst="line">
+            <a:avLst/>
+          </a:prstGeom>
+        </p:spPr>
+        <p:style>
+          <a:lnRef idx="1">
+            <a:schemeClr val="accent1"/>
+          </a:lnRef>
+          <a:fillRef idx="0">
+            <a:schemeClr val="accent1"/>
+          </a:fillRef>
+          <a:effectRef idx="0">
+            <a:schemeClr val="accent1"/>
+          </a:effectRef>
+          <a:fontRef idx="minor">
+            <a:schemeClr val="tx1"/>
+          </a:fontRef>
+        </p:style>
+      </p:cxnSp>
+      <p:cxnSp>
+        <p:nvCxnSpPr>
+          <p:cNvPr id="6" name="Straight Connector 5"/>
+          <p:cNvCxnSpPr/>
+          <p:nvPr/>
+        </p:nvCxnSpPr>
+        <p:spPr>
+          <a:xfrm flipV="1">
+            <a:off x="6553200" y="3810000"/>
+            <a:ext cx="0" cy="609600"/>
+          </a:xfrm>
+          <a:prstGeom prst="line">
+            <a:avLst/>
+          </a:prstGeom>
+        </p:spPr>
+        <p:style>
+          <a:lnRef idx="1">
+            <a:schemeClr val="accent1"/>
+          </a:lnRef>
+          <a:fillRef idx="0">
+            <a:schemeClr val="accent1"/>
+          </a:fillRef>
+          <a:effectRef idx="0">
+            <a:schemeClr val="accent1"/>
+          </a:effectRef>
+          <a:fontRef idx="minor">
+            <a:schemeClr val="tx1"/>
+          </a:fontRef>
+        </p:style>
+      </p:cxnSp>
+      <p:cxnSp>
+        <p:nvCxnSpPr>
+          <p:cNvPr id="7" name="Straight Connector 6"/>
+          <p:cNvCxnSpPr/>
+          <p:nvPr/>
+        </p:nvCxnSpPr>
+        <p:spPr>
+          <a:xfrm flipV="1">
+            <a:off x="6934200" y="3810000"/>
+            <a:ext cx="0" cy="609600"/>
+          </a:xfrm>
+          <a:prstGeom prst="line">
+            <a:avLst/>
+          </a:prstGeom>
+        </p:spPr>
+        <p:style>
+          <a:lnRef idx="1">
+            <a:schemeClr val="accent1"/>
+          </a:lnRef>
+          <a:fillRef idx="0">
+            <a:schemeClr val="accent1"/>
+          </a:fillRef>
+          <a:effectRef idx="0">
+            <a:schemeClr val="accent1"/>
+          </a:effectRef>
+          <a:fontRef idx="minor">
+            <a:schemeClr val="tx1"/>
+          </a:fontRef>
+        </p:style>
+      </p:cxnSp>
+      <p:cxnSp>
+        <p:nvCxnSpPr>
+          <p:cNvPr id="8" name="Straight Connector 7"/>
+          <p:cNvCxnSpPr/>
+          <p:nvPr/>
+        </p:nvCxnSpPr>
+        <p:spPr>
+          <a:xfrm flipV="1">
+            <a:off x="7391400" y="3810000"/>
+            <a:ext cx="0" cy="609600"/>
+          </a:xfrm>
+          <a:prstGeom prst="line">
+            <a:avLst/>
+          </a:prstGeom>
+        </p:spPr>
+        <p:style>
+          <a:lnRef idx="1">
+            <a:schemeClr val="accent1"/>
+          </a:lnRef>
+          <a:fillRef idx="0">
+            <a:schemeClr val="accent1"/>
+          </a:fillRef>
+          <a:effectRef idx="0">
+            <a:schemeClr val="accent1"/>
+          </a:effectRef>
+          <a:fontRef idx="minor">
+            <a:schemeClr val="tx1"/>
+          </a:fontRef>
+        </p:style>
+      </p:cxnSp>
+      <p:cxnSp>
+        <p:nvCxnSpPr>
+          <p:cNvPr id="9" name="Straight Connector 8"/>
+          <p:cNvCxnSpPr/>
+          <p:nvPr/>
+        </p:nvCxnSpPr>
+        <p:spPr>
+          <a:xfrm flipV="1">
+            <a:off x="7848600" y="3810000"/>
+            <a:ext cx="0" cy="609600"/>
+          </a:xfrm>
+          <a:prstGeom prst="line">
+            <a:avLst/>
+          </a:prstGeom>
+        </p:spPr>
+        <p:style>
+          <a:lnRef idx="1">
+            <a:schemeClr val="accent1"/>
+          </a:lnRef>
+          <a:fillRef idx="0">
+            <a:schemeClr val="accent1"/>
+          </a:fillRef>
+          <a:effectRef idx="0">
+            <a:schemeClr val="accent1"/>
+          </a:effectRef>
+          <a:fontRef idx="minor">
+            <a:schemeClr val="tx1"/>
+          </a:fontRef>
+        </p:style>
+      </p:cxnSp>
+      <p:sp>
+        <p:nvSpPr>
+          <p:cNvPr id="10" name="Left Brace 9"/>
+          <p:cNvSpPr/>
+          <p:nvPr/>
+        </p:nvSpPr>
+        <p:spPr>
+          <a:xfrm>
+            <a:off x="6629400" y="2514600"/>
+            <a:ext cx="685800" cy="1828800"/>
+          </a:xfrm>
+          <a:prstGeom prst="leftBrace">
+            <a:avLst/>
+          </a:prstGeom>
+          <a:scene3d>
+            <a:camera prst="orthographicFront">
+              <a:rot lat="0" lon="0" rev="16200000"/>
+            </a:camera>
+            <a:lightRig rig="threePt" dir="t"/>
+          </a:scene3d>
+        </p:spPr>
+        <p:style>
+          <a:lnRef idx="1">
+            <a:schemeClr val="accent1"/>
+          </a:lnRef>
+          <a:fillRef idx="0">
+            <a:schemeClr val="accent1"/>
+          </a:fillRef>
+          <a:effectRef idx="0">
+            <a:schemeClr val="accent1"/>
+          </a:effectRef>
+          <a:fontRef idx="minor">
+            <a:schemeClr val="tx1"/>
+          </a:fontRef>
+        </p:style>
+        <p:txBody>
+          <a:bodyPr rtlCol="0" anchor="ctr"/>
+          <a:lstStyle/>
+          <a:p>
+            <a:pPr algn="ctr"/>
+            <a:endParaRPr lang="en-US"/>
+          </a:p>
+        </p:txBody>
+      </p:sp>
+      <p:sp>
+        <p:nvSpPr>
+          <p:cNvPr id="11" name="TextBox 10"/>
+          <p:cNvSpPr txBox="1"/>
+          <p:nvPr/>
+        </p:nvSpPr>
+        <p:spPr>
+          <a:xfrm>
+            <a:off x="6629400" y="2819400"/>
+            <a:ext cx="960648" cy="369332"/>
+          </a:xfrm>
+          <a:prstGeom prst="rect">
+            <a:avLst/>
+          </a:prstGeom>
+          <a:noFill/>
+        </p:spPr>
+        <p:txBody>
+          <a:bodyPr wrap="none" rtlCol="0">
+            <a:spAutoFit/>
+          </a:bodyPr>
+          <a:lstStyle/>
+          <a:p>
+            <a:r>
+              <a:rPr lang="en-US" dirty="0" smtClean="0"/>
+              <a:t>Covered</a:t>
+            </a:r>
+            <a:endParaRPr lang="en-US" dirty="0"/>
+          </a:p>
+        </p:txBody>
+      </p:sp>
+    </p:spTree>
+  </p:cSld>
+  <p:clrMapOvr>
+    <a:masterClrMapping/>
+  </p:clrMapOvr>
+</p:sld>
+</file>
+
+<file path=ppt/slides/slide38.xml><?xml version="1.0" encoding="utf-8"?>
+<p:sld xmlns:a="http://schemas.openxmlformats.org/drawingml/2006/main" xmlns:r="http://schemas.openxmlformats.org/officeDocument/2006/relationships" xmlns:p="http://schemas.openxmlformats.org/presentationml/2006/main">
+  <p:cSld>
+    <p:spTree>
+      <p:nvGrpSpPr>
+        <p:cNvPr id="1" name=""/>
+        <p:cNvGrpSpPr/>
+        <p:nvPr/>
+      </p:nvGrpSpPr>
+      <p:grpSpPr>
+        <a:xfrm>
+          <a:off x="0" y="0"/>
+          <a:ext cx="0" cy="0"/>
+          <a:chOff x="0" y="0"/>
+          <a:chExt cx="0" cy="0"/>
+        </a:xfrm>
+      </p:grpSpPr>
+      <p:sp>
+        <p:nvSpPr>
+          <p:cNvPr id="2" name="Title 1"/>
+          <p:cNvSpPr>
+            <a:spLocks noGrp="1"/>
+          </p:cNvSpPr>
+          <p:nvPr>
+            <p:ph type="title"/>
+          </p:nvPr>
+        </p:nvSpPr>
+        <p:spPr>
+          <a:xfrm>
+            <a:off x="457200" y="2514600"/>
             <a:ext cx="8229600" cy="1143000"/>
           </a:xfrm>
         </p:spPr>
@@ -14382,7 +14836,33 @@
         </p:blipFill>
         <p:spPr bwMode="auto">
           <a:xfrm>
-            <a:off x="2590800" y="3657600"/>
+            <a:off x="304800" y="4572000"/>
+            <a:ext cx="3657600" cy="2057400"/>
+          </a:xfrm>
+          <a:prstGeom prst="rect">
+            <a:avLst/>
+          </a:prstGeom>
+          <a:noFill/>
+        </p:spPr>
+      </p:pic>
+      <p:pic>
+        <p:nvPicPr>
+          <p:cNvPr id="4" name="Picture 5" descr="C:\Users\user\AppData\Local\Microsoft\Windows\Temporary Internet Files\Content.IE5\7T4R143P\nordflags[1].png"/>
+          <p:cNvPicPr>
+            <a:picLocks noChangeAspect="1" noChangeArrowheads="1"/>
+          </p:cNvPicPr>
+          <p:nvPr/>
+        </p:nvPicPr>
+        <p:blipFill>
+          <a:blip r:embed="rId2" cstate="print"/>
+          <a:srcRect/>
+          <a:stretch>
+            <a:fillRect/>
+          </a:stretch>
+        </p:blipFill>
+        <p:spPr bwMode="auto">
+          <a:xfrm>
+            <a:off x="4953000" y="228600"/>
             <a:ext cx="3657600" cy="2057400"/>
           </a:xfrm>
           <a:prstGeom prst="rect">
@@ -14399,7 +14879,7 @@
 </p:sld>
 </file>
 
-<file path=ppt/slides/slide36.xml><?xml version="1.0" encoding="utf-8"?>
+<file path=ppt/slides/slide39.xml><?xml version="1.0" encoding="utf-8"?>
 <p:sld xmlns:a="http://schemas.openxmlformats.org/drawingml/2006/main" xmlns:r="http://schemas.openxmlformats.org/officeDocument/2006/relationships" xmlns:p="http://schemas.openxmlformats.org/presentationml/2006/main">
   <p:cSld>
     <p:spTree>
@@ -14721,245 +15201,6 @@
 </p:sld>
 </file>
 
-<file path=ppt/slides/slide37.xml><?xml version="1.0" encoding="utf-8"?>
-<p:sld xmlns:a="http://schemas.openxmlformats.org/drawingml/2006/main" xmlns:r="http://schemas.openxmlformats.org/officeDocument/2006/relationships" xmlns:p="http://schemas.openxmlformats.org/presentationml/2006/main">
-  <p:cSld>
-    <p:spTree>
-      <p:nvGrpSpPr>
-        <p:cNvPr id="1" name=""/>
-        <p:cNvGrpSpPr/>
-        <p:nvPr/>
-      </p:nvGrpSpPr>
-      <p:grpSpPr>
-        <a:xfrm>
-          <a:off x="0" y="0"/>
-          <a:ext cx="0" cy="0"/>
-          <a:chOff x="0" y="0"/>
-          <a:chExt cx="0" cy="0"/>
-        </a:xfrm>
-      </p:grpSpPr>
-      <p:pic>
-        <p:nvPicPr>
-          <p:cNvPr id="52226" name="Picture 2"/>
-          <p:cNvPicPr>
-            <a:picLocks noChangeAspect="1" noChangeArrowheads="1"/>
-          </p:cNvPicPr>
-          <p:nvPr/>
-        </p:nvPicPr>
-        <p:blipFill>
-          <a:blip r:embed="rId2" cstate="print"/>
-          <a:srcRect/>
-          <a:stretch>
-            <a:fillRect/>
-          </a:stretch>
-        </p:blipFill>
-        <p:spPr bwMode="auto">
-          <a:xfrm>
-            <a:off x="304800" y="2057400"/>
-            <a:ext cx="8143504" cy="2971800"/>
-          </a:xfrm>
-          <a:prstGeom prst="rect">
-            <a:avLst/>
-          </a:prstGeom>
-          <a:noFill/>
-          <a:ln w="9525">
-            <a:noFill/>
-            <a:miter lim="800000"/>
-            <a:headEnd/>
-            <a:tailEnd/>
-          </a:ln>
-        </p:spPr>
-      </p:pic>
-      <p:sp>
-        <p:nvSpPr>
-          <p:cNvPr id="3" name="Title 1"/>
-          <p:cNvSpPr txBox="1">
-            <a:spLocks/>
-          </p:cNvSpPr>
-          <p:nvPr/>
-        </p:nvSpPr>
-        <p:spPr>
-          <a:xfrm>
-            <a:off x="457200" y="274638"/>
-            <a:ext cx="8229600" cy="1143000"/>
-          </a:xfrm>
-          <a:prstGeom prst="rect">
-            <a:avLst/>
-          </a:prstGeom>
-        </p:spPr>
-        <p:txBody>
-          <a:bodyPr/>
-          <a:lstStyle/>
-          <a:p>
-            <a:pPr marL="0" marR="0" lvl="0" indent="0" algn="ctr" defTabSz="914400" rtl="0" eaLnBrk="1" fontAlgn="auto" latinLnBrk="0" hangingPunct="1">
-              <a:lnSpc>
-                <a:spcPct val="100000"/>
-              </a:lnSpc>
-              <a:spcBef>
-                <a:spcPct val="0"/>
-              </a:spcBef>
-              <a:spcAft>
-                <a:spcPts val="0"/>
-              </a:spcAft>
-              <a:buClrTx/>
-              <a:buSzTx/>
-              <a:buFontTx/>
-              <a:buNone/>
-              <a:tabLst/>
-              <a:defRPr/>
-            </a:pPr>
-            <a:r>
-              <a:rPr kumimoji="0" lang="en-US" sz="4400" b="0" i="0" u="none" strike="noStrike" kern="1200" cap="none" spc="0" normalizeH="0" baseline="0" noProof="0" dirty="0" smtClean="0">
-                <a:ln>
-                  <a:noFill/>
-                </a:ln>
-                <a:solidFill>
-                  <a:schemeClr val="tx1"/>
-                </a:solidFill>
-                <a:effectLst/>
-                <a:uLnTx/>
-                <a:uFillTx/>
-                <a:latin typeface="+mj-lt"/>
-                <a:ea typeface="+mj-ea"/>
-                <a:cs typeface="+mj-cs"/>
-              </a:rPr>
-              <a:t>Summary of FPU Flags</a:t>
-            </a:r>
-            <a:endParaRPr kumimoji="0" lang="en-US" sz="4400" b="0" i="0" u="none" strike="noStrike" kern="1200" cap="none" spc="0" normalizeH="0" baseline="0" noProof="0" dirty="0">
-              <a:ln>
-                <a:noFill/>
-              </a:ln>
-              <a:solidFill>
-                <a:schemeClr val="tx1"/>
-              </a:solidFill>
-              <a:effectLst/>
-              <a:uLnTx/>
-              <a:uFillTx/>
-              <a:latin typeface="+mj-lt"/>
-              <a:ea typeface="+mj-ea"/>
-              <a:cs typeface="+mj-cs"/>
-            </a:endParaRPr>
-          </a:p>
-        </p:txBody>
-      </p:sp>
-    </p:spTree>
-  </p:cSld>
-  <p:clrMapOvr>
-    <a:masterClrMapping/>
-  </p:clrMapOvr>
-</p:sld>
-</file>
-
-<file path=ppt/slides/slide38.xml><?xml version="1.0" encoding="utf-8"?>
-<p:sld xmlns:a="http://schemas.openxmlformats.org/drawingml/2006/main" xmlns:r="http://schemas.openxmlformats.org/officeDocument/2006/relationships" xmlns:p="http://schemas.openxmlformats.org/presentationml/2006/main">
-  <p:cSld>
-    <p:spTree>
-      <p:nvGrpSpPr>
-        <p:cNvPr id="1" name=""/>
-        <p:cNvGrpSpPr/>
-        <p:nvPr/>
-      </p:nvGrpSpPr>
-      <p:grpSpPr>
-        <a:xfrm>
-          <a:off x="0" y="0"/>
-          <a:ext cx="0" cy="0"/>
-          <a:chOff x="0" y="0"/>
-          <a:chExt cx="0" cy="0"/>
-        </a:xfrm>
-      </p:grpSpPr>
-      <p:pic>
-        <p:nvPicPr>
-          <p:cNvPr id="53250" name="Picture 2"/>
-          <p:cNvPicPr>
-            <a:picLocks noChangeAspect="1" noChangeArrowheads="1"/>
-          </p:cNvPicPr>
-          <p:nvPr/>
-        </p:nvPicPr>
-        <p:blipFill>
-          <a:blip r:embed="rId2" cstate="print"/>
-          <a:srcRect/>
-          <a:stretch>
-            <a:fillRect/>
-          </a:stretch>
-        </p:blipFill>
-        <p:spPr bwMode="auto">
-          <a:xfrm>
-            <a:off x="228600" y="762000"/>
-            <a:ext cx="8725065" cy="3505200"/>
-          </a:xfrm>
-          <a:prstGeom prst="rect">
-            <a:avLst/>
-          </a:prstGeom>
-          <a:noFill/>
-          <a:ln w="9525">
-            <a:noFill/>
-            <a:miter lim="800000"/>
-            <a:headEnd/>
-            <a:tailEnd/>
-          </a:ln>
-        </p:spPr>
-      </p:pic>
-    </p:spTree>
-  </p:cSld>
-  <p:clrMapOvr>
-    <a:masterClrMapping/>
-  </p:clrMapOvr>
-</p:sld>
-</file>
-
-<file path=ppt/slides/slide39.xml><?xml version="1.0" encoding="utf-8"?>
-<p:sld xmlns:a="http://schemas.openxmlformats.org/drawingml/2006/main" xmlns:r="http://schemas.openxmlformats.org/officeDocument/2006/relationships" xmlns:p="http://schemas.openxmlformats.org/presentationml/2006/main">
-  <p:cSld>
-    <p:spTree>
-      <p:nvGrpSpPr>
-        <p:cNvPr id="1" name=""/>
-        <p:cNvGrpSpPr/>
-        <p:nvPr/>
-      </p:nvGrpSpPr>
-      <p:grpSpPr>
-        <a:xfrm>
-          <a:off x="0" y="0"/>
-          <a:ext cx="0" cy="0"/>
-          <a:chOff x="0" y="0"/>
-          <a:chExt cx="0" cy="0"/>
-        </a:xfrm>
-      </p:grpSpPr>
-      <p:sp>
-        <p:nvSpPr>
-          <p:cNvPr id="2" name="Title 1"/>
-          <p:cNvSpPr>
-            <a:spLocks noGrp="1"/>
-          </p:cNvSpPr>
-          <p:nvPr>
-            <p:ph type="title"/>
-          </p:nvPr>
-        </p:nvSpPr>
-        <p:spPr>
-          <a:xfrm>
-            <a:off x="381000" y="2819400"/>
-            <a:ext cx="8229600" cy="1143000"/>
-          </a:xfrm>
-        </p:spPr>
-        <p:txBody>
-          <a:bodyPr/>
-          <a:lstStyle/>
-          <a:p>
-            <a:r>
-              <a:rPr lang="en-US" dirty="0" smtClean="0"/>
-              <a:t>Arithmetic Instructions</a:t>
-            </a:r>
-            <a:endParaRPr lang="en-US" dirty="0"/>
-          </a:p>
-        </p:txBody>
-      </p:sp>
-    </p:spTree>
-  </p:cSld>
-  <p:clrMapOvr>
-    <a:masterClrMapping/>
-  </p:clrMapOvr>
-</p:sld>
-</file>
-
 <file path=ppt/slides/slide4.xml><?xml version="1.0" encoding="utf-8"?>
 <p:sld xmlns:a="http://schemas.openxmlformats.org/drawingml/2006/main" xmlns:r="http://schemas.openxmlformats.org/officeDocument/2006/relationships" xmlns:p="http://schemas.openxmlformats.org/presentationml/2006/main">
   <p:cSld>
@@ -15155,6 +15396,2996 @@
       </p:par>
     </p:tnLst>
   </p:timing>
+</p:sld>
+</file>
+
+<file path=ppt/slides/slide40.xml><?xml version="1.0" encoding="utf-8"?>
+<p:sld xmlns:a="http://schemas.openxmlformats.org/drawingml/2006/main" xmlns:r="http://schemas.openxmlformats.org/officeDocument/2006/relationships" xmlns:p="http://schemas.openxmlformats.org/presentationml/2006/main">
+  <p:cSld>
+    <p:spTree>
+      <p:nvGrpSpPr>
+        <p:cNvPr id="1" name=""/>
+        <p:cNvGrpSpPr/>
+        <p:nvPr/>
+      </p:nvGrpSpPr>
+      <p:grpSpPr>
+        <a:xfrm>
+          <a:off x="0" y="0"/>
+          <a:ext cx="0" cy="0"/>
+          <a:chOff x="0" y="0"/>
+          <a:chExt cx="0" cy="0"/>
+        </a:xfrm>
+      </p:grpSpPr>
+      <p:pic>
+        <p:nvPicPr>
+          <p:cNvPr id="52226" name="Picture 2"/>
+          <p:cNvPicPr>
+            <a:picLocks noChangeAspect="1" noChangeArrowheads="1"/>
+          </p:cNvPicPr>
+          <p:nvPr/>
+        </p:nvPicPr>
+        <p:blipFill>
+          <a:blip r:embed="rId2" cstate="print"/>
+          <a:srcRect/>
+          <a:stretch>
+            <a:fillRect/>
+          </a:stretch>
+        </p:blipFill>
+        <p:spPr bwMode="auto">
+          <a:xfrm>
+            <a:off x="304800" y="2057400"/>
+            <a:ext cx="8143504" cy="2971800"/>
+          </a:xfrm>
+          <a:prstGeom prst="rect">
+            <a:avLst/>
+          </a:prstGeom>
+          <a:noFill/>
+          <a:ln w="9525">
+            <a:noFill/>
+            <a:miter lim="800000"/>
+            <a:headEnd/>
+            <a:tailEnd/>
+          </a:ln>
+        </p:spPr>
+      </p:pic>
+      <p:sp>
+        <p:nvSpPr>
+          <p:cNvPr id="3" name="Title 1"/>
+          <p:cNvSpPr txBox="1">
+            <a:spLocks/>
+          </p:cNvSpPr>
+          <p:nvPr/>
+        </p:nvSpPr>
+        <p:spPr>
+          <a:xfrm>
+            <a:off x="457200" y="274638"/>
+            <a:ext cx="8229600" cy="1143000"/>
+          </a:xfrm>
+          <a:prstGeom prst="rect">
+            <a:avLst/>
+          </a:prstGeom>
+        </p:spPr>
+        <p:txBody>
+          <a:bodyPr/>
+          <a:lstStyle/>
+          <a:p>
+            <a:pPr marL="0" marR="0" lvl="0" indent="0" algn="ctr" defTabSz="914400" rtl="0" eaLnBrk="1" fontAlgn="auto" latinLnBrk="0" hangingPunct="1">
+              <a:lnSpc>
+                <a:spcPct val="100000"/>
+              </a:lnSpc>
+              <a:spcBef>
+                <a:spcPct val="0"/>
+              </a:spcBef>
+              <a:spcAft>
+                <a:spcPts val="0"/>
+              </a:spcAft>
+              <a:buClrTx/>
+              <a:buSzTx/>
+              <a:buFontTx/>
+              <a:buNone/>
+              <a:tabLst/>
+              <a:defRPr/>
+            </a:pPr>
+            <a:r>
+              <a:rPr kumimoji="0" lang="en-US" sz="4400" b="0" i="0" u="none" strike="noStrike" kern="1200" cap="none" spc="0" normalizeH="0" baseline="0" noProof="0" dirty="0" smtClean="0">
+                <a:ln>
+                  <a:noFill/>
+                </a:ln>
+                <a:solidFill>
+                  <a:schemeClr val="tx1"/>
+                </a:solidFill>
+                <a:effectLst/>
+                <a:uLnTx/>
+                <a:uFillTx/>
+                <a:latin typeface="+mj-lt"/>
+                <a:ea typeface="+mj-ea"/>
+                <a:cs typeface="+mj-cs"/>
+              </a:rPr>
+              <a:t>Summary of FPU Flags</a:t>
+            </a:r>
+            <a:endParaRPr kumimoji="0" lang="en-US" sz="4400" b="0" i="0" u="none" strike="noStrike" kern="1200" cap="none" spc="0" normalizeH="0" baseline="0" noProof="0" dirty="0">
+              <a:ln>
+                <a:noFill/>
+              </a:ln>
+              <a:solidFill>
+                <a:schemeClr val="tx1"/>
+              </a:solidFill>
+              <a:effectLst/>
+              <a:uLnTx/>
+              <a:uFillTx/>
+              <a:latin typeface="+mj-lt"/>
+              <a:ea typeface="+mj-ea"/>
+              <a:cs typeface="+mj-cs"/>
+            </a:endParaRPr>
+          </a:p>
+        </p:txBody>
+      </p:sp>
+    </p:spTree>
+  </p:cSld>
+  <p:clrMapOvr>
+    <a:masterClrMapping/>
+  </p:clrMapOvr>
+</p:sld>
+</file>
+
+<file path=ppt/slides/slide41.xml><?xml version="1.0" encoding="utf-8"?>
+<p:sld xmlns:a="http://schemas.openxmlformats.org/drawingml/2006/main" xmlns:r="http://schemas.openxmlformats.org/officeDocument/2006/relationships" xmlns:p="http://schemas.openxmlformats.org/presentationml/2006/main">
+  <p:cSld>
+    <p:spTree>
+      <p:nvGrpSpPr>
+        <p:cNvPr id="1" name=""/>
+        <p:cNvGrpSpPr/>
+        <p:nvPr/>
+      </p:nvGrpSpPr>
+      <p:grpSpPr>
+        <a:xfrm>
+          <a:off x="0" y="0"/>
+          <a:ext cx="0" cy="0"/>
+          <a:chOff x="0" y="0"/>
+          <a:chExt cx="0" cy="0"/>
+        </a:xfrm>
+      </p:grpSpPr>
+      <p:pic>
+        <p:nvPicPr>
+          <p:cNvPr id="53250" name="Picture 2"/>
+          <p:cNvPicPr>
+            <a:picLocks noChangeAspect="1" noChangeArrowheads="1"/>
+          </p:cNvPicPr>
+          <p:nvPr/>
+        </p:nvPicPr>
+        <p:blipFill>
+          <a:blip r:embed="rId2" cstate="print"/>
+          <a:srcRect/>
+          <a:stretch>
+            <a:fillRect/>
+          </a:stretch>
+        </p:blipFill>
+        <p:spPr bwMode="auto">
+          <a:xfrm>
+            <a:off x="228600" y="762000"/>
+            <a:ext cx="8725065" cy="3505200"/>
+          </a:xfrm>
+          <a:prstGeom prst="rect">
+            <a:avLst/>
+          </a:prstGeom>
+          <a:noFill/>
+          <a:ln w="9525">
+            <a:noFill/>
+            <a:miter lim="800000"/>
+            <a:headEnd/>
+            <a:tailEnd/>
+          </a:ln>
+        </p:spPr>
+      </p:pic>
+    </p:spTree>
+  </p:cSld>
+  <p:clrMapOvr>
+    <a:masterClrMapping/>
+  </p:clrMapOvr>
+</p:sld>
+</file>
+
+<file path=ppt/slides/slide42.xml><?xml version="1.0" encoding="utf-8"?>
+<p:sld xmlns:a="http://schemas.openxmlformats.org/drawingml/2006/main" xmlns:r="http://schemas.openxmlformats.org/officeDocument/2006/relationships" xmlns:p="http://schemas.openxmlformats.org/presentationml/2006/main">
+  <p:cSld>
+    <p:spTree>
+      <p:nvGrpSpPr>
+        <p:cNvPr id="1" name=""/>
+        <p:cNvGrpSpPr/>
+        <p:nvPr/>
+      </p:nvGrpSpPr>
+      <p:grpSpPr>
+        <a:xfrm>
+          <a:off x="0" y="0"/>
+          <a:ext cx="0" cy="0"/>
+          <a:chOff x="0" y="0"/>
+          <a:chExt cx="0" cy="0"/>
+        </a:xfrm>
+      </p:grpSpPr>
+      <p:sp>
+        <p:nvSpPr>
+          <p:cNvPr id="3" name="Title 1"/>
+          <p:cNvSpPr>
+            <a:spLocks noGrp="1"/>
+          </p:cNvSpPr>
+          <p:nvPr>
+            <p:ph type="title"/>
+          </p:nvPr>
+        </p:nvSpPr>
+        <p:spPr>
+          <a:xfrm>
+            <a:off x="457200" y="274638"/>
+            <a:ext cx="8229600" cy="1143000"/>
+          </a:xfrm>
+        </p:spPr>
+        <p:txBody>
+          <a:bodyPr/>
+          <a:lstStyle/>
+          <a:p>
+            <a:r>
+              <a:rPr lang="en-US" dirty="0" smtClean="0"/>
+              <a:t>FPSCR </a:t>
+            </a:r>
+            <a:endParaRPr lang="en-US" dirty="0"/>
+          </a:p>
+        </p:txBody>
+      </p:sp>
+      <p:pic>
+        <p:nvPicPr>
+          <p:cNvPr id="4" name="Picture 3"/>
+          <p:cNvPicPr>
+            <a:picLocks noChangeAspect="1" noChangeArrowheads="1"/>
+          </p:cNvPicPr>
+          <p:nvPr/>
+        </p:nvPicPr>
+        <p:blipFill>
+          <a:blip r:embed="rId2" cstate="print"/>
+          <a:srcRect/>
+          <a:stretch>
+            <a:fillRect/>
+          </a:stretch>
+        </p:blipFill>
+        <p:spPr bwMode="auto">
+          <a:xfrm>
+            <a:off x="381903" y="4319588"/>
+            <a:ext cx="7900086" cy="862012"/>
+          </a:xfrm>
+          <a:prstGeom prst="rect">
+            <a:avLst/>
+          </a:prstGeom>
+          <a:noFill/>
+          <a:ln w="9525">
+            <a:noFill/>
+            <a:miter lim="800000"/>
+            <a:headEnd/>
+            <a:tailEnd/>
+          </a:ln>
+        </p:spPr>
+      </p:pic>
+      <p:cxnSp>
+        <p:nvCxnSpPr>
+          <p:cNvPr id="5" name="Straight Connector 4"/>
+          <p:cNvCxnSpPr/>
+          <p:nvPr/>
+        </p:nvCxnSpPr>
+        <p:spPr>
+          <a:xfrm flipV="1">
+            <a:off x="6172200" y="3810000"/>
+            <a:ext cx="0" cy="609600"/>
+          </a:xfrm>
+          <a:prstGeom prst="line">
+            <a:avLst/>
+          </a:prstGeom>
+        </p:spPr>
+        <p:style>
+          <a:lnRef idx="1">
+            <a:schemeClr val="accent1"/>
+          </a:lnRef>
+          <a:fillRef idx="0">
+            <a:schemeClr val="accent1"/>
+          </a:fillRef>
+          <a:effectRef idx="0">
+            <a:schemeClr val="accent1"/>
+          </a:effectRef>
+          <a:fontRef idx="minor">
+            <a:schemeClr val="tx1"/>
+          </a:fontRef>
+        </p:style>
+      </p:cxnSp>
+      <p:cxnSp>
+        <p:nvCxnSpPr>
+          <p:cNvPr id="6" name="Straight Connector 5"/>
+          <p:cNvCxnSpPr/>
+          <p:nvPr/>
+        </p:nvCxnSpPr>
+        <p:spPr>
+          <a:xfrm flipV="1">
+            <a:off x="6553200" y="3810000"/>
+            <a:ext cx="0" cy="609600"/>
+          </a:xfrm>
+          <a:prstGeom prst="line">
+            <a:avLst/>
+          </a:prstGeom>
+        </p:spPr>
+        <p:style>
+          <a:lnRef idx="1">
+            <a:schemeClr val="accent1"/>
+          </a:lnRef>
+          <a:fillRef idx="0">
+            <a:schemeClr val="accent1"/>
+          </a:fillRef>
+          <a:effectRef idx="0">
+            <a:schemeClr val="accent1"/>
+          </a:effectRef>
+          <a:fontRef idx="minor">
+            <a:schemeClr val="tx1"/>
+          </a:fontRef>
+        </p:style>
+      </p:cxnSp>
+      <p:cxnSp>
+        <p:nvCxnSpPr>
+          <p:cNvPr id="7" name="Straight Connector 6"/>
+          <p:cNvCxnSpPr/>
+          <p:nvPr/>
+        </p:nvCxnSpPr>
+        <p:spPr>
+          <a:xfrm flipV="1">
+            <a:off x="6934200" y="3810000"/>
+            <a:ext cx="0" cy="609600"/>
+          </a:xfrm>
+          <a:prstGeom prst="line">
+            <a:avLst/>
+          </a:prstGeom>
+        </p:spPr>
+        <p:style>
+          <a:lnRef idx="1">
+            <a:schemeClr val="accent1"/>
+          </a:lnRef>
+          <a:fillRef idx="0">
+            <a:schemeClr val="accent1"/>
+          </a:fillRef>
+          <a:effectRef idx="0">
+            <a:schemeClr val="accent1"/>
+          </a:effectRef>
+          <a:fontRef idx="minor">
+            <a:schemeClr val="tx1"/>
+          </a:fontRef>
+        </p:style>
+      </p:cxnSp>
+      <p:cxnSp>
+        <p:nvCxnSpPr>
+          <p:cNvPr id="8" name="Straight Connector 7"/>
+          <p:cNvCxnSpPr/>
+          <p:nvPr/>
+        </p:nvCxnSpPr>
+        <p:spPr>
+          <a:xfrm flipV="1">
+            <a:off x="7391400" y="3810000"/>
+            <a:ext cx="0" cy="609600"/>
+          </a:xfrm>
+          <a:prstGeom prst="line">
+            <a:avLst/>
+          </a:prstGeom>
+        </p:spPr>
+        <p:style>
+          <a:lnRef idx="1">
+            <a:schemeClr val="accent1"/>
+          </a:lnRef>
+          <a:fillRef idx="0">
+            <a:schemeClr val="accent1"/>
+          </a:fillRef>
+          <a:effectRef idx="0">
+            <a:schemeClr val="accent1"/>
+          </a:effectRef>
+          <a:fontRef idx="minor">
+            <a:schemeClr val="tx1"/>
+          </a:fontRef>
+        </p:style>
+      </p:cxnSp>
+      <p:cxnSp>
+        <p:nvCxnSpPr>
+          <p:cNvPr id="9" name="Straight Connector 8"/>
+          <p:cNvCxnSpPr/>
+          <p:nvPr/>
+        </p:nvCxnSpPr>
+        <p:spPr>
+          <a:xfrm flipV="1">
+            <a:off x="7848600" y="3810000"/>
+            <a:ext cx="0" cy="609600"/>
+          </a:xfrm>
+          <a:prstGeom prst="line">
+            <a:avLst/>
+          </a:prstGeom>
+        </p:spPr>
+        <p:style>
+          <a:lnRef idx="1">
+            <a:schemeClr val="accent1"/>
+          </a:lnRef>
+          <a:fillRef idx="0">
+            <a:schemeClr val="accent1"/>
+          </a:fillRef>
+          <a:effectRef idx="0">
+            <a:schemeClr val="accent1"/>
+          </a:effectRef>
+          <a:fontRef idx="minor">
+            <a:schemeClr val="tx1"/>
+          </a:fontRef>
+        </p:style>
+      </p:cxnSp>
+      <p:sp>
+        <p:nvSpPr>
+          <p:cNvPr id="10" name="Left Brace 9"/>
+          <p:cNvSpPr/>
+          <p:nvPr/>
+        </p:nvSpPr>
+        <p:spPr>
+          <a:xfrm>
+            <a:off x="6629400" y="2514600"/>
+            <a:ext cx="685800" cy="1828800"/>
+          </a:xfrm>
+          <a:prstGeom prst="leftBrace">
+            <a:avLst/>
+          </a:prstGeom>
+          <a:scene3d>
+            <a:camera prst="orthographicFront">
+              <a:rot lat="0" lon="0" rev="16200000"/>
+            </a:camera>
+            <a:lightRig rig="threePt" dir="t"/>
+          </a:scene3d>
+        </p:spPr>
+        <p:style>
+          <a:lnRef idx="1">
+            <a:schemeClr val="accent1"/>
+          </a:lnRef>
+          <a:fillRef idx="0">
+            <a:schemeClr val="accent1"/>
+          </a:fillRef>
+          <a:effectRef idx="0">
+            <a:schemeClr val="accent1"/>
+          </a:effectRef>
+          <a:fontRef idx="minor">
+            <a:schemeClr val="tx1"/>
+          </a:fontRef>
+        </p:style>
+        <p:txBody>
+          <a:bodyPr rtlCol="0" anchor="ctr"/>
+          <a:lstStyle/>
+          <a:p>
+            <a:pPr algn="ctr"/>
+            <a:endParaRPr lang="en-US"/>
+          </a:p>
+        </p:txBody>
+      </p:sp>
+      <p:sp>
+        <p:nvSpPr>
+          <p:cNvPr id="11" name="TextBox 10"/>
+          <p:cNvSpPr txBox="1"/>
+          <p:nvPr/>
+        </p:nvSpPr>
+        <p:spPr>
+          <a:xfrm>
+            <a:off x="6629400" y="2819400"/>
+            <a:ext cx="960648" cy="369332"/>
+          </a:xfrm>
+          <a:prstGeom prst="rect">
+            <a:avLst/>
+          </a:prstGeom>
+          <a:noFill/>
+        </p:spPr>
+        <p:txBody>
+          <a:bodyPr wrap="none" rtlCol="0">
+            <a:spAutoFit/>
+          </a:bodyPr>
+          <a:lstStyle/>
+          <a:p>
+            <a:r>
+              <a:rPr lang="en-US" dirty="0" smtClean="0"/>
+              <a:t>Covered</a:t>
+            </a:r>
+            <a:endParaRPr lang="en-US" dirty="0"/>
+          </a:p>
+        </p:txBody>
+      </p:sp>
+      <p:cxnSp>
+        <p:nvCxnSpPr>
+          <p:cNvPr id="12" name="Straight Connector 11"/>
+          <p:cNvCxnSpPr/>
+          <p:nvPr/>
+        </p:nvCxnSpPr>
+        <p:spPr>
+          <a:xfrm flipV="1">
+            <a:off x="1597425" y="3816925"/>
+            <a:ext cx="0" cy="609600"/>
+          </a:xfrm>
+          <a:prstGeom prst="line">
+            <a:avLst/>
+          </a:prstGeom>
+        </p:spPr>
+        <p:style>
+          <a:lnRef idx="1">
+            <a:schemeClr val="accent1"/>
+          </a:lnRef>
+          <a:fillRef idx="0">
+            <a:schemeClr val="accent1"/>
+          </a:fillRef>
+          <a:effectRef idx="0">
+            <a:schemeClr val="accent1"/>
+          </a:effectRef>
+          <a:fontRef idx="minor">
+            <a:schemeClr val="tx1"/>
+          </a:fontRef>
+        </p:style>
+      </p:cxnSp>
+      <p:cxnSp>
+        <p:nvCxnSpPr>
+          <p:cNvPr id="13" name="Straight Connector 12"/>
+          <p:cNvCxnSpPr/>
+          <p:nvPr/>
+        </p:nvCxnSpPr>
+        <p:spPr>
+          <a:xfrm flipV="1">
+            <a:off x="1828800" y="3816925"/>
+            <a:ext cx="0" cy="609600"/>
+          </a:xfrm>
+          <a:prstGeom prst="line">
+            <a:avLst/>
+          </a:prstGeom>
+        </p:spPr>
+        <p:style>
+          <a:lnRef idx="1">
+            <a:schemeClr val="accent1"/>
+          </a:lnRef>
+          <a:fillRef idx="0">
+            <a:schemeClr val="accent1"/>
+          </a:fillRef>
+          <a:effectRef idx="0">
+            <a:schemeClr val="accent1"/>
+          </a:effectRef>
+          <a:fontRef idx="minor">
+            <a:schemeClr val="tx1"/>
+          </a:fontRef>
+        </p:style>
+      </p:cxnSp>
+      <p:cxnSp>
+        <p:nvCxnSpPr>
+          <p:cNvPr id="14" name="Straight Connector 13"/>
+          <p:cNvCxnSpPr/>
+          <p:nvPr/>
+        </p:nvCxnSpPr>
+        <p:spPr>
+          <a:xfrm flipV="1">
+            <a:off x="2026925" y="3866800"/>
+            <a:ext cx="0" cy="609600"/>
+          </a:xfrm>
+          <a:prstGeom prst="line">
+            <a:avLst/>
+          </a:prstGeom>
+        </p:spPr>
+        <p:style>
+          <a:lnRef idx="1">
+            <a:schemeClr val="accent1"/>
+          </a:lnRef>
+          <a:fillRef idx="0">
+            <a:schemeClr val="accent1"/>
+          </a:fillRef>
+          <a:effectRef idx="0">
+            <a:schemeClr val="accent1"/>
+          </a:effectRef>
+          <a:fontRef idx="minor">
+            <a:schemeClr val="tx1"/>
+          </a:fontRef>
+        </p:style>
+      </p:cxnSp>
+      <p:cxnSp>
+        <p:nvCxnSpPr>
+          <p:cNvPr id="15" name="Straight Connector 14"/>
+          <p:cNvCxnSpPr/>
+          <p:nvPr/>
+        </p:nvCxnSpPr>
+        <p:spPr>
+          <a:xfrm flipV="1">
+            <a:off x="2268000" y="3883425"/>
+            <a:ext cx="0" cy="609600"/>
+          </a:xfrm>
+          <a:prstGeom prst="line">
+            <a:avLst/>
+          </a:prstGeom>
+        </p:spPr>
+        <p:style>
+          <a:lnRef idx="1">
+            <a:schemeClr val="accent1"/>
+          </a:lnRef>
+          <a:fillRef idx="0">
+            <a:schemeClr val="accent1"/>
+          </a:fillRef>
+          <a:effectRef idx="0">
+            <a:schemeClr val="accent1"/>
+          </a:effectRef>
+          <a:fontRef idx="minor">
+            <a:schemeClr val="tx1"/>
+          </a:fontRef>
+        </p:style>
+      </p:cxnSp>
+      <p:sp>
+        <p:nvSpPr>
+          <p:cNvPr id="17" name="Left Brace 16"/>
+          <p:cNvSpPr/>
+          <p:nvPr/>
+        </p:nvSpPr>
+        <p:spPr>
+          <a:xfrm>
+            <a:off x="1752600" y="3048000"/>
+            <a:ext cx="457200" cy="1295400"/>
+          </a:xfrm>
+          <a:prstGeom prst="leftBrace">
+            <a:avLst>
+              <a:gd name="adj1" fmla="val 8333"/>
+              <a:gd name="adj2" fmla="val 50909"/>
+            </a:avLst>
+          </a:prstGeom>
+          <a:scene3d>
+            <a:camera prst="orthographicFront">
+              <a:rot lat="0" lon="0" rev="16200000"/>
+            </a:camera>
+            <a:lightRig rig="threePt" dir="t"/>
+          </a:scene3d>
+        </p:spPr>
+        <p:style>
+          <a:lnRef idx="1">
+            <a:schemeClr val="accent1"/>
+          </a:lnRef>
+          <a:fillRef idx="0">
+            <a:schemeClr val="accent1"/>
+          </a:fillRef>
+          <a:effectRef idx="0">
+            <a:schemeClr val="accent1"/>
+          </a:effectRef>
+          <a:fontRef idx="minor">
+            <a:schemeClr val="tx1"/>
+          </a:fontRef>
+        </p:style>
+        <p:txBody>
+          <a:bodyPr rtlCol="0" anchor="ctr"/>
+          <a:lstStyle/>
+          <a:p>
+            <a:pPr algn="ctr"/>
+            <a:endParaRPr lang="en-US"/>
+          </a:p>
+        </p:txBody>
+      </p:sp>
+      <p:sp>
+        <p:nvSpPr>
+          <p:cNvPr id="18" name="TextBox 17"/>
+          <p:cNvSpPr txBox="1"/>
+          <p:nvPr/>
+        </p:nvSpPr>
+        <p:spPr>
+          <a:xfrm>
+            <a:off x="1477752" y="2983468"/>
+            <a:ext cx="960648" cy="369332"/>
+          </a:xfrm>
+          <a:prstGeom prst="rect">
+            <a:avLst/>
+          </a:prstGeom>
+          <a:noFill/>
+        </p:spPr>
+        <p:txBody>
+          <a:bodyPr wrap="none" rtlCol="0">
+            <a:spAutoFit/>
+          </a:bodyPr>
+          <a:lstStyle/>
+          <a:p>
+            <a:r>
+              <a:rPr lang="en-US" dirty="0" smtClean="0"/>
+              <a:t>Covered</a:t>
+            </a:r>
+            <a:endParaRPr lang="en-US" dirty="0"/>
+          </a:p>
+        </p:txBody>
+      </p:sp>
+      <p:cxnSp>
+        <p:nvCxnSpPr>
+          <p:cNvPr id="20" name="Straight Connector 19"/>
+          <p:cNvCxnSpPr/>
+          <p:nvPr/>
+        </p:nvCxnSpPr>
+        <p:spPr>
+          <a:xfrm>
+            <a:off x="2895600" y="5029200"/>
+            <a:ext cx="0" cy="1600200"/>
+          </a:xfrm>
+          <a:prstGeom prst="line">
+            <a:avLst/>
+          </a:prstGeom>
+        </p:spPr>
+        <p:style>
+          <a:lnRef idx="1">
+            <a:schemeClr val="accent1"/>
+          </a:lnRef>
+          <a:fillRef idx="0">
+            <a:schemeClr val="accent1"/>
+          </a:fillRef>
+          <a:effectRef idx="0">
+            <a:schemeClr val="accent1"/>
+          </a:effectRef>
+          <a:fontRef idx="minor">
+            <a:schemeClr val="tx1"/>
+          </a:fontRef>
+        </p:style>
+      </p:cxnSp>
+      <p:cxnSp>
+        <p:nvCxnSpPr>
+          <p:cNvPr id="22" name="Straight Arrow Connector 21"/>
+          <p:cNvCxnSpPr/>
+          <p:nvPr/>
+        </p:nvCxnSpPr>
+        <p:spPr>
+          <a:xfrm>
+            <a:off x="2895600" y="6639075"/>
+            <a:ext cx="914400" cy="0"/>
+          </a:xfrm>
+          <a:prstGeom prst="straightConnector1">
+            <a:avLst/>
+          </a:prstGeom>
+          <a:ln>
+            <a:tailEnd type="arrow"/>
+          </a:ln>
+        </p:spPr>
+        <p:style>
+          <a:lnRef idx="1">
+            <a:schemeClr val="accent1"/>
+          </a:lnRef>
+          <a:fillRef idx="0">
+            <a:schemeClr val="accent1"/>
+          </a:fillRef>
+          <a:effectRef idx="0">
+            <a:schemeClr val="accent1"/>
+          </a:effectRef>
+          <a:fontRef idx="minor">
+            <a:schemeClr val="tx1"/>
+          </a:fontRef>
+        </p:style>
+      </p:cxnSp>
+      <p:sp>
+        <p:nvSpPr>
+          <p:cNvPr id="23" name="TextBox 22"/>
+          <p:cNvSpPr txBox="1"/>
+          <p:nvPr/>
+        </p:nvSpPr>
+        <p:spPr>
+          <a:xfrm>
+            <a:off x="3810000" y="6443725"/>
+            <a:ext cx="3997569" cy="307777"/>
+          </a:xfrm>
+          <a:prstGeom prst="rect">
+            <a:avLst/>
+          </a:prstGeom>
+          <a:noFill/>
+        </p:spPr>
+        <p:txBody>
+          <a:bodyPr wrap="none" rtlCol="0">
+            <a:spAutoFit/>
+          </a:bodyPr>
+          <a:lstStyle/>
+          <a:p>
+            <a:r>
+              <a:rPr lang="en-US" sz="1400" dirty="0" smtClean="0"/>
+              <a:t>When set to zero (Default) IEEE 754-2008 is selected</a:t>
+            </a:r>
+            <a:endParaRPr lang="en-US" sz="1400" dirty="0"/>
+          </a:p>
+        </p:txBody>
+      </p:sp>
+      <p:cxnSp>
+        <p:nvCxnSpPr>
+          <p:cNvPr id="25" name="Straight Connector 24"/>
+          <p:cNvCxnSpPr/>
+          <p:nvPr/>
+        </p:nvCxnSpPr>
+        <p:spPr>
+          <a:xfrm>
+            <a:off x="3200400" y="5029200"/>
+            <a:ext cx="0" cy="1143000"/>
+          </a:xfrm>
+          <a:prstGeom prst="line">
+            <a:avLst/>
+          </a:prstGeom>
+        </p:spPr>
+        <p:style>
+          <a:lnRef idx="1">
+            <a:schemeClr val="accent1"/>
+          </a:lnRef>
+          <a:fillRef idx="0">
+            <a:schemeClr val="accent1"/>
+          </a:fillRef>
+          <a:effectRef idx="0">
+            <a:schemeClr val="accent1"/>
+          </a:effectRef>
+          <a:fontRef idx="minor">
+            <a:schemeClr val="tx1"/>
+          </a:fontRef>
+        </p:style>
+      </p:cxnSp>
+      <p:cxnSp>
+        <p:nvCxnSpPr>
+          <p:cNvPr id="26" name="Straight Arrow Connector 25"/>
+          <p:cNvCxnSpPr/>
+          <p:nvPr/>
+        </p:nvCxnSpPr>
+        <p:spPr>
+          <a:xfrm>
+            <a:off x="3200400" y="6172200"/>
+            <a:ext cx="914400" cy="9675"/>
+          </a:xfrm>
+          <a:prstGeom prst="straightConnector1">
+            <a:avLst/>
+          </a:prstGeom>
+          <a:ln>
+            <a:tailEnd type="arrow"/>
+          </a:ln>
+        </p:spPr>
+        <p:style>
+          <a:lnRef idx="1">
+            <a:schemeClr val="accent1"/>
+          </a:lnRef>
+          <a:fillRef idx="0">
+            <a:schemeClr val="accent1"/>
+          </a:fillRef>
+          <a:effectRef idx="0">
+            <a:schemeClr val="accent1"/>
+          </a:effectRef>
+          <a:fontRef idx="minor">
+            <a:schemeClr val="tx1"/>
+          </a:fontRef>
+        </p:style>
+      </p:cxnSp>
+      <p:sp>
+        <p:nvSpPr>
+          <p:cNvPr id="32" name="TextBox 31"/>
+          <p:cNvSpPr txBox="1"/>
+          <p:nvPr/>
+        </p:nvSpPr>
+        <p:spPr>
+          <a:xfrm>
+            <a:off x="4114800" y="5943600"/>
+            <a:ext cx="1371600" cy="261610"/>
+          </a:xfrm>
+          <a:prstGeom prst="rect">
+            <a:avLst/>
+          </a:prstGeom>
+          <a:noFill/>
+        </p:spPr>
+        <p:txBody>
+          <a:bodyPr wrap="square" rtlCol="0">
+            <a:spAutoFit/>
+          </a:bodyPr>
+          <a:lstStyle/>
+          <a:p>
+            <a:r>
+              <a:rPr lang="en-US" sz="1100" dirty="0" smtClean="0"/>
+              <a:t>Default Nan Mode</a:t>
+            </a:r>
+            <a:endParaRPr lang="en-US" sz="1100" dirty="0"/>
+          </a:p>
+        </p:txBody>
+      </p:sp>
+      <p:cxnSp>
+        <p:nvCxnSpPr>
+          <p:cNvPr id="33" name="Straight Connector 32"/>
+          <p:cNvCxnSpPr/>
+          <p:nvPr/>
+        </p:nvCxnSpPr>
+        <p:spPr>
+          <a:xfrm flipV="1">
+            <a:off x="3276600" y="3810000"/>
+            <a:ext cx="0" cy="609600"/>
+          </a:xfrm>
+          <a:prstGeom prst="line">
+            <a:avLst/>
+          </a:prstGeom>
+          <a:ln>
+            <a:solidFill>
+              <a:srgbClr val="FF0000"/>
+            </a:solidFill>
+          </a:ln>
+        </p:spPr>
+        <p:style>
+          <a:lnRef idx="1">
+            <a:schemeClr val="accent1"/>
+          </a:lnRef>
+          <a:fillRef idx="0">
+            <a:schemeClr val="accent1"/>
+          </a:fillRef>
+          <a:effectRef idx="0">
+            <a:schemeClr val="accent1"/>
+          </a:effectRef>
+          <a:fontRef idx="minor">
+            <a:schemeClr val="tx1"/>
+          </a:fontRef>
+        </p:style>
+      </p:cxnSp>
+      <p:cxnSp>
+        <p:nvCxnSpPr>
+          <p:cNvPr id="34" name="Straight Connector 33"/>
+          <p:cNvCxnSpPr/>
+          <p:nvPr/>
+        </p:nvCxnSpPr>
+        <p:spPr>
+          <a:xfrm flipV="1">
+            <a:off x="3505200" y="3810000"/>
+            <a:ext cx="0" cy="609600"/>
+          </a:xfrm>
+          <a:prstGeom prst="line">
+            <a:avLst/>
+          </a:prstGeom>
+          <a:ln>
+            <a:solidFill>
+              <a:srgbClr val="FF0000"/>
+            </a:solidFill>
+          </a:ln>
+        </p:spPr>
+        <p:style>
+          <a:lnRef idx="1">
+            <a:schemeClr val="accent1"/>
+          </a:lnRef>
+          <a:fillRef idx="0">
+            <a:schemeClr val="accent1"/>
+          </a:fillRef>
+          <a:effectRef idx="0">
+            <a:schemeClr val="accent1"/>
+          </a:effectRef>
+          <a:fontRef idx="minor">
+            <a:schemeClr val="tx1"/>
+          </a:fontRef>
+        </p:style>
+      </p:cxnSp>
+      <p:cxnSp>
+        <p:nvCxnSpPr>
+          <p:cNvPr id="35" name="Straight Connector 34"/>
+          <p:cNvCxnSpPr/>
+          <p:nvPr/>
+        </p:nvCxnSpPr>
+        <p:spPr>
+          <a:xfrm flipV="1">
+            <a:off x="3962400" y="3810000"/>
+            <a:ext cx="0" cy="609600"/>
+          </a:xfrm>
+          <a:prstGeom prst="line">
+            <a:avLst/>
+          </a:prstGeom>
+          <a:ln>
+            <a:solidFill>
+              <a:srgbClr val="FF0000"/>
+            </a:solidFill>
+          </a:ln>
+        </p:spPr>
+        <p:style>
+          <a:lnRef idx="1">
+            <a:schemeClr val="accent1"/>
+          </a:lnRef>
+          <a:fillRef idx="0">
+            <a:schemeClr val="accent1"/>
+          </a:fillRef>
+          <a:effectRef idx="0">
+            <a:schemeClr val="accent1"/>
+          </a:effectRef>
+          <a:fontRef idx="minor">
+            <a:schemeClr val="tx1"/>
+          </a:fontRef>
+        </p:style>
+      </p:cxnSp>
+      <p:sp>
+        <p:nvSpPr>
+          <p:cNvPr id="36" name="Left Brace 35"/>
+          <p:cNvSpPr/>
+          <p:nvPr/>
+        </p:nvSpPr>
+        <p:spPr>
+          <a:xfrm>
+            <a:off x="3429000" y="3048000"/>
+            <a:ext cx="457200" cy="1295400"/>
+          </a:xfrm>
+          <a:prstGeom prst="leftBrace">
+            <a:avLst>
+              <a:gd name="adj1" fmla="val 8333"/>
+              <a:gd name="adj2" fmla="val 50909"/>
+            </a:avLst>
+          </a:prstGeom>
+          <a:ln>
+            <a:solidFill>
+              <a:srgbClr val="FF0000"/>
+            </a:solidFill>
+          </a:ln>
+          <a:scene3d>
+            <a:camera prst="orthographicFront">
+              <a:rot lat="0" lon="0" rev="16200000"/>
+            </a:camera>
+            <a:lightRig rig="threePt" dir="t"/>
+          </a:scene3d>
+        </p:spPr>
+        <p:style>
+          <a:lnRef idx="1">
+            <a:schemeClr val="accent1"/>
+          </a:lnRef>
+          <a:fillRef idx="0">
+            <a:schemeClr val="accent1"/>
+          </a:fillRef>
+          <a:effectRef idx="0">
+            <a:schemeClr val="accent1"/>
+          </a:effectRef>
+          <a:fontRef idx="minor">
+            <a:schemeClr val="tx1"/>
+          </a:fontRef>
+        </p:style>
+        <p:txBody>
+          <a:bodyPr rtlCol="0" anchor="ctr"/>
+          <a:lstStyle/>
+          <a:p>
+            <a:pPr algn="ctr"/>
+            <a:endParaRPr lang="en-US"/>
+          </a:p>
+        </p:txBody>
+      </p:sp>
+      <p:sp>
+        <p:nvSpPr>
+          <p:cNvPr id="37" name="TextBox 36"/>
+          <p:cNvSpPr txBox="1"/>
+          <p:nvPr/>
+        </p:nvSpPr>
+        <p:spPr>
+          <a:xfrm>
+            <a:off x="3124200" y="3048000"/>
+            <a:ext cx="2147254" cy="369332"/>
+          </a:xfrm>
+          <a:prstGeom prst="rect">
+            <a:avLst/>
+          </a:prstGeom>
+          <a:noFill/>
+        </p:spPr>
+        <p:txBody>
+          <a:bodyPr wrap="none" rtlCol="0">
+            <a:spAutoFit/>
+          </a:bodyPr>
+          <a:lstStyle/>
+          <a:p>
+            <a:r>
+              <a:rPr lang="en-US" dirty="0" smtClean="0"/>
+              <a:t>To be Discussed later</a:t>
+            </a:r>
+            <a:endParaRPr lang="en-US" dirty="0"/>
+          </a:p>
+        </p:txBody>
+      </p:sp>
+    </p:spTree>
+  </p:cSld>
+  <p:clrMapOvr>
+    <a:masterClrMapping/>
+  </p:clrMapOvr>
+</p:sld>
+</file>
+
+<file path=ppt/slides/slide43.xml><?xml version="1.0" encoding="utf-8"?>
+<p:sld xmlns:a="http://schemas.openxmlformats.org/drawingml/2006/main" xmlns:r="http://schemas.openxmlformats.org/officeDocument/2006/relationships" xmlns:p="http://schemas.openxmlformats.org/presentationml/2006/main">
+  <p:cSld>
+    <p:spTree>
+      <p:nvGrpSpPr>
+        <p:cNvPr id="1" name=""/>
+        <p:cNvGrpSpPr/>
+        <p:nvPr/>
+      </p:nvGrpSpPr>
+      <p:grpSpPr>
+        <a:xfrm>
+          <a:off x="0" y="0"/>
+          <a:ext cx="0" cy="0"/>
+          <a:chOff x="0" y="0"/>
+          <a:chExt cx="0" cy="0"/>
+        </a:xfrm>
+      </p:grpSpPr>
+      <p:sp>
+        <p:nvSpPr>
+          <p:cNvPr id="2" name="Title 1"/>
+          <p:cNvSpPr>
+            <a:spLocks noGrp="1"/>
+          </p:cNvSpPr>
+          <p:nvPr>
+            <p:ph type="title"/>
+          </p:nvPr>
+        </p:nvSpPr>
+        <p:spPr>
+          <a:xfrm>
+            <a:off x="457200" y="0"/>
+            <a:ext cx="8229600" cy="1096962"/>
+          </a:xfrm>
+        </p:spPr>
+        <p:txBody>
+          <a:bodyPr>
+            <a:noAutofit/>
+          </a:bodyPr>
+          <a:lstStyle/>
+          <a:p>
+            <a:r>
+              <a:rPr lang="en-US" sz="3200" dirty="0" smtClean="0"/>
+              <a:t/>
+            </a:r>
+            <a:br>
+              <a:rPr lang="en-US" sz="3200" dirty="0" smtClean="0"/>
+            </a:br>
+            <a:r>
+              <a:rPr lang="en-US" sz="3200" dirty="0" smtClean="0"/>
+              <a:t>Research Assignment </a:t>
+            </a:r>
+            <a:br>
+              <a:rPr lang="en-US" sz="3200" dirty="0" smtClean="0"/>
+            </a:br>
+            <a:r>
+              <a:rPr lang="en-US" sz="3200" dirty="0" smtClean="0"/>
+              <a:t>Due on 10-Oct-2016</a:t>
+            </a:r>
+            <a:endParaRPr lang="en-US" sz="3200" dirty="0"/>
+          </a:p>
+        </p:txBody>
+      </p:sp>
+      <p:sp>
+        <p:nvSpPr>
+          <p:cNvPr id="3" name="TextBox 2"/>
+          <p:cNvSpPr txBox="1"/>
+          <p:nvPr/>
+        </p:nvSpPr>
+        <p:spPr>
+          <a:xfrm>
+            <a:off x="533400" y="1295400"/>
+            <a:ext cx="8153400" cy="5355312"/>
+          </a:xfrm>
+          <a:prstGeom prst="rect">
+            <a:avLst/>
+          </a:prstGeom>
+          <a:noFill/>
+        </p:spPr>
+        <p:txBody>
+          <a:bodyPr wrap="square" rtlCol="0">
+            <a:spAutoFit/>
+          </a:bodyPr>
+          <a:lstStyle/>
+          <a:p>
+            <a:r>
+              <a:rPr lang="en-US" dirty="0" smtClean="0"/>
+              <a:t>In Floating point representation we have three components</a:t>
+            </a:r>
+          </a:p>
+          <a:p>
+            <a:endParaRPr lang="en-US" dirty="0" smtClean="0"/>
+          </a:p>
+          <a:p>
+            <a:pPr marL="342900" indent="-342900">
+              <a:buAutoNum type="arabicPeriod"/>
+            </a:pPr>
+            <a:r>
+              <a:rPr lang="en-US" dirty="0" smtClean="0"/>
+              <a:t>The Sign Bit</a:t>
+            </a:r>
+          </a:p>
+          <a:p>
+            <a:pPr marL="342900" indent="-342900">
+              <a:buAutoNum type="arabicPeriod"/>
+            </a:pPr>
+            <a:r>
+              <a:rPr lang="en-US" dirty="0" smtClean="0"/>
+              <a:t>Exponent</a:t>
+            </a:r>
+          </a:p>
+          <a:p>
+            <a:pPr marL="342900" indent="-342900">
+              <a:buAutoNum type="arabicPeriod"/>
+            </a:pPr>
+            <a:r>
+              <a:rPr lang="en-US" dirty="0" smtClean="0"/>
+              <a:t>Fractional Part</a:t>
+            </a:r>
+          </a:p>
+          <a:p>
+            <a:pPr marL="342900" indent="-342900">
+              <a:buAutoNum type="arabicPeriod"/>
+            </a:pPr>
+            <a:endParaRPr lang="en-US" dirty="0" smtClean="0"/>
+          </a:p>
+          <a:p>
+            <a:pPr marL="342900" indent="-342900"/>
+            <a:r>
+              <a:rPr lang="en-US" dirty="0" smtClean="0"/>
+              <a:t>Precession is one the prime attribute of any Floating point Representation,  </a:t>
+            </a:r>
+          </a:p>
+          <a:p>
+            <a:pPr marL="342900" indent="-342900"/>
+            <a:endParaRPr lang="en-US" dirty="0" smtClean="0"/>
+          </a:p>
+          <a:p>
+            <a:pPr marL="342900" indent="-342900" algn="just">
+              <a:buAutoNum type="arabicPeriod"/>
+            </a:pPr>
+            <a:r>
+              <a:rPr lang="en-US" dirty="0" smtClean="0"/>
+              <a:t>Does any of the above three components play a role in the defining the Precession of the number ? If so which are the component or Components  which play the  role in defining precession  and how ? Explain this with example in your own words</a:t>
+            </a:r>
+          </a:p>
+          <a:p>
+            <a:pPr marL="342900" indent="-342900">
+              <a:buAutoNum type="arabicPeriod"/>
+            </a:pPr>
+            <a:r>
+              <a:rPr lang="en-US" dirty="0" smtClean="0"/>
+              <a:t>W</a:t>
+            </a:r>
+            <a:r>
+              <a:rPr lang="en-US" dirty="0" smtClean="0"/>
+              <a:t>hat is Normal and Subnormal  Values as per IEEE 754  standards  explain this  with the  help of number line </a:t>
+            </a:r>
+          </a:p>
+          <a:p>
+            <a:pPr marL="342900" indent="-342900">
+              <a:buAutoNum type="arabicPeriod"/>
+            </a:pPr>
+            <a:r>
+              <a:rPr lang="en-US" dirty="0" smtClean="0"/>
+              <a:t>IEEE 754vv defines standards for rounding floating points numbers to a represent able value. There are five methods defines by IEEE for this – Take time and  understand what these five methods and explain it in your words using diagrams, illustrations of your own.</a:t>
+            </a:r>
+          </a:p>
+          <a:p>
+            <a:pPr marL="342900" indent="-342900"/>
+            <a:r>
+              <a:rPr lang="en-US" dirty="0" smtClean="0"/>
+              <a:t> </a:t>
+            </a:r>
+            <a:r>
+              <a:rPr lang="en-US" dirty="0" smtClean="0"/>
+              <a:t>       [</a:t>
+            </a:r>
+            <a:r>
+              <a:rPr lang="en-US" b="1" u="sng" dirty="0" smtClean="0">
+                <a:solidFill>
+                  <a:srgbClr val="FF0000"/>
+                </a:solidFill>
+              </a:rPr>
+              <a:t>For 1 to 3  Do not Copy paste from any published sources, including diagrams</a:t>
+            </a:r>
+            <a:r>
+              <a:rPr lang="en-US" dirty="0" smtClean="0"/>
+              <a:t>]   </a:t>
+            </a:r>
+          </a:p>
+        </p:txBody>
+      </p:sp>
+    </p:spTree>
+  </p:cSld>
+  <p:clrMapOvr>
+    <a:masterClrMapping/>
+  </p:clrMapOvr>
+</p:sld>
+</file>
+
+<file path=ppt/slides/slide44.xml><?xml version="1.0" encoding="utf-8"?>
+<p:sld xmlns:a="http://schemas.openxmlformats.org/drawingml/2006/main" xmlns:r="http://schemas.openxmlformats.org/officeDocument/2006/relationships" xmlns:p="http://schemas.openxmlformats.org/presentationml/2006/main">
+  <p:cSld>
+    <p:spTree>
+      <p:nvGrpSpPr>
+        <p:cNvPr id="1" name=""/>
+        <p:cNvGrpSpPr/>
+        <p:nvPr/>
+      </p:nvGrpSpPr>
+      <p:grpSpPr>
+        <a:xfrm>
+          <a:off x="0" y="0"/>
+          <a:ext cx="0" cy="0"/>
+          <a:chOff x="0" y="0"/>
+          <a:chExt cx="0" cy="0"/>
+        </a:xfrm>
+      </p:grpSpPr>
+      <p:sp>
+        <p:nvSpPr>
+          <p:cNvPr id="2" name="Title 1"/>
+          <p:cNvSpPr>
+            <a:spLocks noGrp="1"/>
+          </p:cNvSpPr>
+          <p:nvPr>
+            <p:ph type="title"/>
+          </p:nvPr>
+        </p:nvSpPr>
+        <p:spPr>
+          <a:xfrm>
+            <a:off x="457200" y="2590800"/>
+            <a:ext cx="8229600" cy="1143000"/>
+          </a:xfrm>
+        </p:spPr>
+        <p:txBody>
+          <a:bodyPr/>
+          <a:lstStyle/>
+          <a:p>
+            <a:r>
+              <a:rPr lang="en-US" dirty="0" smtClean="0"/>
+              <a:t>Arithmetic Instructions</a:t>
+            </a:r>
+            <a:endParaRPr lang="en-US" dirty="0"/>
+          </a:p>
+        </p:txBody>
+      </p:sp>
+    </p:spTree>
+  </p:cSld>
+  <p:clrMapOvr>
+    <a:masterClrMapping/>
+  </p:clrMapOvr>
+</p:sld>
+</file>
+
+<file path=ppt/slides/slide45.xml><?xml version="1.0" encoding="utf-8"?>
+<p:sld xmlns:a="http://schemas.openxmlformats.org/drawingml/2006/main" xmlns:r="http://schemas.openxmlformats.org/officeDocument/2006/relationships" xmlns:p="http://schemas.openxmlformats.org/presentationml/2006/main">
+  <p:cSld>
+    <p:spTree>
+      <p:nvGrpSpPr>
+        <p:cNvPr id="1" name=""/>
+        <p:cNvGrpSpPr/>
+        <p:nvPr/>
+      </p:nvGrpSpPr>
+      <p:grpSpPr>
+        <a:xfrm>
+          <a:off x="0" y="0"/>
+          <a:ext cx="0" cy="0"/>
+          <a:chOff x="0" y="0"/>
+          <a:chExt cx="0" cy="0"/>
+        </a:xfrm>
+      </p:grpSpPr>
+      <p:sp>
+        <p:nvSpPr>
+          <p:cNvPr id="2" name="Title 1"/>
+          <p:cNvSpPr>
+            <a:spLocks noGrp="1"/>
+          </p:cNvSpPr>
+          <p:nvPr>
+            <p:ph type="title"/>
+          </p:nvPr>
+        </p:nvSpPr>
+        <p:spPr/>
+        <p:txBody>
+          <a:bodyPr>
+            <a:normAutofit/>
+          </a:bodyPr>
+          <a:lstStyle/>
+          <a:p>
+            <a:r>
+              <a:rPr lang="en-US" dirty="0" smtClean="0"/>
+              <a:t>Multiplication</a:t>
+            </a:r>
+            <a:endParaRPr lang="en-US" dirty="0"/>
+          </a:p>
+        </p:txBody>
+      </p:sp>
+      <p:sp>
+        <p:nvSpPr>
+          <p:cNvPr id="4" name="Rectangle 3"/>
+          <p:cNvSpPr/>
+          <p:nvPr/>
+        </p:nvSpPr>
+        <p:spPr>
+          <a:xfrm>
+            <a:off x="609600" y="1524001"/>
+            <a:ext cx="8077200" cy="369332"/>
+          </a:xfrm>
+          <a:prstGeom prst="rect">
+            <a:avLst/>
+          </a:prstGeom>
+        </p:spPr>
+        <p:txBody>
+          <a:bodyPr wrap="square">
+            <a:spAutoFit/>
+          </a:bodyPr>
+          <a:lstStyle/>
+          <a:p>
+            <a:r>
+              <a:rPr lang="en-US" dirty="0" smtClean="0"/>
+              <a:t>Two multiply instructions are available in the Cortex-M4</a:t>
+            </a:r>
+            <a:r>
+              <a:rPr lang="en-US" dirty="0" smtClean="0"/>
+              <a:t>.</a:t>
+            </a:r>
+            <a:endParaRPr lang="en-US" dirty="0" smtClean="0"/>
+          </a:p>
+        </p:txBody>
+      </p:sp>
+      <p:sp>
+        <p:nvSpPr>
+          <p:cNvPr id="5" name="TextBox 4"/>
+          <p:cNvSpPr txBox="1"/>
+          <p:nvPr/>
+        </p:nvSpPr>
+        <p:spPr>
+          <a:xfrm>
+            <a:off x="1134980" y="2895600"/>
+            <a:ext cx="6561219" cy="861774"/>
+          </a:xfrm>
+          <a:prstGeom prst="rect">
+            <a:avLst/>
+          </a:prstGeom>
+          <a:gradFill>
+            <a:gsLst>
+              <a:gs pos="0">
+                <a:schemeClr val="accent1">
+                  <a:tint val="66000"/>
+                  <a:satMod val="160000"/>
+                </a:schemeClr>
+              </a:gs>
+              <a:gs pos="50000">
+                <a:schemeClr val="accent1">
+                  <a:tint val="44500"/>
+                  <a:satMod val="160000"/>
+                </a:schemeClr>
+              </a:gs>
+              <a:gs pos="100000">
+                <a:schemeClr val="accent1">
+                  <a:tint val="23500"/>
+                  <a:satMod val="160000"/>
+                </a:schemeClr>
+              </a:gs>
+            </a:gsLst>
+            <a:lin ang="5400000" scaled="0"/>
+          </a:gradFill>
+          <a:ln>
+            <a:solidFill>
+              <a:schemeClr val="accent1">
+                <a:shade val="95000"/>
+                <a:satMod val="105000"/>
+              </a:schemeClr>
+            </a:solidFill>
+          </a:ln>
+          <a:effectLst>
+            <a:outerShdw blurRad="107950" dist="12700" dir="5400000" algn="ctr">
+              <a:srgbClr val="000000"/>
+            </a:outerShdw>
+          </a:effectLst>
+          <a:scene3d>
+            <a:camera prst="orthographicFront">
+              <a:rot lat="0" lon="0" rev="0"/>
+            </a:camera>
+            <a:lightRig rig="soft" dir="t">
+              <a:rot lat="0" lon="0" rev="0"/>
+            </a:lightRig>
+          </a:scene3d>
+          <a:sp3d contourW="44450" prstMaterial="matte">
+            <a:bevelT w="63500" h="63500" prst="artDeco"/>
+            <a:contourClr>
+              <a:srgbClr val="FFFFFF"/>
+            </a:contourClr>
+          </a:sp3d>
+        </p:spPr>
+        <p:txBody>
+          <a:bodyPr wrap="none" rtlCol="0">
+            <a:spAutoFit/>
+          </a:bodyPr>
+          <a:lstStyle/>
+          <a:p>
+            <a:pPr algn="ctr"/>
+            <a:r>
+              <a:rPr lang="en-US" sz="3200" b="1" dirty="0" smtClean="0"/>
+              <a:t>VMUL{</a:t>
+            </a:r>
+            <a:r>
+              <a:rPr lang="en-US" sz="3200" b="1" dirty="0" err="1" smtClean="0"/>
+              <a:t>cond</a:t>
+            </a:r>
+            <a:r>
+              <a:rPr lang="en-US" sz="3200" b="1" dirty="0" smtClean="0"/>
+              <a:t>}.F32 &lt;</a:t>
+            </a:r>
+            <a:r>
+              <a:rPr lang="en-US" sz="3200" b="1" dirty="0" err="1" smtClean="0"/>
+              <a:t>Sd</a:t>
+            </a:r>
+            <a:r>
+              <a:rPr lang="en-US" sz="3200" b="1" dirty="0" smtClean="0"/>
+              <a:t>&gt;, &lt;</a:t>
+            </a:r>
+            <a:r>
+              <a:rPr lang="en-US" sz="3200" b="1" dirty="0" err="1" smtClean="0"/>
+              <a:t>Sn</a:t>
+            </a:r>
+            <a:r>
+              <a:rPr lang="en-US" sz="3200" b="1" dirty="0" smtClean="0"/>
+              <a:t>&gt;, &lt;</a:t>
+            </a:r>
+            <a:r>
+              <a:rPr lang="en-US" sz="3200" b="1" dirty="0" err="1" smtClean="0"/>
+              <a:t>Sm</a:t>
+            </a:r>
+            <a:r>
+              <a:rPr lang="en-US" sz="3200" b="1" dirty="0" smtClean="0"/>
+              <a:t>&gt;</a:t>
+            </a:r>
+          </a:p>
+          <a:p>
+            <a:pPr algn="ctr"/>
+            <a:r>
+              <a:rPr lang="en-US" dirty="0" smtClean="0"/>
+              <a:t>Multiplies two   operands</a:t>
+            </a:r>
+            <a:r>
+              <a:rPr lang="en-US" dirty="0" smtClean="0"/>
+              <a:t>, writing the result in a destination </a:t>
+            </a:r>
+            <a:r>
+              <a:rPr lang="en-US" dirty="0" smtClean="0"/>
+              <a:t>register</a:t>
+            </a:r>
+            <a:endParaRPr lang="en-US" b="1" dirty="0"/>
+          </a:p>
+        </p:txBody>
+      </p:sp>
+      <p:sp>
+        <p:nvSpPr>
+          <p:cNvPr id="6" name="Rectangle 5"/>
+          <p:cNvSpPr/>
+          <p:nvPr/>
+        </p:nvSpPr>
+        <p:spPr>
+          <a:xfrm>
+            <a:off x="533400" y="4495800"/>
+            <a:ext cx="7848600" cy="861774"/>
+          </a:xfrm>
+          <a:prstGeom prst="rect">
+            <a:avLst/>
+          </a:prstGeom>
+          <a:gradFill>
+            <a:gsLst>
+              <a:gs pos="0">
+                <a:schemeClr val="accent1">
+                  <a:tint val="66000"/>
+                  <a:satMod val="160000"/>
+                </a:schemeClr>
+              </a:gs>
+              <a:gs pos="50000">
+                <a:schemeClr val="accent1">
+                  <a:tint val="44500"/>
+                  <a:satMod val="160000"/>
+                </a:schemeClr>
+              </a:gs>
+              <a:gs pos="100000">
+                <a:schemeClr val="accent1">
+                  <a:tint val="23500"/>
+                  <a:satMod val="160000"/>
+                </a:schemeClr>
+              </a:gs>
+            </a:gsLst>
+            <a:lin ang="5400000" scaled="0"/>
+          </a:gradFill>
+          <a:ln>
+            <a:noFill/>
+          </a:ln>
+          <a:effectLst>
+            <a:outerShdw blurRad="107950" dist="12700" dir="5400000" algn="ctr">
+              <a:srgbClr val="000000"/>
+            </a:outerShdw>
+          </a:effectLst>
+          <a:scene3d>
+            <a:camera prst="orthographicFront">
+              <a:rot lat="0" lon="0" rev="0"/>
+            </a:camera>
+            <a:lightRig rig="soft" dir="t">
+              <a:rot lat="0" lon="0" rev="0"/>
+            </a:lightRig>
+          </a:scene3d>
+          <a:sp3d contourW="44450" prstMaterial="matte">
+            <a:bevelT w="63500" h="63500" prst="artDeco"/>
+            <a:contourClr>
+              <a:srgbClr val="FFFFFF"/>
+            </a:contourClr>
+          </a:sp3d>
+        </p:spPr>
+        <p:txBody>
+          <a:bodyPr wrap="square">
+            <a:spAutoFit/>
+          </a:bodyPr>
+          <a:lstStyle/>
+          <a:p>
+            <a:pPr algn="ctr"/>
+            <a:r>
+              <a:rPr lang="en-US" sz="3200" b="1" dirty="0" smtClean="0"/>
+              <a:t>VNMUL{</a:t>
+            </a:r>
+            <a:r>
+              <a:rPr lang="en-US" sz="3200" b="1" dirty="0" err="1" smtClean="0"/>
+              <a:t>cond</a:t>
+            </a:r>
+            <a:r>
+              <a:rPr lang="en-US" sz="3200" b="1" dirty="0" smtClean="0"/>
+              <a:t>}.F32 &lt;</a:t>
+            </a:r>
+            <a:r>
+              <a:rPr lang="en-US" sz="3200" b="1" dirty="0" err="1" smtClean="0"/>
+              <a:t>Sd</a:t>
+            </a:r>
+            <a:r>
+              <a:rPr lang="en-US" sz="3200" b="1" dirty="0" smtClean="0"/>
+              <a:t>&gt;, &lt;</a:t>
+            </a:r>
+            <a:r>
+              <a:rPr lang="en-US" sz="3200" b="1" dirty="0" err="1" smtClean="0"/>
+              <a:t>Sn</a:t>
+            </a:r>
+            <a:r>
+              <a:rPr lang="en-US" sz="3200" b="1" dirty="0" smtClean="0"/>
+              <a:t>&gt;, &lt;</a:t>
+            </a:r>
+            <a:r>
+              <a:rPr lang="en-US" sz="3200" b="1" dirty="0" err="1" smtClean="0"/>
+              <a:t>Sm</a:t>
+            </a:r>
+            <a:r>
+              <a:rPr lang="en-US" sz="3200" b="1" dirty="0" smtClean="0"/>
+              <a:t>&gt;</a:t>
+            </a:r>
+          </a:p>
+          <a:p>
+            <a:pPr algn="ctr"/>
+            <a:r>
+              <a:rPr lang="en-US" b="1" dirty="0" smtClean="0"/>
+              <a:t>VNMUL first negates the </a:t>
+            </a:r>
+            <a:r>
+              <a:rPr lang="en-US" b="1" dirty="0" smtClean="0"/>
+              <a:t>second of </a:t>
+            </a:r>
+            <a:r>
+              <a:rPr lang="en-US" b="1" dirty="0" smtClean="0"/>
+              <a:t>the two operands before the multiplication</a:t>
+            </a:r>
+            <a:endParaRPr lang="en-US" b="1" dirty="0"/>
+          </a:p>
+        </p:txBody>
+      </p:sp>
+    </p:spTree>
+  </p:cSld>
+  <p:clrMapOvr>
+    <a:masterClrMapping/>
+  </p:clrMapOvr>
+</p:sld>
+</file>
+
+<file path=ppt/slides/slide46.xml><?xml version="1.0" encoding="utf-8"?>
+<p:sld xmlns:a="http://schemas.openxmlformats.org/drawingml/2006/main" xmlns:r="http://schemas.openxmlformats.org/officeDocument/2006/relationships" xmlns:p="http://schemas.openxmlformats.org/presentationml/2006/main">
+  <p:cSld>
+    <p:bg>
+      <p:bgPr>
+        <a:gradFill>
+          <a:gsLst>
+            <a:gs pos="0">
+              <a:schemeClr val="accent1">
+                <a:tint val="66000"/>
+                <a:satMod val="160000"/>
+              </a:schemeClr>
+            </a:gs>
+            <a:gs pos="50000">
+              <a:schemeClr val="accent1">
+                <a:tint val="44500"/>
+                <a:satMod val="160000"/>
+              </a:schemeClr>
+            </a:gs>
+            <a:gs pos="100000">
+              <a:schemeClr val="accent1">
+                <a:tint val="23500"/>
+                <a:satMod val="160000"/>
+              </a:schemeClr>
+            </a:gs>
+          </a:gsLst>
+          <a:lin ang="5400000" scaled="0"/>
+        </a:gradFill>
+        <a:effectLst/>
+      </p:bgPr>
+    </p:bg>
+    <p:spTree>
+      <p:nvGrpSpPr>
+        <p:cNvPr id="1" name=""/>
+        <p:cNvGrpSpPr/>
+        <p:nvPr/>
+      </p:nvGrpSpPr>
+      <p:grpSpPr>
+        <a:xfrm>
+          <a:off x="0" y="0"/>
+          <a:ext cx="0" cy="0"/>
+          <a:chOff x="0" y="0"/>
+          <a:chExt cx="0" cy="0"/>
+        </a:xfrm>
+      </p:grpSpPr>
+      <p:sp>
+        <p:nvSpPr>
+          <p:cNvPr id="2" name="Title 1"/>
+          <p:cNvSpPr>
+            <a:spLocks noGrp="1"/>
+          </p:cNvSpPr>
+          <p:nvPr>
+            <p:ph type="title"/>
+          </p:nvPr>
+        </p:nvSpPr>
+        <p:spPr/>
+        <p:txBody>
+          <a:bodyPr/>
+          <a:lstStyle/>
+          <a:p>
+            <a:r>
+              <a:rPr lang="en-US" dirty="0" smtClean="0"/>
+              <a:t>Multiply </a:t>
+            </a:r>
+            <a:r>
+              <a:rPr lang="en-US" dirty="0" smtClean="0"/>
+              <a:t>Accumulate</a:t>
+            </a:r>
+            <a:endParaRPr lang="en-US" dirty="0"/>
+          </a:p>
+        </p:txBody>
+      </p:sp>
+      <p:sp>
+        <p:nvSpPr>
+          <p:cNvPr id="3" name="Rectangle 2"/>
+          <p:cNvSpPr/>
+          <p:nvPr/>
+        </p:nvSpPr>
+        <p:spPr>
+          <a:xfrm>
+            <a:off x="457200" y="1371600"/>
+            <a:ext cx="8153400" cy="4401205"/>
+          </a:xfrm>
+          <a:prstGeom prst="rect">
+            <a:avLst/>
+          </a:prstGeom>
+        </p:spPr>
+        <p:txBody>
+          <a:bodyPr wrap="square">
+            <a:spAutoFit/>
+          </a:bodyPr>
+          <a:lstStyle/>
+          <a:p>
+            <a:pPr algn="just"/>
+            <a:r>
+              <a:rPr lang="en-US" sz="4000" dirty="0" smtClean="0"/>
+              <a:t>Cortex-M4  FPU  implements a set of very accurate  multiply–accumulate operations that  called as  to as </a:t>
+            </a:r>
+            <a:r>
+              <a:rPr lang="en-US" sz="4000" i="1" dirty="0" smtClean="0"/>
+              <a:t>fused Multiply-Accumulate. </a:t>
+            </a:r>
+            <a:r>
+              <a:rPr lang="en-US" sz="4000" dirty="0" smtClean="0"/>
+              <a:t>These set of instructions does not do rounding the results hence results in greater accuracy of results</a:t>
+            </a:r>
+            <a:endParaRPr lang="en-US" sz="4000" dirty="0"/>
+          </a:p>
+        </p:txBody>
+      </p:sp>
+    </p:spTree>
+  </p:cSld>
+  <p:clrMapOvr>
+    <a:masterClrMapping/>
+  </p:clrMapOvr>
+</p:sld>
+</file>
+
+<file path=ppt/slides/slide47.xml><?xml version="1.0" encoding="utf-8"?>
+<p:sld xmlns:a="http://schemas.openxmlformats.org/drawingml/2006/main" xmlns:r="http://schemas.openxmlformats.org/officeDocument/2006/relationships" xmlns:p="http://schemas.openxmlformats.org/presentationml/2006/main">
+  <p:cSld>
+    <p:bg>
+      <p:bgPr>
+        <a:gradFill>
+          <a:gsLst>
+            <a:gs pos="0">
+              <a:schemeClr val="accent1">
+                <a:tint val="66000"/>
+                <a:satMod val="160000"/>
+              </a:schemeClr>
+            </a:gs>
+            <a:gs pos="50000">
+              <a:schemeClr val="accent1">
+                <a:tint val="44500"/>
+                <a:satMod val="160000"/>
+              </a:schemeClr>
+            </a:gs>
+            <a:gs pos="100000">
+              <a:schemeClr val="accent1">
+                <a:tint val="23500"/>
+                <a:satMod val="160000"/>
+              </a:schemeClr>
+            </a:gs>
+          </a:gsLst>
+          <a:lin ang="5400000" scaled="0"/>
+        </a:gradFill>
+        <a:effectLst/>
+      </p:bgPr>
+    </p:bg>
+    <p:spTree>
+      <p:nvGrpSpPr>
+        <p:cNvPr id="1" name=""/>
+        <p:cNvGrpSpPr/>
+        <p:nvPr/>
+      </p:nvGrpSpPr>
+      <p:grpSpPr>
+        <a:xfrm>
+          <a:off x="0" y="0"/>
+          <a:ext cx="0" cy="0"/>
+          <a:chOff x="0" y="0"/>
+          <a:chExt cx="0" cy="0"/>
+        </a:xfrm>
+      </p:grpSpPr>
+      <p:graphicFrame>
+        <p:nvGraphicFramePr>
+          <p:cNvPr id="2" name="Table 1"/>
+          <p:cNvGraphicFramePr>
+            <a:graphicFrameLocks noGrp="1"/>
+          </p:cNvGraphicFramePr>
+          <p:nvPr/>
+        </p:nvGraphicFramePr>
+        <p:xfrm>
+          <a:off x="304800" y="457199"/>
+          <a:ext cx="8610600" cy="6096000"/>
+        </p:xfrm>
+        <a:graphic>
+          <a:graphicData uri="http://schemas.openxmlformats.org/drawingml/2006/table">
+            <a:tbl>
+              <a:tblPr firstRow="1" bandRow="1">
+                <a:tableStyleId>{5C22544A-7EE6-4342-B048-85BDC9FD1C3A}</a:tableStyleId>
+              </a:tblPr>
+              <a:tblGrid>
+                <a:gridCol w="2870200"/>
+                <a:gridCol w="2870200"/>
+                <a:gridCol w="2870200"/>
+              </a:tblGrid>
+              <a:tr h="632285">
+                <a:tc>
+                  <a:txBody>
+                    <a:bodyPr/>
+                    <a:lstStyle/>
+                    <a:p>
+                      <a:endParaRPr lang="en-US" dirty="0"/>
+                    </a:p>
+                  </a:txBody>
+                  <a:tcPr/>
+                </a:tc>
+                <a:tc>
+                  <a:txBody>
+                    <a:bodyPr/>
+                    <a:lstStyle/>
+                    <a:p>
+                      <a:endParaRPr lang="en-US"/>
+                    </a:p>
+                  </a:txBody>
+                  <a:tcPr/>
+                </a:tc>
+                <a:tc>
+                  <a:txBody>
+                    <a:bodyPr/>
+                    <a:lstStyle/>
+                    <a:p>
+                      <a:endParaRPr lang="en-US"/>
+                    </a:p>
+                  </a:txBody>
+                  <a:tcPr/>
+                </a:tc>
+              </a:tr>
+              <a:tr h="1559062">
+                <a:tc>
+                  <a:txBody>
+                    <a:bodyPr/>
+                    <a:lstStyle/>
+                    <a:p>
+                      <a:r>
+                        <a:rPr lang="en-US" sz="1800" kern="1200" baseline="0" dirty="0" smtClean="0">
+                          <a:solidFill>
+                            <a:schemeClr val="dk1"/>
+                          </a:solidFill>
+                          <a:latin typeface="+mn-lt"/>
+                          <a:ea typeface="+mn-ea"/>
+                          <a:cs typeface="+mn-cs"/>
+                        </a:rPr>
+                        <a:t>VFMA</a:t>
+                      </a:r>
+                      <a:endParaRPr lang="en-US" dirty="0"/>
+                    </a:p>
+                  </a:txBody>
+                  <a:tcPr/>
+                </a:tc>
+                <a:tc>
+                  <a:txBody>
+                    <a:bodyPr/>
+                    <a:lstStyle/>
+                    <a:p>
+                      <a:r>
+                        <a:rPr lang="en-US" sz="1800" kern="1200" baseline="0" dirty="0" smtClean="0">
+                          <a:solidFill>
+                            <a:schemeClr val="dk1"/>
+                          </a:solidFill>
+                          <a:latin typeface="+mn-lt"/>
+                          <a:ea typeface="+mn-ea"/>
+                          <a:cs typeface="+mn-cs"/>
+                        </a:rPr>
+                        <a:t>Fused Multiply–accumulate</a:t>
+                      </a:r>
+                    </a:p>
+                    <a:p>
+                      <a:r>
+                        <a:rPr lang="en-US" sz="1800" kern="1200" baseline="0" dirty="0" err="1" smtClean="0">
+                          <a:solidFill>
+                            <a:schemeClr val="dk1"/>
+                          </a:solidFill>
+                          <a:latin typeface="+mn-lt"/>
+                          <a:ea typeface="+mn-ea"/>
+                          <a:cs typeface="+mn-cs"/>
+                        </a:rPr>
+                        <a:t>Sd</a:t>
+                      </a:r>
+                      <a:r>
+                        <a:rPr lang="en-US" sz="1800" kern="1200" baseline="0" dirty="0" smtClean="0">
+                          <a:solidFill>
+                            <a:schemeClr val="dk1"/>
+                          </a:solidFill>
+                          <a:latin typeface="+mn-lt"/>
+                          <a:ea typeface="+mn-ea"/>
+                          <a:cs typeface="+mn-cs"/>
+                        </a:rPr>
+                        <a:t> = </a:t>
+                      </a:r>
+                      <a:r>
+                        <a:rPr lang="en-US" sz="1800" kern="1200" baseline="0" dirty="0" err="1" smtClean="0">
+                          <a:solidFill>
+                            <a:schemeClr val="dk1"/>
+                          </a:solidFill>
+                          <a:latin typeface="+mn-lt"/>
+                          <a:ea typeface="+mn-ea"/>
+                          <a:cs typeface="+mn-cs"/>
+                        </a:rPr>
+                        <a:t>Sd</a:t>
+                      </a:r>
+                      <a:r>
+                        <a:rPr lang="en-US" sz="1800" kern="1200" baseline="0" dirty="0" smtClean="0">
+                          <a:solidFill>
+                            <a:schemeClr val="dk1"/>
+                          </a:solidFill>
+                          <a:latin typeface="+mn-lt"/>
+                          <a:ea typeface="+mn-ea"/>
+                          <a:cs typeface="+mn-cs"/>
+                        </a:rPr>
+                        <a:t> + (</a:t>
+                      </a:r>
+                      <a:r>
+                        <a:rPr lang="en-US" sz="1800" kern="1200" baseline="0" dirty="0" err="1" smtClean="0">
+                          <a:solidFill>
+                            <a:schemeClr val="dk1"/>
+                          </a:solidFill>
+                          <a:latin typeface="+mn-lt"/>
+                          <a:ea typeface="+mn-ea"/>
+                          <a:cs typeface="+mn-cs"/>
+                        </a:rPr>
+                        <a:t>Sn</a:t>
+                      </a:r>
+                      <a:r>
+                        <a:rPr lang="en-US" sz="1800" kern="1200" baseline="0" dirty="0" smtClean="0">
+                          <a:solidFill>
+                            <a:schemeClr val="dk1"/>
+                          </a:solidFill>
+                          <a:latin typeface="+mn-lt"/>
+                          <a:ea typeface="+mn-ea"/>
+                          <a:cs typeface="+mn-cs"/>
+                        </a:rPr>
+                        <a:t> * </a:t>
+                      </a:r>
+                      <a:r>
+                        <a:rPr lang="en-US" sz="1800" kern="1200" baseline="0" dirty="0" err="1" smtClean="0">
+                          <a:solidFill>
+                            <a:schemeClr val="dk1"/>
+                          </a:solidFill>
+                          <a:latin typeface="+mn-lt"/>
+                          <a:ea typeface="+mn-ea"/>
+                          <a:cs typeface="+mn-cs"/>
+                        </a:rPr>
+                        <a:t>Sm</a:t>
+                      </a:r>
+                      <a:r>
+                        <a:rPr lang="en-US" sz="1800" kern="1200" baseline="0" dirty="0" smtClean="0">
+                          <a:solidFill>
+                            <a:schemeClr val="dk1"/>
+                          </a:solidFill>
+                          <a:latin typeface="+mn-lt"/>
+                          <a:ea typeface="+mn-ea"/>
+                          <a:cs typeface="+mn-cs"/>
+                        </a:rPr>
+                        <a:t>)</a:t>
+                      </a:r>
+                      <a:endParaRPr lang="en-US" dirty="0"/>
+                    </a:p>
+                  </a:txBody>
+                  <a:tcPr/>
+                </a:tc>
+                <a:tc>
+                  <a:txBody>
+                    <a:bodyPr/>
+                    <a:lstStyle/>
+                    <a:p>
+                      <a:r>
+                        <a:rPr lang="en-US" sz="1800" kern="1200" baseline="0" dirty="0" smtClean="0">
+                          <a:solidFill>
+                            <a:schemeClr val="dk1"/>
+                          </a:solidFill>
+                          <a:latin typeface="+mn-lt"/>
+                          <a:ea typeface="+mn-ea"/>
+                          <a:cs typeface="+mn-cs"/>
+                        </a:rPr>
+                        <a:t>Temp = (</a:t>
+                      </a:r>
+                      <a:r>
+                        <a:rPr lang="en-US" sz="1800" kern="1200" baseline="0" dirty="0" err="1" smtClean="0">
+                          <a:solidFill>
+                            <a:schemeClr val="dk1"/>
+                          </a:solidFill>
+                          <a:latin typeface="+mn-lt"/>
+                          <a:ea typeface="+mn-ea"/>
+                          <a:cs typeface="+mn-cs"/>
+                        </a:rPr>
+                        <a:t>Sn</a:t>
+                      </a:r>
+                      <a:r>
+                        <a:rPr lang="en-US" sz="1800" kern="1200" baseline="0" dirty="0" smtClean="0">
+                          <a:solidFill>
+                            <a:schemeClr val="dk1"/>
+                          </a:solidFill>
+                          <a:latin typeface="+mn-lt"/>
+                          <a:ea typeface="+mn-ea"/>
+                          <a:cs typeface="+mn-cs"/>
+                        </a:rPr>
+                        <a:t> * </a:t>
+                      </a:r>
+                      <a:r>
+                        <a:rPr lang="en-US" sz="1800" kern="1200" baseline="0" dirty="0" err="1" smtClean="0">
+                          <a:solidFill>
+                            <a:schemeClr val="dk1"/>
+                          </a:solidFill>
+                          <a:latin typeface="+mn-lt"/>
+                          <a:ea typeface="+mn-ea"/>
+                          <a:cs typeface="+mn-cs"/>
+                        </a:rPr>
+                        <a:t>Sm</a:t>
+                      </a:r>
+                      <a:r>
+                        <a:rPr lang="en-US" sz="1800" kern="1200" baseline="0" dirty="0" smtClean="0">
+                          <a:solidFill>
+                            <a:schemeClr val="dk1"/>
+                          </a:solidFill>
+                          <a:latin typeface="+mn-lt"/>
+                          <a:ea typeface="+mn-ea"/>
+                          <a:cs typeface="+mn-cs"/>
+                        </a:rPr>
+                        <a:t>)</a:t>
+                      </a:r>
+                    </a:p>
+                    <a:p>
+                      <a:r>
+                        <a:rPr lang="en-US" sz="1800" kern="1200" baseline="0" dirty="0" err="1" smtClean="0">
+                          <a:solidFill>
+                            <a:schemeClr val="dk1"/>
+                          </a:solidFill>
+                          <a:latin typeface="+mn-lt"/>
+                          <a:ea typeface="+mn-ea"/>
+                          <a:cs typeface="+mn-cs"/>
+                        </a:rPr>
+                        <a:t>Sd</a:t>
+                      </a:r>
+                      <a:r>
+                        <a:rPr lang="en-US" sz="1800" kern="1200" baseline="0" dirty="0" smtClean="0">
+                          <a:solidFill>
+                            <a:schemeClr val="dk1"/>
+                          </a:solidFill>
+                          <a:latin typeface="+mn-lt"/>
+                          <a:ea typeface="+mn-ea"/>
+                          <a:cs typeface="+mn-cs"/>
+                        </a:rPr>
+                        <a:t> = Round(</a:t>
+                      </a:r>
+                      <a:r>
+                        <a:rPr lang="en-US" sz="1800" kern="1200" baseline="0" dirty="0" err="1" smtClean="0">
+                          <a:solidFill>
+                            <a:schemeClr val="dk1"/>
+                          </a:solidFill>
+                          <a:latin typeface="+mn-lt"/>
+                          <a:ea typeface="+mn-ea"/>
+                          <a:cs typeface="+mn-cs"/>
+                        </a:rPr>
+                        <a:t>Sd</a:t>
+                      </a:r>
+                      <a:r>
+                        <a:rPr lang="en-US" sz="1800" kern="1200" baseline="0" dirty="0" smtClean="0">
+                          <a:solidFill>
+                            <a:schemeClr val="dk1"/>
+                          </a:solidFill>
+                          <a:latin typeface="+mn-lt"/>
+                          <a:ea typeface="+mn-ea"/>
+                          <a:cs typeface="+mn-cs"/>
+                        </a:rPr>
+                        <a:t> + Temp)</a:t>
+                      </a:r>
+                      <a:endParaRPr lang="en-US" dirty="0"/>
+                    </a:p>
+                  </a:txBody>
+                  <a:tcPr/>
+                </a:tc>
+              </a:tr>
+              <a:tr h="1001193">
+                <a:tc>
+                  <a:txBody>
+                    <a:bodyPr/>
+                    <a:lstStyle/>
+                    <a:p>
+                      <a:r>
+                        <a:rPr lang="en-US" sz="1800" kern="1200" baseline="0" dirty="0" smtClean="0">
+                          <a:solidFill>
+                            <a:schemeClr val="dk1"/>
+                          </a:solidFill>
+                          <a:latin typeface="+mn-lt"/>
+                          <a:ea typeface="+mn-ea"/>
+                          <a:cs typeface="+mn-cs"/>
+                        </a:rPr>
+                        <a:t>VFMS</a:t>
+                      </a:r>
+                      <a:endParaRPr lang="en-US" dirty="0"/>
+                    </a:p>
+                  </a:txBody>
+                  <a:tcPr/>
+                </a:tc>
+                <a:tc>
+                  <a:txBody>
+                    <a:bodyPr/>
+                    <a:lstStyle/>
+                    <a:p>
+                      <a:r>
+                        <a:rPr lang="en-US" sz="1800" kern="1200" baseline="0" dirty="0" smtClean="0">
+                          <a:solidFill>
+                            <a:schemeClr val="dk1"/>
+                          </a:solidFill>
+                          <a:latin typeface="+mn-lt"/>
+                          <a:ea typeface="+mn-ea"/>
+                          <a:cs typeface="+mn-cs"/>
+                        </a:rPr>
+                        <a:t>Fused Multiply Subtract</a:t>
+                      </a:r>
+                    </a:p>
+                    <a:p>
+                      <a:r>
+                        <a:rPr lang="en-US" sz="1800" kern="1200" baseline="0" dirty="0" err="1" smtClean="0">
+                          <a:solidFill>
+                            <a:schemeClr val="dk1"/>
+                          </a:solidFill>
+                          <a:latin typeface="+mn-lt"/>
+                          <a:ea typeface="+mn-ea"/>
+                          <a:cs typeface="+mn-cs"/>
+                        </a:rPr>
+                        <a:t>Sd</a:t>
+                      </a:r>
+                      <a:r>
+                        <a:rPr lang="en-US" sz="1800" kern="1200" baseline="0" dirty="0" smtClean="0">
+                          <a:solidFill>
+                            <a:schemeClr val="dk1"/>
+                          </a:solidFill>
+                          <a:latin typeface="+mn-lt"/>
+                          <a:ea typeface="+mn-ea"/>
+                          <a:cs typeface="+mn-cs"/>
+                        </a:rPr>
+                        <a:t> = </a:t>
+                      </a:r>
+                      <a:r>
+                        <a:rPr lang="en-US" sz="1800" kern="1200" baseline="0" dirty="0" err="1" smtClean="0">
+                          <a:solidFill>
+                            <a:schemeClr val="dk1"/>
+                          </a:solidFill>
+                          <a:latin typeface="+mn-lt"/>
+                          <a:ea typeface="+mn-ea"/>
+                          <a:cs typeface="+mn-cs"/>
+                        </a:rPr>
+                        <a:t>Sd</a:t>
+                      </a:r>
+                      <a:r>
+                        <a:rPr lang="en-US" sz="1800" kern="1200" baseline="0" dirty="0" smtClean="0">
+                          <a:solidFill>
+                            <a:schemeClr val="dk1"/>
+                          </a:solidFill>
+                          <a:latin typeface="+mn-lt"/>
+                          <a:ea typeface="+mn-ea"/>
+                          <a:cs typeface="+mn-cs"/>
+                        </a:rPr>
+                        <a:t> + ((−1 * </a:t>
+                      </a:r>
+                      <a:r>
+                        <a:rPr lang="en-US" sz="1800" kern="1200" baseline="0" dirty="0" err="1" smtClean="0">
+                          <a:solidFill>
+                            <a:schemeClr val="dk1"/>
+                          </a:solidFill>
+                          <a:latin typeface="+mn-lt"/>
+                          <a:ea typeface="+mn-ea"/>
+                          <a:cs typeface="+mn-cs"/>
+                        </a:rPr>
+                        <a:t>Sn</a:t>
+                      </a:r>
+                      <a:r>
+                        <a:rPr lang="en-US" sz="1800" kern="1200" baseline="0" dirty="0" smtClean="0">
+                          <a:solidFill>
+                            <a:schemeClr val="dk1"/>
+                          </a:solidFill>
+                          <a:latin typeface="+mn-lt"/>
+                          <a:ea typeface="+mn-ea"/>
+                          <a:cs typeface="+mn-cs"/>
+                        </a:rPr>
+                        <a:t>) * </a:t>
+                      </a:r>
+                      <a:r>
+                        <a:rPr lang="en-US" sz="1800" kern="1200" baseline="0" dirty="0" err="1" smtClean="0">
+                          <a:solidFill>
+                            <a:schemeClr val="dk1"/>
+                          </a:solidFill>
+                          <a:latin typeface="+mn-lt"/>
+                          <a:ea typeface="+mn-ea"/>
+                          <a:cs typeface="+mn-cs"/>
+                        </a:rPr>
+                        <a:t>Sm</a:t>
+                      </a:r>
+                      <a:r>
+                        <a:rPr lang="en-US" sz="1800" kern="1200" baseline="0" dirty="0" smtClean="0">
+                          <a:solidFill>
+                            <a:schemeClr val="dk1"/>
+                          </a:solidFill>
+                          <a:latin typeface="+mn-lt"/>
+                          <a:ea typeface="+mn-ea"/>
+                          <a:cs typeface="+mn-cs"/>
+                        </a:rPr>
+                        <a:t>)</a:t>
+                      </a:r>
+                      <a:endParaRPr lang="en-US" dirty="0"/>
+                    </a:p>
+                  </a:txBody>
+                  <a:tcPr/>
+                </a:tc>
+                <a:tc>
+                  <a:txBody>
+                    <a:bodyPr/>
+                    <a:lstStyle/>
+                    <a:p>
+                      <a:r>
+                        <a:rPr lang="en-US" sz="1800" kern="1200" baseline="0" dirty="0" smtClean="0">
+                          <a:solidFill>
+                            <a:schemeClr val="dk1"/>
+                          </a:solidFill>
+                          <a:latin typeface="+mn-lt"/>
+                          <a:ea typeface="+mn-ea"/>
+                          <a:cs typeface="+mn-cs"/>
+                        </a:rPr>
+                        <a:t>Temp = Negate(</a:t>
+                      </a:r>
+                      <a:r>
+                        <a:rPr lang="en-US" sz="1800" kern="1200" baseline="0" dirty="0" err="1" smtClean="0">
+                          <a:solidFill>
+                            <a:schemeClr val="dk1"/>
+                          </a:solidFill>
+                          <a:latin typeface="+mn-lt"/>
+                          <a:ea typeface="+mn-ea"/>
+                          <a:cs typeface="+mn-cs"/>
+                        </a:rPr>
+                        <a:t>Sn</a:t>
+                      </a:r>
+                      <a:r>
+                        <a:rPr lang="en-US" sz="1800" kern="1200" baseline="0" dirty="0" smtClean="0">
+                          <a:solidFill>
+                            <a:schemeClr val="dk1"/>
+                          </a:solidFill>
+                          <a:latin typeface="+mn-lt"/>
+                          <a:ea typeface="+mn-ea"/>
+                          <a:cs typeface="+mn-cs"/>
+                        </a:rPr>
+                        <a:t>)</a:t>
+                      </a:r>
+                    </a:p>
+                    <a:p>
+                      <a:r>
+                        <a:rPr lang="en-US" sz="1800" kern="1200" baseline="0" dirty="0" smtClean="0">
+                          <a:solidFill>
+                            <a:schemeClr val="dk1"/>
+                          </a:solidFill>
+                          <a:latin typeface="+mn-lt"/>
+                          <a:ea typeface="+mn-ea"/>
+                          <a:cs typeface="+mn-cs"/>
+                        </a:rPr>
+                        <a:t>Temp = (Temp * </a:t>
+                      </a:r>
+                      <a:r>
+                        <a:rPr lang="en-US" sz="1800" kern="1200" baseline="0" dirty="0" err="1" smtClean="0">
+                          <a:solidFill>
+                            <a:schemeClr val="dk1"/>
+                          </a:solidFill>
+                          <a:latin typeface="+mn-lt"/>
+                          <a:ea typeface="+mn-ea"/>
+                          <a:cs typeface="+mn-cs"/>
+                        </a:rPr>
+                        <a:t>Sm</a:t>
+                      </a:r>
+                      <a:r>
+                        <a:rPr lang="en-US" sz="1800" kern="1200" baseline="0" dirty="0" smtClean="0">
+                          <a:solidFill>
+                            <a:schemeClr val="dk1"/>
+                          </a:solidFill>
+                          <a:latin typeface="+mn-lt"/>
+                          <a:ea typeface="+mn-ea"/>
+                          <a:cs typeface="+mn-cs"/>
+                        </a:rPr>
+                        <a:t>)</a:t>
+                      </a:r>
+                    </a:p>
+                    <a:p>
+                      <a:r>
+                        <a:rPr lang="en-US" sz="1800" kern="1200" baseline="0" dirty="0" err="1" smtClean="0">
+                          <a:solidFill>
+                            <a:schemeClr val="dk1"/>
+                          </a:solidFill>
+                          <a:latin typeface="+mn-lt"/>
+                          <a:ea typeface="+mn-ea"/>
+                          <a:cs typeface="+mn-cs"/>
+                        </a:rPr>
+                        <a:t>Sd</a:t>
+                      </a:r>
+                      <a:r>
+                        <a:rPr lang="en-US" sz="1800" kern="1200" baseline="0" dirty="0" smtClean="0">
+                          <a:solidFill>
+                            <a:schemeClr val="dk1"/>
+                          </a:solidFill>
+                          <a:latin typeface="+mn-lt"/>
+                          <a:ea typeface="+mn-ea"/>
+                          <a:cs typeface="+mn-cs"/>
+                        </a:rPr>
+                        <a:t> = Round(</a:t>
+                      </a:r>
+                      <a:r>
+                        <a:rPr lang="en-US" sz="1800" kern="1200" baseline="0" dirty="0" err="1" smtClean="0">
+                          <a:solidFill>
+                            <a:schemeClr val="dk1"/>
+                          </a:solidFill>
+                          <a:latin typeface="+mn-lt"/>
+                          <a:ea typeface="+mn-ea"/>
+                          <a:cs typeface="+mn-cs"/>
+                        </a:rPr>
+                        <a:t>Sd</a:t>
+                      </a:r>
+                      <a:r>
+                        <a:rPr lang="en-US" sz="1800" kern="1200" baseline="0" dirty="0" smtClean="0">
+                          <a:solidFill>
+                            <a:schemeClr val="dk1"/>
+                          </a:solidFill>
+                          <a:latin typeface="+mn-lt"/>
+                          <a:ea typeface="+mn-ea"/>
+                          <a:cs typeface="+mn-cs"/>
+                        </a:rPr>
+                        <a:t> + Temp)</a:t>
+                      </a:r>
+                      <a:endParaRPr lang="en-US" dirty="0"/>
+                    </a:p>
+                  </a:txBody>
+                  <a:tcPr/>
+                </a:tc>
+              </a:tr>
+              <a:tr h="1301551">
+                <a:tc>
+                  <a:txBody>
+                    <a:bodyPr/>
+                    <a:lstStyle/>
+                    <a:p>
+                      <a:r>
+                        <a:rPr lang="en-US" sz="1800" kern="1200" baseline="0" dirty="0" smtClean="0">
+                          <a:solidFill>
+                            <a:schemeClr val="dk1"/>
+                          </a:solidFill>
+                          <a:latin typeface="+mn-lt"/>
+                          <a:ea typeface="+mn-ea"/>
+                          <a:cs typeface="+mn-cs"/>
+                        </a:rPr>
+                        <a:t>VFNMA</a:t>
+                      </a:r>
+                      <a:endParaRPr lang="en-US" dirty="0"/>
+                    </a:p>
+                  </a:txBody>
+                  <a:tcPr/>
+                </a:tc>
+                <a:tc>
+                  <a:txBody>
+                    <a:bodyPr/>
+                    <a:lstStyle/>
+                    <a:p>
+                      <a:r>
+                        <a:rPr lang="en-US" sz="1800" kern="1200" baseline="0" dirty="0" smtClean="0">
+                          <a:solidFill>
+                            <a:schemeClr val="dk1"/>
+                          </a:solidFill>
+                          <a:latin typeface="+mn-lt"/>
+                          <a:ea typeface="+mn-ea"/>
+                          <a:cs typeface="+mn-cs"/>
+                        </a:rPr>
+                        <a:t>Fused Negate</a:t>
+                      </a:r>
+                    </a:p>
+                    <a:p>
+                      <a:r>
+                        <a:rPr lang="en-US" sz="1800" kern="1200" baseline="0" dirty="0" smtClean="0">
+                          <a:solidFill>
+                            <a:schemeClr val="dk1"/>
+                          </a:solidFill>
+                          <a:latin typeface="+mn-lt"/>
+                          <a:ea typeface="+mn-ea"/>
+                          <a:cs typeface="+mn-cs"/>
+                        </a:rPr>
+                        <a:t>Multiply–accumulate</a:t>
+                      </a:r>
+                    </a:p>
+                    <a:p>
+                      <a:r>
+                        <a:rPr lang="sv-SE" sz="1800" kern="1200" baseline="0" dirty="0" smtClean="0">
+                          <a:solidFill>
+                            <a:schemeClr val="dk1"/>
+                          </a:solidFill>
+                          <a:latin typeface="+mn-lt"/>
+                          <a:ea typeface="+mn-ea"/>
+                          <a:cs typeface="+mn-cs"/>
+                        </a:rPr>
+                        <a:t>Sd = (−1 * Sd) + (Sn * Sm)</a:t>
+                      </a:r>
+                      <a:endParaRPr lang="en-US" dirty="0"/>
+                    </a:p>
+                  </a:txBody>
+                  <a:tcPr/>
+                </a:tc>
+                <a:tc>
+                  <a:txBody>
+                    <a:bodyPr/>
+                    <a:lstStyle/>
+                    <a:p>
+                      <a:r>
+                        <a:rPr lang="en-US" sz="1800" kern="1200" baseline="0" dirty="0" smtClean="0">
+                          <a:solidFill>
+                            <a:schemeClr val="dk1"/>
+                          </a:solidFill>
+                          <a:latin typeface="+mn-lt"/>
+                          <a:ea typeface="+mn-ea"/>
+                          <a:cs typeface="+mn-cs"/>
+                        </a:rPr>
+                        <a:t>Temp = (</a:t>
+                      </a:r>
+                      <a:r>
+                        <a:rPr lang="en-US" sz="1800" kern="1200" baseline="0" dirty="0" err="1" smtClean="0">
+                          <a:solidFill>
+                            <a:schemeClr val="dk1"/>
+                          </a:solidFill>
+                          <a:latin typeface="+mn-lt"/>
+                          <a:ea typeface="+mn-ea"/>
+                          <a:cs typeface="+mn-cs"/>
+                        </a:rPr>
+                        <a:t>Sn</a:t>
+                      </a:r>
+                      <a:r>
+                        <a:rPr lang="en-US" sz="1800" kern="1200" baseline="0" dirty="0" smtClean="0">
+                          <a:solidFill>
+                            <a:schemeClr val="dk1"/>
+                          </a:solidFill>
+                          <a:latin typeface="+mn-lt"/>
+                          <a:ea typeface="+mn-ea"/>
+                          <a:cs typeface="+mn-cs"/>
+                        </a:rPr>
+                        <a:t> * </a:t>
+                      </a:r>
+                      <a:r>
+                        <a:rPr lang="en-US" sz="1800" kern="1200" baseline="0" dirty="0" err="1" smtClean="0">
+                          <a:solidFill>
+                            <a:schemeClr val="dk1"/>
+                          </a:solidFill>
+                          <a:latin typeface="+mn-lt"/>
+                          <a:ea typeface="+mn-ea"/>
+                          <a:cs typeface="+mn-cs"/>
+                        </a:rPr>
+                        <a:t>Sm</a:t>
+                      </a:r>
+                      <a:r>
+                        <a:rPr lang="en-US" sz="1800" kern="1200" baseline="0" dirty="0" smtClean="0">
+                          <a:solidFill>
+                            <a:schemeClr val="dk1"/>
+                          </a:solidFill>
+                          <a:latin typeface="+mn-lt"/>
+                          <a:ea typeface="+mn-ea"/>
+                          <a:cs typeface="+mn-cs"/>
+                        </a:rPr>
+                        <a:t>)</a:t>
+                      </a:r>
+                    </a:p>
+                    <a:p>
+                      <a:r>
+                        <a:rPr lang="en-US" sz="1800" kern="1200" baseline="0" dirty="0" smtClean="0">
+                          <a:solidFill>
+                            <a:schemeClr val="dk1"/>
+                          </a:solidFill>
+                          <a:latin typeface="+mn-lt"/>
+                          <a:ea typeface="+mn-ea"/>
+                          <a:cs typeface="+mn-cs"/>
+                        </a:rPr>
+                        <a:t>Temp2 = Negate(</a:t>
+                      </a:r>
+                      <a:r>
+                        <a:rPr lang="en-US" sz="1800" kern="1200" baseline="0" dirty="0" err="1" smtClean="0">
+                          <a:solidFill>
+                            <a:schemeClr val="dk1"/>
+                          </a:solidFill>
+                          <a:latin typeface="+mn-lt"/>
+                          <a:ea typeface="+mn-ea"/>
+                          <a:cs typeface="+mn-cs"/>
+                        </a:rPr>
+                        <a:t>Sd</a:t>
+                      </a:r>
+                      <a:r>
+                        <a:rPr lang="en-US" sz="1800" kern="1200" baseline="0" dirty="0" smtClean="0">
+                          <a:solidFill>
+                            <a:schemeClr val="dk1"/>
+                          </a:solidFill>
+                          <a:latin typeface="+mn-lt"/>
+                          <a:ea typeface="+mn-ea"/>
+                          <a:cs typeface="+mn-cs"/>
+                        </a:rPr>
+                        <a:t>)</a:t>
+                      </a:r>
+                    </a:p>
+                    <a:p>
+                      <a:r>
+                        <a:rPr lang="en-US" sz="1800" kern="1200" baseline="0" dirty="0" err="1" smtClean="0">
+                          <a:solidFill>
+                            <a:schemeClr val="dk1"/>
+                          </a:solidFill>
+                          <a:latin typeface="+mn-lt"/>
+                          <a:ea typeface="+mn-ea"/>
+                          <a:cs typeface="+mn-cs"/>
+                        </a:rPr>
+                        <a:t>Sd</a:t>
+                      </a:r>
+                      <a:r>
+                        <a:rPr lang="en-US" sz="1800" kern="1200" baseline="0" dirty="0" smtClean="0">
+                          <a:solidFill>
+                            <a:schemeClr val="dk1"/>
+                          </a:solidFill>
+                          <a:latin typeface="+mn-lt"/>
+                          <a:ea typeface="+mn-ea"/>
+                          <a:cs typeface="+mn-cs"/>
+                        </a:rPr>
+                        <a:t> = Round(Temp2 + Temp)</a:t>
+                      </a:r>
+                      <a:endParaRPr lang="en-US" dirty="0"/>
+                    </a:p>
+                  </a:txBody>
+                  <a:tcPr/>
+                </a:tc>
+              </a:tr>
+              <a:tr h="1601909">
+                <a:tc>
+                  <a:txBody>
+                    <a:bodyPr/>
+                    <a:lstStyle/>
+                    <a:p>
+                      <a:r>
+                        <a:rPr lang="en-US" sz="1800" kern="1200" baseline="0" dirty="0" smtClean="0">
+                          <a:solidFill>
+                            <a:schemeClr val="dk1"/>
+                          </a:solidFill>
+                          <a:latin typeface="+mn-lt"/>
+                          <a:ea typeface="+mn-ea"/>
+                          <a:cs typeface="+mn-cs"/>
+                        </a:rPr>
+                        <a:t>VFNMS</a:t>
+                      </a:r>
+                      <a:endParaRPr lang="en-US" dirty="0"/>
+                    </a:p>
+                  </a:txBody>
+                  <a:tcPr/>
+                </a:tc>
+                <a:tc>
+                  <a:txBody>
+                    <a:bodyPr/>
+                    <a:lstStyle/>
+                    <a:p>
+                      <a:r>
+                        <a:rPr lang="en-US" sz="1800" kern="1200" baseline="0" dirty="0" smtClean="0">
+                          <a:solidFill>
+                            <a:schemeClr val="dk1"/>
+                          </a:solidFill>
+                          <a:latin typeface="+mn-lt"/>
+                          <a:ea typeface="+mn-ea"/>
+                          <a:cs typeface="+mn-cs"/>
+                        </a:rPr>
+                        <a:t>Fused Negate Multiply Subtract</a:t>
+                      </a:r>
+                    </a:p>
+                    <a:p>
+                      <a:r>
+                        <a:rPr lang="en-US" sz="1800" kern="1200" baseline="0" dirty="0" err="1" smtClean="0">
+                          <a:solidFill>
+                            <a:schemeClr val="dk1"/>
+                          </a:solidFill>
+                          <a:latin typeface="+mn-lt"/>
+                          <a:ea typeface="+mn-ea"/>
+                          <a:cs typeface="+mn-cs"/>
+                        </a:rPr>
+                        <a:t>Sd</a:t>
+                      </a:r>
+                      <a:r>
+                        <a:rPr lang="en-US" sz="1800" kern="1200" baseline="0" dirty="0" smtClean="0">
+                          <a:solidFill>
+                            <a:schemeClr val="dk1"/>
+                          </a:solidFill>
+                          <a:latin typeface="+mn-lt"/>
+                          <a:ea typeface="+mn-ea"/>
+                          <a:cs typeface="+mn-cs"/>
+                        </a:rPr>
+                        <a:t> = (−1 * </a:t>
+                      </a:r>
+                      <a:r>
+                        <a:rPr lang="en-US" sz="1800" kern="1200" baseline="0" dirty="0" err="1" smtClean="0">
+                          <a:solidFill>
+                            <a:schemeClr val="dk1"/>
+                          </a:solidFill>
+                          <a:latin typeface="+mn-lt"/>
+                          <a:ea typeface="+mn-ea"/>
+                          <a:cs typeface="+mn-cs"/>
+                        </a:rPr>
+                        <a:t>Sd</a:t>
+                      </a:r>
+                      <a:r>
+                        <a:rPr lang="en-US" sz="1800" kern="1200" baseline="0" dirty="0" smtClean="0">
+                          <a:solidFill>
+                            <a:schemeClr val="dk1"/>
+                          </a:solidFill>
+                          <a:latin typeface="+mn-lt"/>
+                          <a:ea typeface="+mn-ea"/>
+                          <a:cs typeface="+mn-cs"/>
+                        </a:rPr>
+                        <a:t>) + ((−1 * </a:t>
+                      </a:r>
+                      <a:r>
+                        <a:rPr lang="en-US" sz="1800" kern="1200" baseline="0" dirty="0" err="1" smtClean="0">
+                          <a:solidFill>
+                            <a:schemeClr val="dk1"/>
+                          </a:solidFill>
+                          <a:latin typeface="+mn-lt"/>
+                          <a:ea typeface="+mn-ea"/>
+                          <a:cs typeface="+mn-cs"/>
+                        </a:rPr>
+                        <a:t>Sn</a:t>
+                      </a:r>
+                      <a:r>
+                        <a:rPr lang="en-US" sz="1800" kern="1200" baseline="0" dirty="0" smtClean="0">
+                          <a:solidFill>
+                            <a:schemeClr val="dk1"/>
+                          </a:solidFill>
+                          <a:latin typeface="+mn-lt"/>
+                          <a:ea typeface="+mn-ea"/>
+                          <a:cs typeface="+mn-cs"/>
+                        </a:rPr>
+                        <a:t>) * </a:t>
+                      </a:r>
+                      <a:r>
+                        <a:rPr lang="en-US" sz="1800" kern="1200" baseline="0" dirty="0" err="1" smtClean="0">
+                          <a:solidFill>
+                            <a:schemeClr val="dk1"/>
+                          </a:solidFill>
+                          <a:latin typeface="+mn-lt"/>
+                          <a:ea typeface="+mn-ea"/>
+                          <a:cs typeface="+mn-cs"/>
+                        </a:rPr>
+                        <a:t>Sm</a:t>
+                      </a:r>
+                      <a:r>
+                        <a:rPr lang="en-US" sz="1800" kern="1200" baseline="0" dirty="0" smtClean="0">
+                          <a:solidFill>
+                            <a:schemeClr val="dk1"/>
+                          </a:solidFill>
+                          <a:latin typeface="+mn-lt"/>
+                          <a:ea typeface="+mn-ea"/>
+                          <a:cs typeface="+mn-cs"/>
+                        </a:rPr>
+                        <a:t>)</a:t>
+                      </a:r>
+                      <a:endParaRPr lang="en-US" dirty="0"/>
+                    </a:p>
+                  </a:txBody>
+                  <a:tcPr/>
+                </a:tc>
+                <a:tc>
+                  <a:txBody>
+                    <a:bodyPr/>
+                    <a:lstStyle/>
+                    <a:p>
+                      <a:r>
+                        <a:rPr lang="en-US" sz="1800" kern="1200" baseline="0" dirty="0" smtClean="0">
+                          <a:solidFill>
+                            <a:schemeClr val="dk1"/>
+                          </a:solidFill>
+                          <a:latin typeface="+mn-lt"/>
+                          <a:ea typeface="+mn-ea"/>
+                          <a:cs typeface="+mn-cs"/>
+                        </a:rPr>
+                        <a:t>Temp = Negate(</a:t>
+                      </a:r>
+                      <a:r>
+                        <a:rPr lang="en-US" sz="1800" kern="1200" baseline="0" dirty="0" err="1" smtClean="0">
+                          <a:solidFill>
+                            <a:schemeClr val="dk1"/>
+                          </a:solidFill>
+                          <a:latin typeface="+mn-lt"/>
+                          <a:ea typeface="+mn-ea"/>
+                          <a:cs typeface="+mn-cs"/>
+                        </a:rPr>
+                        <a:t>Sn</a:t>
+                      </a:r>
+                      <a:r>
+                        <a:rPr lang="en-US" sz="1800" kern="1200" baseline="0" dirty="0" smtClean="0">
+                          <a:solidFill>
+                            <a:schemeClr val="dk1"/>
+                          </a:solidFill>
+                          <a:latin typeface="+mn-lt"/>
+                          <a:ea typeface="+mn-ea"/>
+                          <a:cs typeface="+mn-cs"/>
+                        </a:rPr>
+                        <a:t>)</a:t>
+                      </a:r>
+                    </a:p>
+                    <a:p>
+                      <a:r>
+                        <a:rPr lang="en-US" sz="1800" kern="1200" baseline="0" dirty="0" smtClean="0">
+                          <a:solidFill>
+                            <a:schemeClr val="dk1"/>
+                          </a:solidFill>
+                          <a:latin typeface="+mn-lt"/>
+                          <a:ea typeface="+mn-ea"/>
+                          <a:cs typeface="+mn-cs"/>
+                        </a:rPr>
+                        <a:t>Temp = (Temp * </a:t>
+                      </a:r>
+                      <a:r>
+                        <a:rPr lang="en-US" sz="1800" kern="1200" baseline="0" dirty="0" err="1" smtClean="0">
+                          <a:solidFill>
+                            <a:schemeClr val="dk1"/>
+                          </a:solidFill>
+                          <a:latin typeface="+mn-lt"/>
+                          <a:ea typeface="+mn-ea"/>
+                          <a:cs typeface="+mn-cs"/>
+                        </a:rPr>
+                        <a:t>Sm</a:t>
+                      </a:r>
+                      <a:r>
+                        <a:rPr lang="en-US" sz="1800" kern="1200" baseline="0" dirty="0" smtClean="0">
+                          <a:solidFill>
+                            <a:schemeClr val="dk1"/>
+                          </a:solidFill>
+                          <a:latin typeface="+mn-lt"/>
+                          <a:ea typeface="+mn-ea"/>
+                          <a:cs typeface="+mn-cs"/>
+                        </a:rPr>
+                        <a:t>)</a:t>
+                      </a:r>
+                    </a:p>
+                    <a:p>
+                      <a:r>
+                        <a:rPr lang="en-US" sz="1800" kern="1200" baseline="0" dirty="0" smtClean="0">
+                          <a:solidFill>
+                            <a:schemeClr val="dk1"/>
+                          </a:solidFill>
+                          <a:latin typeface="+mn-lt"/>
+                          <a:ea typeface="+mn-ea"/>
+                          <a:cs typeface="+mn-cs"/>
+                        </a:rPr>
+                        <a:t>Temp2 = Negate(</a:t>
+                      </a:r>
+                      <a:r>
+                        <a:rPr lang="en-US" sz="1800" kern="1200" baseline="0" dirty="0" err="1" smtClean="0">
+                          <a:solidFill>
+                            <a:schemeClr val="dk1"/>
+                          </a:solidFill>
+                          <a:latin typeface="+mn-lt"/>
+                          <a:ea typeface="+mn-ea"/>
+                          <a:cs typeface="+mn-cs"/>
+                        </a:rPr>
+                        <a:t>Sd</a:t>
+                      </a:r>
+                      <a:r>
+                        <a:rPr lang="en-US" sz="1800" kern="1200" baseline="0" dirty="0" smtClean="0">
+                          <a:solidFill>
+                            <a:schemeClr val="dk1"/>
+                          </a:solidFill>
+                          <a:latin typeface="+mn-lt"/>
+                          <a:ea typeface="+mn-ea"/>
+                          <a:cs typeface="+mn-cs"/>
+                        </a:rPr>
+                        <a:t>)</a:t>
+                      </a:r>
+                    </a:p>
+                    <a:p>
+                      <a:r>
+                        <a:rPr lang="en-US" sz="1800" kern="1200" baseline="0" dirty="0" err="1" smtClean="0">
+                          <a:solidFill>
+                            <a:schemeClr val="dk1"/>
+                          </a:solidFill>
+                          <a:latin typeface="+mn-lt"/>
+                          <a:ea typeface="+mn-ea"/>
+                          <a:cs typeface="+mn-cs"/>
+                        </a:rPr>
+                        <a:t>Sd</a:t>
+                      </a:r>
+                      <a:r>
+                        <a:rPr lang="en-US" sz="1800" kern="1200" baseline="0" dirty="0" smtClean="0">
+                          <a:solidFill>
+                            <a:schemeClr val="dk1"/>
+                          </a:solidFill>
+                          <a:latin typeface="+mn-lt"/>
+                          <a:ea typeface="+mn-ea"/>
+                          <a:cs typeface="+mn-cs"/>
+                        </a:rPr>
+                        <a:t> = Round(Temp2 + Temp)</a:t>
+                      </a:r>
+                      <a:endParaRPr lang="en-US" dirty="0"/>
+                    </a:p>
+                  </a:txBody>
+                  <a:tcPr/>
+                </a:tc>
+              </a:tr>
+            </a:tbl>
+          </a:graphicData>
+        </a:graphic>
+      </p:graphicFrame>
+    </p:spTree>
+  </p:cSld>
+  <p:clrMapOvr>
+    <a:masterClrMapping/>
+  </p:clrMapOvr>
+</p:sld>
+</file>
+
+<file path=ppt/slides/slide48.xml><?xml version="1.0" encoding="utf-8"?>
+<p:sld xmlns:a="http://schemas.openxmlformats.org/drawingml/2006/main" xmlns:r="http://schemas.openxmlformats.org/officeDocument/2006/relationships" xmlns:p="http://schemas.openxmlformats.org/presentationml/2006/main">
+  <p:cSld>
+    <p:spTree>
+      <p:nvGrpSpPr>
+        <p:cNvPr id="1" name=""/>
+        <p:cNvGrpSpPr/>
+        <p:nvPr/>
+      </p:nvGrpSpPr>
+      <p:grpSpPr>
+        <a:xfrm>
+          <a:off x="0" y="0"/>
+          <a:ext cx="0" cy="0"/>
+          <a:chOff x="0" y="0"/>
+          <a:chExt cx="0" cy="0"/>
+        </a:xfrm>
+      </p:grpSpPr>
+      <p:sp>
+        <p:nvSpPr>
+          <p:cNvPr id="2" name="Title 1"/>
+          <p:cNvSpPr>
+            <a:spLocks noGrp="1"/>
+          </p:cNvSpPr>
+          <p:nvPr>
+            <p:ph type="title"/>
+          </p:nvPr>
+        </p:nvSpPr>
+        <p:spPr>
+          <a:xfrm>
+            <a:off x="457200" y="274638"/>
+            <a:ext cx="8229600" cy="1706562"/>
+          </a:xfrm>
+        </p:spPr>
+        <p:txBody>
+          <a:bodyPr>
+            <a:normAutofit fontScale="90000"/>
+          </a:bodyPr>
+          <a:lstStyle/>
+          <a:p>
+            <a:r>
+              <a:rPr lang="en-US" dirty="0" smtClean="0"/>
+              <a:t>Implementation of Exponential Series</a:t>
+            </a:r>
+            <a:br>
+              <a:rPr lang="en-US" dirty="0" smtClean="0"/>
+            </a:br>
+            <a:r>
+              <a:rPr lang="en-US" dirty="0" smtClean="0"/>
+              <a:t>in Cortex –M4</a:t>
+            </a:r>
+            <a:br>
+              <a:rPr lang="en-US" dirty="0" smtClean="0"/>
+            </a:br>
+            <a:r>
+              <a:rPr lang="en-US" dirty="0" smtClean="0"/>
+              <a:t> Due on 10-Oct-2016</a:t>
+            </a:r>
+            <a:endParaRPr lang="en-US" dirty="0"/>
+          </a:p>
+        </p:txBody>
+      </p:sp>
+      <p:pic>
+        <p:nvPicPr>
+          <p:cNvPr id="1026" name="Picture 2"/>
+          <p:cNvPicPr>
+            <a:picLocks noChangeAspect="1" noChangeArrowheads="1"/>
+          </p:cNvPicPr>
+          <p:nvPr/>
+        </p:nvPicPr>
+        <p:blipFill>
+          <a:blip r:embed="rId2" cstate="print"/>
+          <a:srcRect/>
+          <a:stretch>
+            <a:fillRect/>
+          </a:stretch>
+        </p:blipFill>
+        <p:spPr bwMode="auto">
+          <a:xfrm>
+            <a:off x="457200" y="2667000"/>
+            <a:ext cx="8423413" cy="1371600"/>
+          </a:xfrm>
+          <a:prstGeom prst="rect">
+            <a:avLst/>
+          </a:prstGeom>
+          <a:noFill/>
+          <a:ln w="9525">
+            <a:noFill/>
+            <a:miter lim="800000"/>
+            <a:headEnd/>
+            <a:tailEnd/>
+          </a:ln>
+        </p:spPr>
+      </p:pic>
+      <p:sp>
+        <p:nvSpPr>
+          <p:cNvPr id="4" name="TextBox 3"/>
+          <p:cNvSpPr txBox="1"/>
+          <p:nvPr/>
+        </p:nvSpPr>
+        <p:spPr>
+          <a:xfrm>
+            <a:off x="436194" y="4876800"/>
+            <a:ext cx="8500404" cy="923330"/>
+          </a:xfrm>
+          <a:prstGeom prst="rect">
+            <a:avLst/>
+          </a:prstGeom>
+          <a:noFill/>
+        </p:spPr>
+        <p:txBody>
+          <a:bodyPr wrap="none" rtlCol="0">
+            <a:spAutoFit/>
+          </a:bodyPr>
+          <a:lstStyle/>
+          <a:p>
+            <a:r>
+              <a:rPr lang="en-US" dirty="0" smtClean="0"/>
+              <a:t>In the next phase of the assignment we  will see how to use this implementation as a </a:t>
+            </a:r>
+          </a:p>
+          <a:p>
+            <a:r>
+              <a:rPr lang="en-US" dirty="0" smtClean="0"/>
+              <a:t>Library that can be used for building   Machine Learning  programs on a ARM processor .  </a:t>
+            </a:r>
+          </a:p>
+          <a:p>
+            <a:r>
+              <a:rPr lang="en-US" dirty="0" smtClean="0"/>
+              <a:t>Later you will learn how to write interface to this routine from high level language Like C</a:t>
+            </a:r>
+            <a:endParaRPr lang="en-US" dirty="0"/>
+          </a:p>
+        </p:txBody>
+      </p:sp>
+    </p:spTree>
+  </p:cSld>
+  <p:clrMapOvr>
+    <a:masterClrMapping/>
+  </p:clrMapOvr>
 </p:sld>
 </file>
 
@@ -16548,13 +19779,7 @@
               <a:rPr lang="en-US" dirty="0" smtClean="0">
                 <a:hlinkClick r:id="rId2"/>
               </a:rPr>
-              <a:t>http://</a:t>
-            </a:r>
-            <a:r>
-              <a:rPr lang="en-US" dirty="0" smtClean="0">
-                <a:hlinkClick r:id="rId2"/>
-              </a:rPr>
-              <a:t>babbage.cs.qc.cuny.edu/IEEE-754.old/32bit.html</a:t>
+              <a:t>http://babbage.cs.qc.cuny.edu/IEEE-754.old/32bit.html</a:t>
             </a:r>
             <a:endParaRPr lang="en-US" dirty="0" smtClean="0"/>
           </a:p>
@@ -16574,7 +19799,6 @@
               <a:rPr lang="en-US" dirty="0" smtClean="0"/>
               <a:t>https://www.h-schmidt.net/FloatConverter/IEEE754.html</a:t>
             </a:r>
-            <a:endParaRPr lang="en-US" dirty="0" smtClean="0"/>
           </a:p>
           <a:p>
             <a:pPr>
